--- a/assets/images/ccai_citylearn_systems.pptx
+++ b/assets/images/ccai_citylearn_systems.pptx
@@ -5,17 +5,19 @@
     <p:sldMasterId id="2147483648" r:id="rId1"/>
   </p:sldMasterIdLst>
   <p:notesMasterIdLst>
-    <p:notesMasterId r:id="rId7"/>
+    <p:notesMasterId r:id="rId9"/>
   </p:notesMasterIdLst>
   <p:handoutMasterIdLst>
-    <p:handoutMasterId r:id="rId8"/>
+    <p:handoutMasterId r:id="rId10"/>
   </p:handoutMasterIdLst>
   <p:sldIdLst>
     <p:sldId id="833" r:id="rId2"/>
-    <p:sldId id="842" r:id="rId3"/>
-    <p:sldId id="846" r:id="rId4"/>
-    <p:sldId id="844" r:id="rId5"/>
-    <p:sldId id="847" r:id="rId6"/>
+    <p:sldId id="848" r:id="rId3"/>
+    <p:sldId id="842" r:id="rId4"/>
+    <p:sldId id="846" r:id="rId5"/>
+    <p:sldId id="844" r:id="rId6"/>
+    <p:sldId id="849" r:id="rId7"/>
+    <p:sldId id="847" r:id="rId8"/>
   </p:sldIdLst>
   <p:sldSz cx="12192000" cy="6858000"/>
   <p:notesSz cx="7099300" cy="10234613"/>
@@ -253,7 +255,7 @@
           <a:p>
             <a:fld id="{C375809C-1078-40E5-8D78-A06230988E2D}" type="datetimeFigureOut">
               <a:rPr lang="en-US" smtClean="0"/>
-              <a:t>5/23/23</a:t>
+              <a:t>8/31/23</a:t>
             </a:fld>
             <a:endParaRPr lang="en-US"/>
           </a:p>
@@ -431,7 +433,7 @@
             <a:fld id="{2B843C7C-BC90-49F1-B4F6-A48532280559}" type="datetimeFigureOut">
               <a:rPr lang="de-DE" smtClean="0"/>
               <a:pPr/>
-              <a:t>23.05.23</a:t>
+              <a:t>31.08.23</a:t>
             </a:fld>
             <a:endParaRPr lang="de-DE"/>
           </a:p>
@@ -694,6 +696,91 @@
     </a:lvl9pPr>
   </p:notesStyle>
 </p:notesMaster>
+</file>
+
+<file path=ppt/notesSlides/notesSlide1.xml><?xml version="1.0" encoding="utf-8"?>
+<p:notes xmlns:a="http://schemas.openxmlformats.org/drawingml/2006/main" xmlns:r="http://schemas.openxmlformats.org/officeDocument/2006/relationships" xmlns:p="http://schemas.openxmlformats.org/presentationml/2006/main">
+  <p:cSld>
+    <p:spTree>
+      <p:nvGrpSpPr>
+        <p:cNvPr id="1" name=""/>
+        <p:cNvGrpSpPr/>
+        <p:nvPr/>
+      </p:nvGrpSpPr>
+      <p:grpSpPr>
+        <a:xfrm>
+          <a:off x="0" y="0"/>
+          <a:ext cx="0" cy="0"/>
+          <a:chOff x="0" y="0"/>
+          <a:chExt cx="0" cy="0"/>
+        </a:xfrm>
+      </p:grpSpPr>
+      <p:sp>
+        <p:nvSpPr>
+          <p:cNvPr id="2" name="Slide Image Placeholder 1"/>
+          <p:cNvSpPr>
+            <a:spLocks noGrp="1" noRot="1" noChangeAspect="1"/>
+          </p:cNvSpPr>
+          <p:nvPr>
+            <p:ph type="sldImg"/>
+          </p:nvPr>
+        </p:nvSpPr>
+        <p:spPr/>
+      </p:sp>
+      <p:sp>
+        <p:nvSpPr>
+          <p:cNvPr id="3" name="Notes Placeholder 2"/>
+          <p:cNvSpPr>
+            <a:spLocks noGrp="1"/>
+          </p:cNvSpPr>
+          <p:nvPr>
+            <p:ph type="body" idx="1"/>
+          </p:nvPr>
+        </p:nvSpPr>
+        <p:spPr/>
+        <p:txBody>
+          <a:bodyPr/>
+          <a:lstStyle/>
+          <a:p>
+            <a:endParaRPr lang="en-US" dirty="0"/>
+          </a:p>
+        </p:txBody>
+      </p:sp>
+      <p:sp>
+        <p:nvSpPr>
+          <p:cNvPr id="4" name="Slide Number Placeholder 3"/>
+          <p:cNvSpPr>
+            <a:spLocks noGrp="1"/>
+          </p:cNvSpPr>
+          <p:nvPr>
+            <p:ph type="sldNum" sz="quarter" idx="5"/>
+          </p:nvPr>
+        </p:nvSpPr>
+        <p:spPr/>
+        <p:txBody>
+          <a:bodyPr/>
+          <a:lstStyle/>
+          <a:p>
+            <a:fld id="{D2624BB8-E655-48B1-8359-9061FBE7B934}" type="slidenum">
+              <a:rPr lang="de-DE" smtClean="0"/>
+              <a:pPr/>
+              <a:t>6</a:t>
+            </a:fld>
+            <a:endParaRPr lang="de-DE"/>
+          </a:p>
+        </p:txBody>
+      </p:sp>
+    </p:spTree>
+    <p:extLst>
+      <p:ext uri="{BB962C8B-B14F-4D97-AF65-F5344CB8AC3E}">
+        <p14:creationId xmlns:p14="http://schemas.microsoft.com/office/powerpoint/2010/main" val="2300078309"/>
+      </p:ext>
+    </p:extLst>
+  </p:cSld>
+  <p:clrMapOvr>
+    <a:masterClrMapping/>
+  </p:clrMapOvr>
+</p:notes>
 </file>
 
 <file path=ppt/slideLayouts/slideLayout1.xml><?xml version="1.0" encoding="utf-8"?>
@@ -3698,6 +3785,2118 @@
 </file>
 
 <file path=ppt/slides/slide2.xml><?xml version="1.0" encoding="utf-8"?>
+<p:sld xmlns:a="http://schemas.openxmlformats.org/drawingml/2006/main" xmlns:r="http://schemas.openxmlformats.org/officeDocument/2006/relationships" xmlns:p="http://schemas.openxmlformats.org/presentationml/2006/main">
+  <p:cSld>
+    <p:spTree>
+      <p:nvGrpSpPr>
+        <p:cNvPr id="1" name=""/>
+        <p:cNvGrpSpPr/>
+        <p:nvPr/>
+      </p:nvGrpSpPr>
+      <p:grpSpPr>
+        <a:xfrm>
+          <a:off x="0" y="0"/>
+          <a:ext cx="0" cy="0"/>
+          <a:chOff x="0" y="0"/>
+          <a:chExt cx="0" cy="0"/>
+        </a:xfrm>
+      </p:grpSpPr>
+      <p:sp>
+        <p:nvSpPr>
+          <p:cNvPr id="5" name="Rounded Rectangle 4">
+            <a:extLst>
+              <a:ext uri="{FF2B5EF4-FFF2-40B4-BE49-F238E27FC236}">
+                <a16:creationId xmlns:a16="http://schemas.microsoft.com/office/drawing/2014/main" id="{6C5A5726-E2AB-A72A-ECAD-70F42B3A4177}"/>
+              </a:ext>
+            </a:extLst>
+          </p:cNvPr>
+          <p:cNvSpPr/>
+          <p:nvPr/>
+        </p:nvSpPr>
+        <p:spPr>
+          <a:xfrm rot="10800000">
+            <a:off x="2855641" y="631023"/>
+            <a:ext cx="3513180" cy="5606288"/>
+          </a:xfrm>
+          <a:prstGeom prst="roundRect">
+            <a:avLst>
+              <a:gd name="adj" fmla="val 6867"/>
+            </a:avLst>
+          </a:prstGeom>
+          <a:solidFill>
+            <a:schemeClr val="bg1">
+              <a:lumMod val="85000"/>
+            </a:schemeClr>
+          </a:solidFill>
+          <a:ln w="28575">
+            <a:solidFill>
+              <a:schemeClr val="tx1"/>
+            </a:solidFill>
+            <a:prstDash val="solid"/>
+          </a:ln>
+        </p:spPr>
+        <p:style>
+          <a:lnRef idx="2">
+            <a:schemeClr val="accent1">
+              <a:shade val="50000"/>
+            </a:schemeClr>
+          </a:lnRef>
+          <a:fillRef idx="1">
+            <a:schemeClr val="accent1"/>
+          </a:fillRef>
+          <a:effectRef idx="0">
+            <a:schemeClr val="accent1"/>
+          </a:effectRef>
+          <a:fontRef idx="minor">
+            <a:schemeClr val="lt1"/>
+          </a:fontRef>
+        </p:style>
+        <p:txBody>
+          <a:bodyPr rtlCol="0" anchor="ctr"/>
+          <a:lstStyle/>
+          <a:p>
+            <a:pPr algn="ctr"/>
+            <a:endParaRPr lang="en-US"/>
+          </a:p>
+        </p:txBody>
+      </p:sp>
+      <p:sp>
+        <p:nvSpPr>
+          <p:cNvPr id="6" name="TextBox 5">
+            <a:extLst>
+              <a:ext uri="{FF2B5EF4-FFF2-40B4-BE49-F238E27FC236}">
+                <a16:creationId xmlns:a16="http://schemas.microsoft.com/office/drawing/2014/main" id="{797CB7DB-245D-F7E7-5BFA-C5A2FCC5B5D9}"/>
+              </a:ext>
+            </a:extLst>
+          </p:cNvPr>
+          <p:cNvSpPr txBox="1"/>
+          <p:nvPr/>
+        </p:nvSpPr>
+        <p:spPr>
+          <a:xfrm>
+            <a:off x="4707086" y="692696"/>
+            <a:ext cx="1567954" cy="338554"/>
+          </a:xfrm>
+          <a:prstGeom prst="rect">
+            <a:avLst/>
+          </a:prstGeom>
+          <a:noFill/>
+        </p:spPr>
+        <p:txBody>
+          <a:bodyPr wrap="square" rtlCol="0">
+            <a:spAutoFit/>
+          </a:bodyPr>
+          <a:lstStyle/>
+          <a:p>
+            <a:pPr algn="ctr"/>
+            <a:r>
+              <a:rPr lang="en-US" sz="1600" b="1" dirty="0"/>
+              <a:t>Building N </a:t>
+            </a:r>
+          </a:p>
+        </p:txBody>
+      </p:sp>
+      <p:sp>
+        <p:nvSpPr>
+          <p:cNvPr id="33" name="Rounded Rectangle 32">
+            <a:extLst>
+              <a:ext uri="{FF2B5EF4-FFF2-40B4-BE49-F238E27FC236}">
+                <a16:creationId xmlns:a16="http://schemas.microsoft.com/office/drawing/2014/main" id="{BF90E792-2863-07B2-63EF-82251253A890}"/>
+              </a:ext>
+            </a:extLst>
+          </p:cNvPr>
+          <p:cNvSpPr/>
+          <p:nvPr/>
+        </p:nvSpPr>
+        <p:spPr>
+          <a:xfrm rot="10800000">
+            <a:off x="3222882" y="984705"/>
+            <a:ext cx="3513180" cy="5606288"/>
+          </a:xfrm>
+          <a:prstGeom prst="roundRect">
+            <a:avLst>
+              <a:gd name="adj" fmla="val 6867"/>
+            </a:avLst>
+          </a:prstGeom>
+          <a:solidFill>
+            <a:schemeClr val="bg1">
+              <a:lumMod val="85000"/>
+            </a:schemeClr>
+          </a:solidFill>
+          <a:ln w="28575">
+            <a:solidFill>
+              <a:schemeClr val="tx1"/>
+            </a:solidFill>
+            <a:prstDash val="solid"/>
+          </a:ln>
+        </p:spPr>
+        <p:style>
+          <a:lnRef idx="2">
+            <a:schemeClr val="accent1">
+              <a:shade val="50000"/>
+            </a:schemeClr>
+          </a:lnRef>
+          <a:fillRef idx="1">
+            <a:schemeClr val="accent1"/>
+          </a:fillRef>
+          <a:effectRef idx="0">
+            <a:schemeClr val="accent1"/>
+          </a:effectRef>
+          <a:fontRef idx="minor">
+            <a:schemeClr val="lt1"/>
+          </a:fontRef>
+        </p:style>
+        <p:txBody>
+          <a:bodyPr rtlCol="0" anchor="ctr"/>
+          <a:lstStyle/>
+          <a:p>
+            <a:pPr algn="ctr"/>
+            <a:endParaRPr lang="en-US"/>
+          </a:p>
+        </p:txBody>
+      </p:sp>
+      <p:sp>
+        <p:nvSpPr>
+          <p:cNvPr id="46" name="Rounded Rectangle 45">
+            <a:extLst>
+              <a:ext uri="{FF2B5EF4-FFF2-40B4-BE49-F238E27FC236}">
+                <a16:creationId xmlns:a16="http://schemas.microsoft.com/office/drawing/2014/main" id="{C9EED1EA-8327-3445-B343-F3C11E9B5A8D}"/>
+              </a:ext>
+            </a:extLst>
+          </p:cNvPr>
+          <p:cNvSpPr/>
+          <p:nvPr/>
+        </p:nvSpPr>
+        <p:spPr>
+          <a:xfrm>
+            <a:off x="4603920" y="2095740"/>
+            <a:ext cx="1977630" cy="1092759"/>
+          </a:xfrm>
+          <a:prstGeom prst="roundRect">
+            <a:avLst/>
+          </a:prstGeom>
+          <a:solidFill>
+            <a:schemeClr val="accent4">
+              <a:lumMod val="60000"/>
+              <a:lumOff val="40000"/>
+            </a:schemeClr>
+          </a:solidFill>
+          <a:ln w="28575">
+            <a:noFill/>
+            <a:prstDash val="sysDot"/>
+          </a:ln>
+        </p:spPr>
+        <p:style>
+          <a:lnRef idx="2">
+            <a:schemeClr val="accent1">
+              <a:shade val="50000"/>
+            </a:schemeClr>
+          </a:lnRef>
+          <a:fillRef idx="1">
+            <a:schemeClr val="accent1"/>
+          </a:fillRef>
+          <a:effectRef idx="0">
+            <a:schemeClr val="accent1"/>
+          </a:effectRef>
+          <a:fontRef idx="minor">
+            <a:schemeClr val="lt1"/>
+          </a:fontRef>
+        </p:style>
+        <p:txBody>
+          <a:bodyPr rtlCol="0" anchor="ctr"/>
+          <a:lstStyle/>
+          <a:p>
+            <a:pPr algn="ctr"/>
+            <a:endParaRPr lang="en-US"/>
+          </a:p>
+        </p:txBody>
+      </p:sp>
+      <p:sp>
+        <p:nvSpPr>
+          <p:cNvPr id="65" name="Rounded Rectangle 64">
+            <a:extLst>
+              <a:ext uri="{FF2B5EF4-FFF2-40B4-BE49-F238E27FC236}">
+                <a16:creationId xmlns:a16="http://schemas.microsoft.com/office/drawing/2014/main" id="{C4243F02-FCEB-F244-AA07-BA49983506E2}"/>
+              </a:ext>
+            </a:extLst>
+          </p:cNvPr>
+          <p:cNvSpPr/>
+          <p:nvPr/>
+        </p:nvSpPr>
+        <p:spPr>
+          <a:xfrm rot="5400000">
+            <a:off x="4206352" y="2550886"/>
+            <a:ext cx="1561584" cy="3206258"/>
+          </a:xfrm>
+          <a:prstGeom prst="roundRect">
+            <a:avLst/>
+          </a:prstGeom>
+          <a:solidFill>
+            <a:schemeClr val="accent3">
+              <a:lumMod val="60000"/>
+              <a:lumOff val="40000"/>
+            </a:schemeClr>
+          </a:solidFill>
+          <a:ln w="28575">
+            <a:noFill/>
+            <a:prstDash val="sysDot"/>
+          </a:ln>
+        </p:spPr>
+        <p:style>
+          <a:lnRef idx="2">
+            <a:schemeClr val="accent1">
+              <a:shade val="50000"/>
+            </a:schemeClr>
+          </a:lnRef>
+          <a:fillRef idx="1">
+            <a:schemeClr val="accent1"/>
+          </a:fillRef>
+          <a:effectRef idx="0">
+            <a:schemeClr val="accent1"/>
+          </a:effectRef>
+          <a:fontRef idx="minor">
+            <a:schemeClr val="lt1"/>
+          </a:fontRef>
+        </p:style>
+        <p:txBody>
+          <a:bodyPr rtlCol="0" anchor="ctr"/>
+          <a:lstStyle/>
+          <a:p>
+            <a:pPr algn="ctr"/>
+            <a:endParaRPr lang="en-US"/>
+          </a:p>
+        </p:txBody>
+      </p:sp>
+      <p:sp>
+        <p:nvSpPr>
+          <p:cNvPr id="48" name="Rounded Rectangle 47">
+            <a:extLst>
+              <a:ext uri="{FF2B5EF4-FFF2-40B4-BE49-F238E27FC236}">
+                <a16:creationId xmlns:a16="http://schemas.microsoft.com/office/drawing/2014/main" id="{87FFD480-31EC-1142-91A8-CD99B8F29361}"/>
+              </a:ext>
+            </a:extLst>
+          </p:cNvPr>
+          <p:cNvSpPr/>
+          <p:nvPr/>
+        </p:nvSpPr>
+        <p:spPr>
+          <a:xfrm>
+            <a:off x="3384014" y="5107378"/>
+            <a:ext cx="3206259" cy="1297418"/>
+          </a:xfrm>
+          <a:prstGeom prst="roundRect">
+            <a:avLst/>
+          </a:prstGeom>
+          <a:solidFill>
+            <a:schemeClr val="bg1">
+              <a:lumMod val="65000"/>
+            </a:schemeClr>
+          </a:solidFill>
+          <a:ln w="28575">
+            <a:noFill/>
+            <a:prstDash val="sysDot"/>
+          </a:ln>
+        </p:spPr>
+        <p:style>
+          <a:lnRef idx="2">
+            <a:schemeClr val="accent1">
+              <a:shade val="50000"/>
+            </a:schemeClr>
+          </a:lnRef>
+          <a:fillRef idx="1">
+            <a:schemeClr val="accent1"/>
+          </a:fillRef>
+          <a:effectRef idx="0">
+            <a:schemeClr val="accent1"/>
+          </a:effectRef>
+          <a:fontRef idx="minor">
+            <a:schemeClr val="lt1"/>
+          </a:fontRef>
+        </p:style>
+        <p:txBody>
+          <a:bodyPr rtlCol="0" anchor="ctr"/>
+          <a:lstStyle/>
+          <a:p>
+            <a:pPr algn="ctr"/>
+            <a:endParaRPr lang="en-US"/>
+          </a:p>
+        </p:txBody>
+      </p:sp>
+      <p:pic>
+        <p:nvPicPr>
+          <p:cNvPr id="18" name="Picture 17" descr="Icon&#10;&#10;Description automatically generated">
+            <a:extLst>
+              <a:ext uri="{FF2B5EF4-FFF2-40B4-BE49-F238E27FC236}">
+                <a16:creationId xmlns:a16="http://schemas.microsoft.com/office/drawing/2014/main" id="{DFC32E76-8391-9444-BDE1-21A6B5A24D86}"/>
+              </a:ext>
+            </a:extLst>
+          </p:cNvPr>
+          <p:cNvPicPr>
+            <a:picLocks noChangeAspect="1"/>
+          </p:cNvPicPr>
+          <p:nvPr/>
+        </p:nvPicPr>
+        <p:blipFill>
+          <a:blip r:embed="rId2" cstate="print">
+            <a:extLst>
+              <a:ext uri="{28A0092B-C50C-407E-A947-70E740481C1C}">
+                <a14:useLocalDpi xmlns:a14="http://schemas.microsoft.com/office/drawing/2010/main" val="0"/>
+              </a:ext>
+            </a:extLst>
+          </a:blip>
+          <a:stretch>
+            <a:fillRect/>
+          </a:stretch>
+        </p:blipFill>
+        <p:spPr>
+          <a:xfrm>
+            <a:off x="5743739" y="5349500"/>
+            <a:ext cx="626445" cy="626445"/>
+          </a:xfrm>
+          <a:prstGeom prst="rect">
+            <a:avLst/>
+          </a:prstGeom>
+        </p:spPr>
+      </p:pic>
+      <p:pic>
+        <p:nvPicPr>
+          <p:cNvPr id="22" name="Picture 21" descr="Icon&#10;&#10;Description automatically generated">
+            <a:extLst>
+              <a:ext uri="{FF2B5EF4-FFF2-40B4-BE49-F238E27FC236}">
+                <a16:creationId xmlns:a16="http://schemas.microsoft.com/office/drawing/2014/main" id="{90008645-C065-5147-AD8F-98C8059E55A7}"/>
+              </a:ext>
+            </a:extLst>
+          </p:cNvPr>
+          <p:cNvPicPr>
+            <a:picLocks noChangeAspect="1"/>
+          </p:cNvPicPr>
+          <p:nvPr/>
+        </p:nvPicPr>
+        <p:blipFill>
+          <a:blip r:embed="rId3" cstate="print">
+            <a:extLst>
+              <a:ext uri="{28A0092B-C50C-407E-A947-70E740481C1C}">
+                <a14:useLocalDpi xmlns:a14="http://schemas.microsoft.com/office/drawing/2010/main" val="0"/>
+              </a:ext>
+            </a:extLst>
+          </a:blip>
+          <a:stretch>
+            <a:fillRect/>
+          </a:stretch>
+        </p:blipFill>
+        <p:spPr>
+          <a:xfrm rot="10800000">
+            <a:off x="3460516" y="5320221"/>
+            <a:ext cx="625465" cy="625465"/>
+          </a:xfrm>
+          <a:prstGeom prst="rect">
+            <a:avLst/>
+          </a:prstGeom>
+        </p:spPr>
+      </p:pic>
+      <p:pic>
+        <p:nvPicPr>
+          <p:cNvPr id="26" name="Picture 25" descr="A picture containing icon&#10;&#10;Description automatically generated">
+            <a:extLst>
+              <a:ext uri="{FF2B5EF4-FFF2-40B4-BE49-F238E27FC236}">
+                <a16:creationId xmlns:a16="http://schemas.microsoft.com/office/drawing/2014/main" id="{361A1388-9314-AC48-BA59-69DB2D518C03}"/>
+              </a:ext>
+            </a:extLst>
+          </p:cNvPr>
+          <p:cNvPicPr>
+            <a:picLocks noChangeAspect="1"/>
+          </p:cNvPicPr>
+          <p:nvPr/>
+        </p:nvPicPr>
+        <p:blipFill>
+          <a:blip r:embed="rId4" cstate="print">
+            <a:extLst>
+              <a:ext uri="{28A0092B-C50C-407E-A947-70E740481C1C}">
+                <a14:useLocalDpi xmlns:a14="http://schemas.microsoft.com/office/drawing/2010/main" val="0"/>
+              </a:ext>
+            </a:extLst>
+          </a:blip>
+          <a:stretch>
+            <a:fillRect/>
+          </a:stretch>
+        </p:blipFill>
+        <p:spPr>
+          <a:xfrm>
+            <a:off x="5661132" y="2299651"/>
+            <a:ext cx="814996" cy="768691"/>
+          </a:xfrm>
+          <a:prstGeom prst="rect">
+            <a:avLst/>
+          </a:prstGeom>
+        </p:spPr>
+      </p:pic>
+      <p:pic>
+        <p:nvPicPr>
+          <p:cNvPr id="30" name="Picture 29" descr="A picture containing icon&#10;&#10;Description automatically generated">
+            <a:extLst>
+              <a:ext uri="{FF2B5EF4-FFF2-40B4-BE49-F238E27FC236}">
+                <a16:creationId xmlns:a16="http://schemas.microsoft.com/office/drawing/2014/main" id="{9D358902-D725-B145-BF33-3E2539609C4C}"/>
+              </a:ext>
+            </a:extLst>
+          </p:cNvPr>
+          <p:cNvPicPr>
+            <a:picLocks noChangeAspect="1"/>
+          </p:cNvPicPr>
+          <p:nvPr/>
+        </p:nvPicPr>
+        <p:blipFill>
+          <a:blip r:embed="rId5" cstate="print">
+            <a:duotone>
+              <a:schemeClr val="accent2">
+                <a:shade val="45000"/>
+                <a:satMod val="135000"/>
+              </a:schemeClr>
+              <a:prstClr val="white"/>
+            </a:duotone>
+            <a:extLst>
+              <a:ext uri="{28A0092B-C50C-407E-A947-70E740481C1C}">
+                <a14:useLocalDpi xmlns:a14="http://schemas.microsoft.com/office/drawing/2010/main" val="0"/>
+              </a:ext>
+            </a:extLst>
+          </a:blip>
+          <a:stretch>
+            <a:fillRect/>
+          </a:stretch>
+        </p:blipFill>
+        <p:spPr>
+          <a:xfrm>
+            <a:off x="4893922" y="3693311"/>
+            <a:ext cx="692289" cy="692289"/>
+          </a:xfrm>
+          <a:prstGeom prst="rect">
+            <a:avLst/>
+          </a:prstGeom>
+        </p:spPr>
+      </p:pic>
+      <p:pic>
+        <p:nvPicPr>
+          <p:cNvPr id="34" name="Picture 33" descr="A picture containing rectangle&#10;&#10;Description automatically generated">
+            <a:extLst>
+              <a:ext uri="{FF2B5EF4-FFF2-40B4-BE49-F238E27FC236}">
+                <a16:creationId xmlns:a16="http://schemas.microsoft.com/office/drawing/2014/main" id="{767B30FB-B965-D948-AAD9-B00F8CFCCC02}"/>
+              </a:ext>
+            </a:extLst>
+          </p:cNvPr>
+          <p:cNvPicPr>
+            <a:picLocks noChangeAspect="1"/>
+          </p:cNvPicPr>
+          <p:nvPr/>
+        </p:nvPicPr>
+        <p:blipFill>
+          <a:blip r:embed="rId6" cstate="print">
+            <a:extLst>
+              <a:ext uri="{28A0092B-C50C-407E-A947-70E740481C1C}">
+                <a14:useLocalDpi xmlns:a14="http://schemas.microsoft.com/office/drawing/2010/main" val="0"/>
+              </a:ext>
+            </a:extLst>
+          </a:blip>
+          <a:stretch>
+            <a:fillRect/>
+          </a:stretch>
+        </p:blipFill>
+        <p:spPr>
+          <a:xfrm>
+            <a:off x="5796430" y="3672007"/>
+            <a:ext cx="686493" cy="686493"/>
+          </a:xfrm>
+          <a:prstGeom prst="rect">
+            <a:avLst/>
+          </a:prstGeom>
+        </p:spPr>
+      </p:pic>
+      <p:pic>
+        <p:nvPicPr>
+          <p:cNvPr id="45" name="Picture 44" descr="Icon&#10;&#10;Description automatically generated">
+            <a:extLst>
+              <a:ext uri="{FF2B5EF4-FFF2-40B4-BE49-F238E27FC236}">
+                <a16:creationId xmlns:a16="http://schemas.microsoft.com/office/drawing/2014/main" id="{C9267087-CC13-8649-9F8D-1077529CF4C5}"/>
+              </a:ext>
+            </a:extLst>
+          </p:cNvPr>
+          <p:cNvPicPr>
+            <a:picLocks noChangeAspect="1"/>
+          </p:cNvPicPr>
+          <p:nvPr/>
+        </p:nvPicPr>
+        <p:blipFill>
+          <a:blip r:embed="rId7" cstate="print">
+            <a:extLst>
+              <a:ext uri="{28A0092B-C50C-407E-A947-70E740481C1C}">
+                <a14:useLocalDpi xmlns:a14="http://schemas.microsoft.com/office/drawing/2010/main" val="0"/>
+              </a:ext>
+            </a:extLst>
+          </a:blip>
+          <a:stretch>
+            <a:fillRect/>
+          </a:stretch>
+        </p:blipFill>
+        <p:spPr>
+          <a:xfrm>
+            <a:off x="4819944" y="2299650"/>
+            <a:ext cx="720080" cy="720080"/>
+          </a:xfrm>
+          <a:prstGeom prst="rect">
+            <a:avLst/>
+          </a:prstGeom>
+        </p:spPr>
+      </p:pic>
+      <p:pic>
+        <p:nvPicPr>
+          <p:cNvPr id="47" name="Picture 46" descr="Icon&#10;&#10;Description automatically generated">
+            <a:extLst>
+              <a:ext uri="{FF2B5EF4-FFF2-40B4-BE49-F238E27FC236}">
+                <a16:creationId xmlns:a16="http://schemas.microsoft.com/office/drawing/2014/main" id="{4F67AC45-B17E-A14F-9B10-F6C8D14E30DE}"/>
+              </a:ext>
+            </a:extLst>
+          </p:cNvPr>
+          <p:cNvPicPr>
+            <a:picLocks noChangeAspect="1"/>
+          </p:cNvPicPr>
+          <p:nvPr/>
+        </p:nvPicPr>
+        <p:blipFill>
+          <a:blip r:embed="rId8" cstate="print">
+            <a:extLst>
+              <a:ext uri="{28A0092B-C50C-407E-A947-70E740481C1C}">
+                <a14:useLocalDpi xmlns:a14="http://schemas.microsoft.com/office/drawing/2010/main" val="0"/>
+              </a:ext>
+            </a:extLst>
+          </a:blip>
+          <a:stretch>
+            <a:fillRect/>
+          </a:stretch>
+        </p:blipFill>
+        <p:spPr>
+          <a:xfrm>
+            <a:off x="4972683" y="5274650"/>
+            <a:ext cx="626445" cy="687391"/>
+          </a:xfrm>
+          <a:prstGeom prst="rect">
+            <a:avLst/>
+          </a:prstGeom>
+        </p:spPr>
+      </p:pic>
+      <p:pic>
+        <p:nvPicPr>
+          <p:cNvPr id="52" name="Picture 51" descr="A picture containing text, clock&#10;&#10;Description automatically generated">
+            <a:extLst>
+              <a:ext uri="{FF2B5EF4-FFF2-40B4-BE49-F238E27FC236}">
+                <a16:creationId xmlns:a16="http://schemas.microsoft.com/office/drawing/2014/main" id="{29786DD7-A38F-0C4E-9BD4-BC8A3E29B172}"/>
+              </a:ext>
+            </a:extLst>
+          </p:cNvPr>
+          <p:cNvPicPr>
+            <a:picLocks noChangeAspect="1"/>
+          </p:cNvPicPr>
+          <p:nvPr/>
+        </p:nvPicPr>
+        <p:blipFill>
+          <a:blip r:embed="rId9" cstate="print">
+            <a:biLevel thresh="75000"/>
+            <a:extLst>
+              <a:ext uri="{28A0092B-C50C-407E-A947-70E740481C1C}">
+                <a14:useLocalDpi xmlns:a14="http://schemas.microsoft.com/office/drawing/2010/main" val="0"/>
+              </a:ext>
+            </a:extLst>
+          </a:blip>
+          <a:stretch>
+            <a:fillRect/>
+          </a:stretch>
+        </p:blipFill>
+        <p:spPr>
+          <a:xfrm>
+            <a:off x="3584801" y="3712514"/>
+            <a:ext cx="669094" cy="669094"/>
+          </a:xfrm>
+          <a:prstGeom prst="rect">
+            <a:avLst/>
+          </a:prstGeom>
+          <a:noFill/>
+          <a:ln>
+            <a:noFill/>
+          </a:ln>
+        </p:spPr>
+      </p:pic>
+      <p:pic>
+        <p:nvPicPr>
+          <p:cNvPr id="54" name="Picture 53" descr="Shape&#10;&#10;Description automatically generated">
+            <a:extLst>
+              <a:ext uri="{FF2B5EF4-FFF2-40B4-BE49-F238E27FC236}">
+                <a16:creationId xmlns:a16="http://schemas.microsoft.com/office/drawing/2014/main" id="{64B91B02-6553-EA47-8B62-D314BAF551C4}"/>
+              </a:ext>
+            </a:extLst>
+          </p:cNvPr>
+          <p:cNvPicPr>
+            <a:picLocks noChangeAspect="1"/>
+          </p:cNvPicPr>
+          <p:nvPr/>
+        </p:nvPicPr>
+        <p:blipFill>
+          <a:blip r:embed="rId10" cstate="print">
+            <a:biLevel thresh="75000"/>
+            <a:extLst>
+              <a:ext uri="{28A0092B-C50C-407E-A947-70E740481C1C}">
+                <a14:useLocalDpi xmlns:a14="http://schemas.microsoft.com/office/drawing/2010/main" val="0"/>
+              </a:ext>
+            </a:extLst>
+          </a:blip>
+          <a:stretch>
+            <a:fillRect/>
+          </a:stretch>
+        </p:blipFill>
+        <p:spPr>
+          <a:xfrm>
+            <a:off x="3593447" y="1683909"/>
+            <a:ext cx="658611" cy="658611"/>
+          </a:xfrm>
+          <a:prstGeom prst="rect">
+            <a:avLst/>
+          </a:prstGeom>
+          <a:noFill/>
+          <a:ln>
+            <a:noFill/>
+          </a:ln>
+        </p:spPr>
+      </p:pic>
+      <p:pic>
+        <p:nvPicPr>
+          <p:cNvPr id="57" name="Picture 56" descr="A picture containing text, clock&#10;&#10;Description automatically generated">
+            <a:extLst>
+              <a:ext uri="{FF2B5EF4-FFF2-40B4-BE49-F238E27FC236}">
+                <a16:creationId xmlns:a16="http://schemas.microsoft.com/office/drawing/2014/main" id="{58318F54-6CDB-F446-9E02-23F62AE8C3F1}"/>
+              </a:ext>
+            </a:extLst>
+          </p:cNvPr>
+          <p:cNvPicPr>
+            <a:picLocks noChangeAspect="1"/>
+          </p:cNvPicPr>
+          <p:nvPr/>
+        </p:nvPicPr>
+        <p:blipFill>
+          <a:blip r:embed="rId11" cstate="print">
+            <a:biLevel thresh="75000"/>
+            <a:extLst>
+              <a:ext uri="{28A0092B-C50C-407E-A947-70E740481C1C}">
+                <a14:useLocalDpi xmlns:a14="http://schemas.microsoft.com/office/drawing/2010/main" val="0"/>
+              </a:ext>
+            </a:extLst>
+          </a:blip>
+          <a:stretch>
+            <a:fillRect/>
+          </a:stretch>
+        </p:blipFill>
+        <p:spPr>
+          <a:xfrm>
+            <a:off x="3605963" y="2548005"/>
+            <a:ext cx="629295" cy="629295"/>
+          </a:xfrm>
+          <a:prstGeom prst="rect">
+            <a:avLst/>
+          </a:prstGeom>
+          <a:noFill/>
+          <a:ln>
+            <a:noFill/>
+          </a:ln>
+        </p:spPr>
+      </p:pic>
+      <p:grpSp>
+        <p:nvGrpSpPr>
+          <p:cNvPr id="69" name="Group 68">
+            <a:extLst>
+              <a:ext uri="{FF2B5EF4-FFF2-40B4-BE49-F238E27FC236}">
+                <a16:creationId xmlns:a16="http://schemas.microsoft.com/office/drawing/2014/main" id="{A5FC3CDA-FD24-6847-A36C-9B2F32C54352}"/>
+              </a:ext>
+            </a:extLst>
+          </p:cNvPr>
+          <p:cNvGrpSpPr>
+            <a:grpSpLocks noChangeAspect="1"/>
+          </p:cNvGrpSpPr>
+          <p:nvPr/>
+        </p:nvGrpSpPr>
+        <p:grpSpPr>
+          <a:xfrm>
+            <a:off x="7448143" y="3440033"/>
+            <a:ext cx="1026042" cy="1024127"/>
+            <a:chOff x="6975940" y="2943131"/>
+            <a:chExt cx="526906" cy="525923"/>
+          </a:xfrm>
+        </p:grpSpPr>
+        <p:sp>
+          <p:nvSpPr>
+            <p:cNvPr id="58" name="Oval 57">
+              <a:extLst>
+                <a:ext uri="{FF2B5EF4-FFF2-40B4-BE49-F238E27FC236}">
+                  <a16:creationId xmlns:a16="http://schemas.microsoft.com/office/drawing/2014/main" id="{19BE93B2-9118-D84F-B938-70A1210CBE0B}"/>
+                </a:ext>
+              </a:extLst>
+            </p:cNvPr>
+            <p:cNvSpPr/>
+            <p:nvPr/>
+          </p:nvSpPr>
+          <p:spPr>
+            <a:xfrm>
+              <a:off x="6975940" y="2943131"/>
+              <a:ext cx="525923" cy="525923"/>
+            </a:xfrm>
+            <a:prstGeom prst="ellipse">
+              <a:avLst/>
+            </a:prstGeom>
+            <a:solidFill>
+              <a:schemeClr val="accent2">
+                <a:lumMod val="60000"/>
+                <a:lumOff val="40000"/>
+              </a:schemeClr>
+            </a:solidFill>
+            <a:ln w="28575">
+              <a:noFill/>
+              <a:prstDash val="sysDot"/>
+            </a:ln>
+          </p:spPr>
+          <p:style>
+            <a:lnRef idx="2">
+              <a:schemeClr val="accent1">
+                <a:shade val="50000"/>
+              </a:schemeClr>
+            </a:lnRef>
+            <a:fillRef idx="1">
+              <a:schemeClr val="accent1"/>
+            </a:fillRef>
+            <a:effectRef idx="0">
+              <a:schemeClr val="accent1"/>
+            </a:effectRef>
+            <a:fontRef idx="minor">
+              <a:schemeClr val="lt1"/>
+            </a:fontRef>
+          </p:style>
+          <p:txBody>
+            <a:bodyPr rtlCol="0" anchor="ctr"/>
+            <a:lstStyle/>
+            <a:p>
+              <a:pPr algn="ctr"/>
+              <a:endParaRPr lang="en-US" dirty="0"/>
+            </a:p>
+          </p:txBody>
+        </p:sp>
+        <p:sp>
+          <p:nvSpPr>
+            <p:cNvPr id="66" name="TextBox 65">
+              <a:extLst>
+                <a:ext uri="{FF2B5EF4-FFF2-40B4-BE49-F238E27FC236}">
+                  <a16:creationId xmlns:a16="http://schemas.microsoft.com/office/drawing/2014/main" id="{80D49B8D-4E17-DF4B-B258-5FD77810B91D}"/>
+                </a:ext>
+              </a:extLst>
+            </p:cNvPr>
+            <p:cNvSpPr txBox="1"/>
+            <p:nvPr/>
+          </p:nvSpPr>
+          <p:spPr>
+            <a:xfrm>
+              <a:off x="6981572" y="3049593"/>
+              <a:ext cx="521274" cy="300301"/>
+            </a:xfrm>
+            <a:prstGeom prst="rect">
+              <a:avLst/>
+            </a:prstGeom>
+            <a:noFill/>
+            <a:ln>
+              <a:noFill/>
+            </a:ln>
+          </p:spPr>
+          <p:txBody>
+            <a:bodyPr wrap="square" rtlCol="0">
+              <a:spAutoFit/>
+            </a:bodyPr>
+            <a:lstStyle/>
+            <a:p>
+              <a:pPr algn="ctr"/>
+              <a:r>
+                <a:rPr lang="en-US" sz="1600" b="1" dirty="0">
+                  <a:solidFill>
+                    <a:schemeClr val="bg1"/>
+                  </a:solidFill>
+                </a:rPr>
+                <a:t>Control</a:t>
+              </a:r>
+              <a:br>
+                <a:rPr lang="en-US" sz="1600" b="1" dirty="0">
+                  <a:solidFill>
+                    <a:schemeClr val="bg1"/>
+                  </a:solidFill>
+                </a:rPr>
+              </a:br>
+              <a:r>
+                <a:rPr lang="en-US" sz="1600" b="1" dirty="0">
+                  <a:solidFill>
+                    <a:schemeClr val="bg1"/>
+                  </a:solidFill>
+                </a:rPr>
+                <a:t>Agent</a:t>
+              </a:r>
+            </a:p>
+          </p:txBody>
+        </p:sp>
+      </p:grpSp>
+      <p:cxnSp>
+        <p:nvCxnSpPr>
+          <p:cNvPr id="71" name="Straight Arrow Connector 70">
+            <a:extLst>
+              <a:ext uri="{FF2B5EF4-FFF2-40B4-BE49-F238E27FC236}">
+                <a16:creationId xmlns:a16="http://schemas.microsoft.com/office/drawing/2014/main" id="{C9E44FD8-4E63-084F-961B-88AE24E9876F}"/>
+              </a:ext>
+            </a:extLst>
+          </p:cNvPr>
+          <p:cNvCxnSpPr>
+            <a:cxnSpLocks/>
+          </p:cNvCxnSpPr>
+          <p:nvPr/>
+        </p:nvCxnSpPr>
+        <p:spPr>
+          <a:xfrm flipH="1">
+            <a:off x="6590274" y="3938025"/>
+            <a:ext cx="859788" cy="7837"/>
+          </a:xfrm>
+          <a:prstGeom prst="straightConnector1">
+            <a:avLst/>
+          </a:prstGeom>
+          <a:ln w="28575">
+            <a:tailEnd type="triangle"/>
+          </a:ln>
+        </p:spPr>
+        <p:style>
+          <a:lnRef idx="1">
+            <a:schemeClr val="dk1"/>
+          </a:lnRef>
+          <a:fillRef idx="0">
+            <a:schemeClr val="dk1"/>
+          </a:fillRef>
+          <a:effectRef idx="0">
+            <a:schemeClr val="dk1"/>
+          </a:effectRef>
+          <a:fontRef idx="minor">
+            <a:schemeClr val="tx1"/>
+          </a:fontRef>
+        </p:style>
+      </p:cxnSp>
+      <p:sp>
+        <p:nvSpPr>
+          <p:cNvPr id="59" name="Rounded Rectangle 58">
+            <a:extLst>
+              <a:ext uri="{FF2B5EF4-FFF2-40B4-BE49-F238E27FC236}">
+                <a16:creationId xmlns:a16="http://schemas.microsoft.com/office/drawing/2014/main" id="{2BBF70C8-6E7A-344B-B3E6-9914688657C1}"/>
+              </a:ext>
+            </a:extLst>
+          </p:cNvPr>
+          <p:cNvSpPr/>
+          <p:nvPr/>
+        </p:nvSpPr>
+        <p:spPr>
+          <a:xfrm rot="10800000">
+            <a:off x="3381381" y="1179852"/>
+            <a:ext cx="1070934" cy="3766782"/>
+          </a:xfrm>
+          <a:prstGeom prst="roundRect">
+            <a:avLst>
+              <a:gd name="adj" fmla="val 25205"/>
+            </a:avLst>
+          </a:prstGeom>
+          <a:noFill/>
+          <a:ln w="28575">
+            <a:solidFill>
+              <a:schemeClr val="tx1"/>
+            </a:solidFill>
+            <a:prstDash val="sysDot"/>
+          </a:ln>
+        </p:spPr>
+        <p:style>
+          <a:lnRef idx="2">
+            <a:schemeClr val="accent1">
+              <a:shade val="50000"/>
+            </a:schemeClr>
+          </a:lnRef>
+          <a:fillRef idx="1">
+            <a:schemeClr val="accent1"/>
+          </a:fillRef>
+          <a:effectRef idx="0">
+            <a:schemeClr val="accent1"/>
+          </a:effectRef>
+          <a:fontRef idx="minor">
+            <a:schemeClr val="lt1"/>
+          </a:fontRef>
+        </p:style>
+        <p:txBody>
+          <a:bodyPr rtlCol="0" anchor="ctr"/>
+          <a:lstStyle/>
+          <a:p>
+            <a:pPr algn="ctr"/>
+            <a:endParaRPr lang="en-US"/>
+          </a:p>
+        </p:txBody>
+      </p:sp>
+      <p:pic>
+        <p:nvPicPr>
+          <p:cNvPr id="91" name="Picture 90" descr="Icon&#10;&#10;Description automatically generated with medium confidence">
+            <a:extLst>
+              <a:ext uri="{FF2B5EF4-FFF2-40B4-BE49-F238E27FC236}">
+                <a16:creationId xmlns:a16="http://schemas.microsoft.com/office/drawing/2014/main" id="{192A2240-2C54-F146-89BD-0345A91DD1D4}"/>
+              </a:ext>
+            </a:extLst>
+          </p:cNvPr>
+          <p:cNvPicPr>
+            <a:picLocks noChangeAspect="1"/>
+          </p:cNvPicPr>
+          <p:nvPr/>
+        </p:nvPicPr>
+        <p:blipFill>
+          <a:blip r:embed="rId12" cstate="print">
+            <a:extLst>
+              <a:ext uri="{28A0092B-C50C-407E-A947-70E740481C1C}">
+                <a14:useLocalDpi xmlns:a14="http://schemas.microsoft.com/office/drawing/2010/main" val="0"/>
+              </a:ext>
+            </a:extLst>
+          </a:blip>
+          <a:stretch>
+            <a:fillRect/>
+          </a:stretch>
+        </p:blipFill>
+        <p:spPr>
+          <a:xfrm>
+            <a:off x="3964571" y="5297614"/>
+            <a:ext cx="687391" cy="687391"/>
+          </a:xfrm>
+          <a:prstGeom prst="rect">
+            <a:avLst/>
+          </a:prstGeom>
+        </p:spPr>
+      </p:pic>
+      <p:sp>
+        <p:nvSpPr>
+          <p:cNvPr id="92" name="TextBox 91">
+            <a:extLst>
+              <a:ext uri="{FF2B5EF4-FFF2-40B4-BE49-F238E27FC236}">
+                <a16:creationId xmlns:a16="http://schemas.microsoft.com/office/drawing/2014/main" id="{9B7003EF-ADEA-7F45-A407-72B7FF1A2E41}"/>
+              </a:ext>
+            </a:extLst>
+          </p:cNvPr>
+          <p:cNvSpPr txBox="1"/>
+          <p:nvPr/>
+        </p:nvSpPr>
+        <p:spPr>
+          <a:xfrm>
+            <a:off x="6599332" y="3470103"/>
+            <a:ext cx="1008837" cy="461665"/>
+          </a:xfrm>
+          <a:prstGeom prst="rect">
+            <a:avLst/>
+          </a:prstGeom>
+          <a:noFill/>
+        </p:spPr>
+        <p:txBody>
+          <a:bodyPr wrap="square" rtlCol="0">
+            <a:spAutoFit/>
+          </a:bodyPr>
+          <a:lstStyle/>
+          <a:p>
+            <a:pPr algn="ctr"/>
+            <a:r>
+              <a:rPr lang="en-US" sz="1200" b="1" dirty="0"/>
+              <a:t>Charge/</a:t>
+            </a:r>
+          </a:p>
+          <a:p>
+            <a:pPr algn="ctr"/>
+            <a:r>
+              <a:rPr lang="en-US" sz="1200" b="1" dirty="0"/>
+              <a:t>Discharge</a:t>
+            </a:r>
+          </a:p>
+        </p:txBody>
+      </p:sp>
+      <p:sp>
+        <p:nvSpPr>
+          <p:cNvPr id="100" name="TextBox 99">
+            <a:extLst>
+              <a:ext uri="{FF2B5EF4-FFF2-40B4-BE49-F238E27FC236}">
+                <a16:creationId xmlns:a16="http://schemas.microsoft.com/office/drawing/2014/main" id="{726FCBAA-212F-5C4A-91E6-B84329B3E7AB}"/>
+              </a:ext>
+            </a:extLst>
+          </p:cNvPr>
+          <p:cNvSpPr txBox="1"/>
+          <p:nvPr/>
+        </p:nvSpPr>
+        <p:spPr>
+          <a:xfrm>
+            <a:off x="3126886" y="1179853"/>
+            <a:ext cx="1567954" cy="492443"/>
+          </a:xfrm>
+          <a:prstGeom prst="rect">
+            <a:avLst/>
+          </a:prstGeom>
+          <a:noFill/>
+        </p:spPr>
+        <p:txBody>
+          <a:bodyPr wrap="square" rtlCol="0">
+            <a:spAutoFit/>
+          </a:bodyPr>
+          <a:lstStyle/>
+          <a:p>
+            <a:pPr algn="ctr"/>
+            <a:r>
+              <a:rPr lang="en-US" sz="1300" b="1" dirty="0"/>
+              <a:t>Electricity</a:t>
+            </a:r>
+            <a:br>
+              <a:rPr lang="en-US" sz="1300" b="1" dirty="0"/>
+            </a:br>
+            <a:r>
+              <a:rPr lang="en-US" sz="1300" b="1" dirty="0"/>
+              <a:t>Source</a:t>
+            </a:r>
+          </a:p>
+        </p:txBody>
+      </p:sp>
+      <p:sp>
+        <p:nvSpPr>
+          <p:cNvPr id="101" name="TextBox 100">
+            <a:extLst>
+              <a:ext uri="{FF2B5EF4-FFF2-40B4-BE49-F238E27FC236}">
+                <a16:creationId xmlns:a16="http://schemas.microsoft.com/office/drawing/2014/main" id="{DF342DB9-6BAA-2A47-9561-FE5619719DF4}"/>
+              </a:ext>
+            </a:extLst>
+          </p:cNvPr>
+          <p:cNvSpPr txBox="1"/>
+          <p:nvPr/>
+        </p:nvSpPr>
+        <p:spPr>
+          <a:xfrm>
+            <a:off x="5066271" y="3373222"/>
+            <a:ext cx="1567954" cy="292388"/>
+          </a:xfrm>
+          <a:prstGeom prst="rect">
+            <a:avLst/>
+          </a:prstGeom>
+          <a:noFill/>
+        </p:spPr>
+        <p:txBody>
+          <a:bodyPr wrap="square" rtlCol="0">
+            <a:spAutoFit/>
+          </a:bodyPr>
+          <a:lstStyle/>
+          <a:p>
+            <a:pPr algn="ctr"/>
+            <a:r>
+              <a:rPr lang="en-US" sz="1300" b="1" dirty="0"/>
+              <a:t>Energy Storage</a:t>
+            </a:r>
+          </a:p>
+        </p:txBody>
+      </p:sp>
+      <p:sp>
+        <p:nvSpPr>
+          <p:cNvPr id="105" name="TextBox 104">
+            <a:extLst>
+              <a:ext uri="{FF2B5EF4-FFF2-40B4-BE49-F238E27FC236}">
+                <a16:creationId xmlns:a16="http://schemas.microsoft.com/office/drawing/2014/main" id="{574F4CC3-7AB5-6C41-B6E5-CB9CC0C1F924}"/>
+              </a:ext>
+            </a:extLst>
+          </p:cNvPr>
+          <p:cNvSpPr txBox="1"/>
+          <p:nvPr/>
+        </p:nvSpPr>
+        <p:spPr>
+          <a:xfrm>
+            <a:off x="5322837" y="5085329"/>
+            <a:ext cx="1567954" cy="292388"/>
+          </a:xfrm>
+          <a:prstGeom prst="rect">
+            <a:avLst/>
+          </a:prstGeom>
+          <a:noFill/>
+        </p:spPr>
+        <p:txBody>
+          <a:bodyPr wrap="square" rtlCol="0">
+            <a:spAutoFit/>
+          </a:bodyPr>
+          <a:lstStyle/>
+          <a:p>
+            <a:pPr algn="ctr"/>
+            <a:r>
+              <a:rPr lang="en-US" sz="1300" b="1" dirty="0"/>
+              <a:t>End Use</a:t>
+            </a:r>
+          </a:p>
+        </p:txBody>
+      </p:sp>
+      <p:sp>
+        <p:nvSpPr>
+          <p:cNvPr id="49" name="TextBox 48">
+            <a:extLst>
+              <a:ext uri="{FF2B5EF4-FFF2-40B4-BE49-F238E27FC236}">
+                <a16:creationId xmlns:a16="http://schemas.microsoft.com/office/drawing/2014/main" id="{048AE03A-19F3-F947-B67B-CFA930787DDA}"/>
+              </a:ext>
+            </a:extLst>
+          </p:cNvPr>
+          <p:cNvSpPr txBox="1"/>
+          <p:nvPr/>
+        </p:nvSpPr>
+        <p:spPr>
+          <a:xfrm>
+            <a:off x="4877155" y="2071880"/>
+            <a:ext cx="1567954" cy="292388"/>
+          </a:xfrm>
+          <a:prstGeom prst="rect">
+            <a:avLst/>
+          </a:prstGeom>
+          <a:noFill/>
+        </p:spPr>
+        <p:txBody>
+          <a:bodyPr wrap="square" rtlCol="0">
+            <a:spAutoFit/>
+          </a:bodyPr>
+          <a:lstStyle/>
+          <a:p>
+            <a:pPr algn="r"/>
+            <a:r>
+              <a:rPr lang="en-US" sz="1300" b="1" dirty="0"/>
+              <a:t>Heat Supply</a:t>
+            </a:r>
+          </a:p>
+        </p:txBody>
+      </p:sp>
+      <p:sp>
+        <p:nvSpPr>
+          <p:cNvPr id="2" name="TextBox 1">
+            <a:extLst>
+              <a:ext uri="{FF2B5EF4-FFF2-40B4-BE49-F238E27FC236}">
+                <a16:creationId xmlns:a16="http://schemas.microsoft.com/office/drawing/2014/main" id="{D1EB0535-B98A-919D-8C1E-F26F1AF95F45}"/>
+              </a:ext>
+            </a:extLst>
+          </p:cNvPr>
+          <p:cNvSpPr txBox="1"/>
+          <p:nvPr/>
+        </p:nvSpPr>
+        <p:spPr>
+          <a:xfrm>
+            <a:off x="4647118" y="2950747"/>
+            <a:ext cx="1070934" cy="261610"/>
+          </a:xfrm>
+          <a:prstGeom prst="rect">
+            <a:avLst/>
+          </a:prstGeom>
+          <a:noFill/>
+        </p:spPr>
+        <p:txBody>
+          <a:bodyPr wrap="square" rtlCol="0">
+            <a:spAutoFit/>
+          </a:bodyPr>
+          <a:lstStyle/>
+          <a:p>
+            <a:pPr algn="ctr"/>
+            <a:r>
+              <a:rPr lang="en-US" sz="1100" i="1" dirty="0">
+                <a:solidFill>
+                  <a:schemeClr val="tx2">
+                    <a:lumMod val="75000"/>
+                  </a:schemeClr>
+                </a:solidFill>
+              </a:rPr>
+              <a:t>Electric heater</a:t>
+            </a:r>
+          </a:p>
+        </p:txBody>
+      </p:sp>
+      <p:sp>
+        <p:nvSpPr>
+          <p:cNvPr id="4" name="TextBox 3">
+            <a:extLst>
+              <a:ext uri="{FF2B5EF4-FFF2-40B4-BE49-F238E27FC236}">
+                <a16:creationId xmlns:a16="http://schemas.microsoft.com/office/drawing/2014/main" id="{252C9C18-A638-9EEE-A0B4-9773A9F57451}"/>
+              </a:ext>
+            </a:extLst>
+          </p:cNvPr>
+          <p:cNvSpPr txBox="1"/>
+          <p:nvPr/>
+        </p:nvSpPr>
+        <p:spPr>
+          <a:xfrm>
+            <a:off x="5540024" y="2949766"/>
+            <a:ext cx="1070934" cy="261610"/>
+          </a:xfrm>
+          <a:prstGeom prst="rect">
+            <a:avLst/>
+          </a:prstGeom>
+          <a:noFill/>
+        </p:spPr>
+        <p:txBody>
+          <a:bodyPr wrap="square" rtlCol="0">
+            <a:spAutoFit/>
+          </a:bodyPr>
+          <a:lstStyle/>
+          <a:p>
+            <a:pPr algn="ctr"/>
+            <a:r>
+              <a:rPr lang="en-US" sz="1100" i="1" dirty="0">
+                <a:solidFill>
+                  <a:schemeClr val="tx2">
+                    <a:lumMod val="75000"/>
+                  </a:schemeClr>
+                </a:solidFill>
+              </a:rPr>
+              <a:t>Heat pump</a:t>
+            </a:r>
+          </a:p>
+        </p:txBody>
+      </p:sp>
+      <p:sp>
+        <p:nvSpPr>
+          <p:cNvPr id="7" name="TextBox 6">
+            <a:extLst>
+              <a:ext uri="{FF2B5EF4-FFF2-40B4-BE49-F238E27FC236}">
+                <a16:creationId xmlns:a16="http://schemas.microsoft.com/office/drawing/2014/main" id="{E1B90769-86B4-05AE-8B6D-924A27DDE5FA}"/>
+              </a:ext>
+            </a:extLst>
+          </p:cNvPr>
+          <p:cNvSpPr txBox="1"/>
+          <p:nvPr/>
+        </p:nvSpPr>
+        <p:spPr>
+          <a:xfrm>
+            <a:off x="3581027" y="5973910"/>
+            <a:ext cx="1070934" cy="430887"/>
+          </a:xfrm>
+          <a:prstGeom prst="rect">
+            <a:avLst/>
+          </a:prstGeom>
+          <a:noFill/>
+        </p:spPr>
+        <p:txBody>
+          <a:bodyPr wrap="square" rtlCol="0">
+            <a:spAutoFit/>
+          </a:bodyPr>
+          <a:lstStyle/>
+          <a:p>
+            <a:pPr algn="ctr"/>
+            <a:r>
+              <a:rPr lang="en-US" sz="1100" i="1" dirty="0">
+                <a:solidFill>
+                  <a:schemeClr val="tx2">
+                    <a:lumMod val="75000"/>
+                  </a:schemeClr>
+                </a:solidFill>
+              </a:rPr>
+              <a:t>Non-shiftable</a:t>
+            </a:r>
+            <a:br>
+              <a:rPr lang="en-US" sz="1100" i="1" dirty="0">
+                <a:solidFill>
+                  <a:schemeClr val="tx2">
+                    <a:lumMod val="75000"/>
+                  </a:schemeClr>
+                </a:solidFill>
+              </a:rPr>
+            </a:br>
+            <a:r>
+              <a:rPr lang="en-US" sz="1100" i="1" dirty="0">
+                <a:solidFill>
+                  <a:schemeClr val="tx2">
+                    <a:lumMod val="75000"/>
+                  </a:schemeClr>
+                </a:solidFill>
+              </a:rPr>
+              <a:t>plug loads</a:t>
+            </a:r>
+          </a:p>
+        </p:txBody>
+      </p:sp>
+      <p:sp>
+        <p:nvSpPr>
+          <p:cNvPr id="9" name="TextBox 8">
+            <a:extLst>
+              <a:ext uri="{FF2B5EF4-FFF2-40B4-BE49-F238E27FC236}">
+                <a16:creationId xmlns:a16="http://schemas.microsoft.com/office/drawing/2014/main" id="{D8F974D3-4415-7E20-BD2A-79FA7D6A5E19}"/>
+              </a:ext>
+            </a:extLst>
+          </p:cNvPr>
+          <p:cNvSpPr txBox="1"/>
+          <p:nvPr/>
+        </p:nvSpPr>
+        <p:spPr>
+          <a:xfrm>
+            <a:off x="4639343" y="5973910"/>
+            <a:ext cx="1070934" cy="430887"/>
+          </a:xfrm>
+          <a:prstGeom prst="rect">
+            <a:avLst/>
+          </a:prstGeom>
+          <a:noFill/>
+        </p:spPr>
+        <p:txBody>
+          <a:bodyPr wrap="square" rtlCol="0">
+            <a:spAutoFit/>
+          </a:bodyPr>
+          <a:lstStyle/>
+          <a:p>
+            <a:pPr algn="ctr"/>
+            <a:r>
+              <a:rPr lang="en-US" sz="1100" i="1" dirty="0">
+                <a:solidFill>
+                  <a:schemeClr val="tx2">
+                    <a:lumMod val="75000"/>
+                  </a:schemeClr>
+                </a:solidFill>
+              </a:rPr>
+              <a:t>Domestic hot water heating</a:t>
+            </a:r>
+          </a:p>
+        </p:txBody>
+      </p:sp>
+      <p:sp>
+        <p:nvSpPr>
+          <p:cNvPr id="10" name="TextBox 9">
+            <a:extLst>
+              <a:ext uri="{FF2B5EF4-FFF2-40B4-BE49-F238E27FC236}">
+                <a16:creationId xmlns:a16="http://schemas.microsoft.com/office/drawing/2014/main" id="{000F29E1-48F7-3074-B783-B00BCE4CFCF5}"/>
+              </a:ext>
+            </a:extLst>
+          </p:cNvPr>
+          <p:cNvSpPr txBox="1"/>
+          <p:nvPr/>
+        </p:nvSpPr>
+        <p:spPr>
+          <a:xfrm>
+            <a:off x="5571347" y="5962348"/>
+            <a:ext cx="1070934" cy="430887"/>
+          </a:xfrm>
+          <a:prstGeom prst="rect">
+            <a:avLst/>
+          </a:prstGeom>
+          <a:noFill/>
+        </p:spPr>
+        <p:txBody>
+          <a:bodyPr wrap="square" rtlCol="0">
+            <a:spAutoFit/>
+          </a:bodyPr>
+          <a:lstStyle/>
+          <a:p>
+            <a:pPr algn="ctr"/>
+            <a:r>
+              <a:rPr lang="en-US" sz="1100" i="1" dirty="0">
+                <a:solidFill>
+                  <a:schemeClr val="tx2">
+                    <a:lumMod val="75000"/>
+                  </a:schemeClr>
+                </a:solidFill>
+              </a:rPr>
+              <a:t>Space cooling &amp; heating</a:t>
+            </a:r>
+          </a:p>
+        </p:txBody>
+      </p:sp>
+      <p:sp>
+        <p:nvSpPr>
+          <p:cNvPr id="12" name="TextBox 11">
+            <a:extLst>
+              <a:ext uri="{FF2B5EF4-FFF2-40B4-BE49-F238E27FC236}">
+                <a16:creationId xmlns:a16="http://schemas.microsoft.com/office/drawing/2014/main" id="{8D0BE420-4D5F-561C-844C-D581547A8F7B}"/>
+              </a:ext>
+            </a:extLst>
+          </p:cNvPr>
+          <p:cNvSpPr txBox="1"/>
+          <p:nvPr/>
+        </p:nvSpPr>
+        <p:spPr>
+          <a:xfrm>
+            <a:off x="5704008" y="4344679"/>
+            <a:ext cx="847929" cy="430887"/>
+          </a:xfrm>
+          <a:prstGeom prst="rect">
+            <a:avLst/>
+          </a:prstGeom>
+          <a:noFill/>
+        </p:spPr>
+        <p:txBody>
+          <a:bodyPr wrap="square" rtlCol="0">
+            <a:spAutoFit/>
+          </a:bodyPr>
+          <a:lstStyle/>
+          <a:p>
+            <a:pPr algn="ctr"/>
+            <a:r>
+              <a:rPr lang="en-US" sz="1100" i="1" dirty="0">
+                <a:solidFill>
+                  <a:schemeClr val="tx2">
+                    <a:lumMod val="75000"/>
+                  </a:schemeClr>
+                </a:solidFill>
+              </a:rPr>
+              <a:t>Cooling </a:t>
+            </a:r>
+            <a:br>
+              <a:rPr lang="en-US" sz="1100" i="1" dirty="0">
+                <a:solidFill>
+                  <a:schemeClr val="tx2">
+                    <a:lumMod val="75000"/>
+                  </a:schemeClr>
+                </a:solidFill>
+              </a:rPr>
+            </a:br>
+            <a:r>
+              <a:rPr lang="en-US" sz="1100" i="1" dirty="0">
+                <a:solidFill>
+                  <a:schemeClr val="tx2">
+                    <a:lumMod val="75000"/>
+                  </a:schemeClr>
+                </a:solidFill>
+              </a:rPr>
+              <a:t>storage</a:t>
+            </a:r>
+          </a:p>
+        </p:txBody>
+      </p:sp>
+      <p:sp>
+        <p:nvSpPr>
+          <p:cNvPr id="16" name="TextBox 15">
+            <a:extLst>
+              <a:ext uri="{FF2B5EF4-FFF2-40B4-BE49-F238E27FC236}">
+                <a16:creationId xmlns:a16="http://schemas.microsoft.com/office/drawing/2014/main" id="{90F35BE7-FB33-C349-F7B4-C2FC19C110DF}"/>
+              </a:ext>
+            </a:extLst>
+          </p:cNvPr>
+          <p:cNvSpPr txBox="1"/>
+          <p:nvPr/>
+        </p:nvSpPr>
+        <p:spPr>
+          <a:xfrm>
+            <a:off x="4511824" y="4346470"/>
+            <a:ext cx="1296144" cy="600164"/>
+          </a:xfrm>
+          <a:prstGeom prst="rect">
+            <a:avLst/>
+          </a:prstGeom>
+          <a:noFill/>
+        </p:spPr>
+        <p:txBody>
+          <a:bodyPr wrap="square" rtlCol="0">
+            <a:spAutoFit/>
+          </a:bodyPr>
+          <a:lstStyle/>
+          <a:p>
+            <a:pPr algn="ctr"/>
+            <a:r>
+              <a:rPr lang="en-US" sz="1100" i="1" dirty="0">
+                <a:solidFill>
+                  <a:schemeClr val="tx2">
+                    <a:lumMod val="75000"/>
+                  </a:schemeClr>
+                </a:solidFill>
+              </a:rPr>
+              <a:t>Domestic hot water and/or space heating storage</a:t>
+            </a:r>
+          </a:p>
+        </p:txBody>
+      </p:sp>
+      <p:sp>
+        <p:nvSpPr>
+          <p:cNvPr id="17" name="TextBox 16">
+            <a:extLst>
+              <a:ext uri="{FF2B5EF4-FFF2-40B4-BE49-F238E27FC236}">
+                <a16:creationId xmlns:a16="http://schemas.microsoft.com/office/drawing/2014/main" id="{9C55B49F-DBBD-88D0-665D-B3DC36E09168}"/>
+              </a:ext>
+            </a:extLst>
+          </p:cNvPr>
+          <p:cNvSpPr txBox="1"/>
+          <p:nvPr/>
+        </p:nvSpPr>
+        <p:spPr>
+          <a:xfrm>
+            <a:off x="3503713" y="4343902"/>
+            <a:ext cx="847929" cy="261610"/>
+          </a:xfrm>
+          <a:prstGeom prst="rect">
+            <a:avLst/>
+          </a:prstGeom>
+          <a:noFill/>
+        </p:spPr>
+        <p:txBody>
+          <a:bodyPr wrap="square" rtlCol="0">
+            <a:spAutoFit/>
+          </a:bodyPr>
+          <a:lstStyle/>
+          <a:p>
+            <a:pPr algn="ctr"/>
+            <a:r>
+              <a:rPr lang="en-US" sz="1100" i="1" dirty="0">
+                <a:solidFill>
+                  <a:schemeClr val="tx2">
+                    <a:lumMod val="75000"/>
+                  </a:schemeClr>
+                </a:solidFill>
+              </a:rPr>
+              <a:t>Battery</a:t>
+            </a:r>
+          </a:p>
+        </p:txBody>
+      </p:sp>
+      <p:sp>
+        <p:nvSpPr>
+          <p:cNvPr id="19" name="TextBox 18">
+            <a:extLst>
+              <a:ext uri="{FF2B5EF4-FFF2-40B4-BE49-F238E27FC236}">
+                <a16:creationId xmlns:a16="http://schemas.microsoft.com/office/drawing/2014/main" id="{E19866B2-A014-797A-4A67-91F2F1EA08B7}"/>
+              </a:ext>
+            </a:extLst>
+          </p:cNvPr>
+          <p:cNvSpPr txBox="1"/>
+          <p:nvPr/>
+        </p:nvSpPr>
+        <p:spPr>
+          <a:xfrm>
+            <a:off x="3492467" y="2301115"/>
+            <a:ext cx="847929" cy="261610"/>
+          </a:xfrm>
+          <a:prstGeom prst="rect">
+            <a:avLst/>
+          </a:prstGeom>
+          <a:noFill/>
+        </p:spPr>
+        <p:txBody>
+          <a:bodyPr wrap="square" rtlCol="0">
+            <a:spAutoFit/>
+          </a:bodyPr>
+          <a:lstStyle/>
+          <a:p>
+            <a:pPr algn="ctr"/>
+            <a:r>
+              <a:rPr lang="en-US" sz="1100" i="1" dirty="0">
+                <a:solidFill>
+                  <a:schemeClr val="tx2">
+                    <a:lumMod val="75000"/>
+                  </a:schemeClr>
+                </a:solidFill>
+              </a:rPr>
+              <a:t>Grid</a:t>
+            </a:r>
+          </a:p>
+        </p:txBody>
+      </p:sp>
+      <p:sp>
+        <p:nvSpPr>
+          <p:cNvPr id="20" name="TextBox 19">
+            <a:extLst>
+              <a:ext uri="{FF2B5EF4-FFF2-40B4-BE49-F238E27FC236}">
+                <a16:creationId xmlns:a16="http://schemas.microsoft.com/office/drawing/2014/main" id="{F95030F2-951A-1464-98B5-4778F06F2ECD}"/>
+              </a:ext>
+            </a:extLst>
+          </p:cNvPr>
+          <p:cNvSpPr txBox="1"/>
+          <p:nvPr/>
+        </p:nvSpPr>
+        <p:spPr>
+          <a:xfrm>
+            <a:off x="3496645" y="3154141"/>
+            <a:ext cx="847929" cy="261610"/>
+          </a:xfrm>
+          <a:prstGeom prst="rect">
+            <a:avLst/>
+          </a:prstGeom>
+          <a:noFill/>
+        </p:spPr>
+        <p:txBody>
+          <a:bodyPr wrap="square" rtlCol="0">
+            <a:spAutoFit/>
+          </a:bodyPr>
+          <a:lstStyle/>
+          <a:p>
+            <a:pPr algn="ctr"/>
+            <a:r>
+              <a:rPr lang="en-US" sz="1100" i="1" dirty="0">
+                <a:solidFill>
+                  <a:schemeClr val="tx2">
+                    <a:lumMod val="75000"/>
+                  </a:schemeClr>
+                </a:solidFill>
+              </a:rPr>
+              <a:t>Solar PV</a:t>
+            </a:r>
+          </a:p>
+        </p:txBody>
+      </p:sp>
+      <p:sp>
+        <p:nvSpPr>
+          <p:cNvPr id="21" name="TextBox 20">
+            <a:extLst>
+              <a:ext uri="{FF2B5EF4-FFF2-40B4-BE49-F238E27FC236}">
+                <a16:creationId xmlns:a16="http://schemas.microsoft.com/office/drawing/2014/main" id="{9646944C-E545-CC65-C376-35CE2B679906}"/>
+              </a:ext>
+            </a:extLst>
+          </p:cNvPr>
+          <p:cNvSpPr txBox="1"/>
+          <p:nvPr/>
+        </p:nvSpPr>
+        <p:spPr>
+          <a:xfrm>
+            <a:off x="6599332" y="2359913"/>
+            <a:ext cx="1008837" cy="276999"/>
+          </a:xfrm>
+          <a:prstGeom prst="rect">
+            <a:avLst/>
+          </a:prstGeom>
+          <a:noFill/>
+        </p:spPr>
+        <p:txBody>
+          <a:bodyPr wrap="square" rtlCol="0">
+            <a:spAutoFit/>
+          </a:bodyPr>
+          <a:lstStyle/>
+          <a:p>
+            <a:pPr algn="ctr"/>
+            <a:r>
+              <a:rPr lang="en-US" sz="1200" b="1" dirty="0"/>
+              <a:t>Power</a:t>
+            </a:r>
+          </a:p>
+        </p:txBody>
+      </p:sp>
+      <p:cxnSp>
+        <p:nvCxnSpPr>
+          <p:cNvPr id="24" name="Straight Arrow Connector 23">
+            <a:extLst>
+              <a:ext uri="{FF2B5EF4-FFF2-40B4-BE49-F238E27FC236}">
+                <a16:creationId xmlns:a16="http://schemas.microsoft.com/office/drawing/2014/main" id="{2331EED1-A828-CDC3-1182-038326048AE0}"/>
+              </a:ext>
+            </a:extLst>
+          </p:cNvPr>
+          <p:cNvCxnSpPr>
+            <a:cxnSpLocks/>
+            <a:stCxn id="58" idx="0"/>
+            <a:endCxn id="46" idx="3"/>
+          </p:cNvCxnSpPr>
+          <p:nvPr/>
+        </p:nvCxnSpPr>
+        <p:spPr>
+          <a:xfrm rot="16200000" flipV="1">
+            <a:off x="6871924" y="2351748"/>
+            <a:ext cx="797913" cy="1378657"/>
+          </a:xfrm>
+          <a:prstGeom prst="bentConnector2">
+            <a:avLst/>
+          </a:prstGeom>
+          <a:ln w="28575">
+            <a:tailEnd type="triangle"/>
+          </a:ln>
+        </p:spPr>
+        <p:style>
+          <a:lnRef idx="1">
+            <a:schemeClr val="dk1"/>
+          </a:lnRef>
+          <a:fillRef idx="0">
+            <a:schemeClr val="dk1"/>
+          </a:fillRef>
+          <a:effectRef idx="0">
+            <a:schemeClr val="dk1"/>
+          </a:effectRef>
+          <a:fontRef idx="minor">
+            <a:schemeClr val="tx1"/>
+          </a:fontRef>
+        </p:style>
+      </p:cxnSp>
+      <p:sp>
+        <p:nvSpPr>
+          <p:cNvPr id="35" name="TextBox 34">
+            <a:extLst>
+              <a:ext uri="{FF2B5EF4-FFF2-40B4-BE49-F238E27FC236}">
+                <a16:creationId xmlns:a16="http://schemas.microsoft.com/office/drawing/2014/main" id="{C7FA50B3-91A7-8B9A-3D20-AD2E9C97EF1A}"/>
+              </a:ext>
+            </a:extLst>
+          </p:cNvPr>
+          <p:cNvSpPr txBox="1"/>
+          <p:nvPr/>
+        </p:nvSpPr>
+        <p:spPr>
+          <a:xfrm>
+            <a:off x="5074327" y="1063768"/>
+            <a:ext cx="1567954" cy="338554"/>
+          </a:xfrm>
+          <a:prstGeom prst="rect">
+            <a:avLst/>
+          </a:prstGeom>
+          <a:noFill/>
+        </p:spPr>
+        <p:txBody>
+          <a:bodyPr wrap="square" rtlCol="0">
+            <a:spAutoFit/>
+          </a:bodyPr>
+          <a:lstStyle/>
+          <a:p>
+            <a:pPr algn="ctr"/>
+            <a:r>
+              <a:rPr lang="en-US" sz="1600" b="1" dirty="0"/>
+              <a:t>Building 1</a:t>
+            </a:r>
+          </a:p>
+        </p:txBody>
+      </p:sp>
+      <p:cxnSp>
+        <p:nvCxnSpPr>
+          <p:cNvPr id="38" name="Straight Arrow Connector 23">
+            <a:extLst>
+              <a:ext uri="{FF2B5EF4-FFF2-40B4-BE49-F238E27FC236}">
+                <a16:creationId xmlns:a16="http://schemas.microsoft.com/office/drawing/2014/main" id="{C1508592-1198-3B39-018E-C833C3FD51FA}"/>
+              </a:ext>
+            </a:extLst>
+          </p:cNvPr>
+          <p:cNvCxnSpPr>
+            <a:cxnSpLocks/>
+            <a:stCxn id="66" idx="3"/>
+            <a:endCxn id="33" idx="0"/>
+          </p:cNvCxnSpPr>
+          <p:nvPr/>
+        </p:nvCxnSpPr>
+        <p:spPr>
+          <a:xfrm flipH="1">
+            <a:off x="4979472" y="3939735"/>
+            <a:ext cx="3494716" cy="2651259"/>
+          </a:xfrm>
+          <a:prstGeom prst="bentConnector4">
+            <a:avLst>
+              <a:gd name="adj1" fmla="val -6541"/>
+              <a:gd name="adj2" fmla="val 108622"/>
+            </a:avLst>
+          </a:prstGeom>
+          <a:ln w="28575">
+            <a:headEnd type="triangle" w="med" len="med"/>
+            <a:tailEnd type="none" w="med" len="med"/>
+          </a:ln>
+        </p:spPr>
+        <p:style>
+          <a:lnRef idx="1">
+            <a:schemeClr val="dk1"/>
+          </a:lnRef>
+          <a:fillRef idx="0">
+            <a:schemeClr val="dk1"/>
+          </a:fillRef>
+          <a:effectRef idx="0">
+            <a:schemeClr val="dk1"/>
+          </a:effectRef>
+          <a:fontRef idx="minor">
+            <a:schemeClr val="tx1"/>
+          </a:fontRef>
+        </p:style>
+      </p:cxnSp>
+      <p:sp>
+        <p:nvSpPr>
+          <p:cNvPr id="50" name="TextBox 49">
+            <a:extLst>
+              <a:ext uri="{FF2B5EF4-FFF2-40B4-BE49-F238E27FC236}">
+                <a16:creationId xmlns:a16="http://schemas.microsoft.com/office/drawing/2014/main" id="{A1B70270-D1EA-0936-C7CB-C78D8E5ACA91}"/>
+              </a:ext>
+            </a:extLst>
+          </p:cNvPr>
+          <p:cNvSpPr txBox="1"/>
+          <p:nvPr/>
+        </p:nvSpPr>
+        <p:spPr>
+          <a:xfrm>
+            <a:off x="6256238" y="6536377"/>
+            <a:ext cx="1567954" cy="276999"/>
+          </a:xfrm>
+          <a:prstGeom prst="rect">
+            <a:avLst/>
+          </a:prstGeom>
+          <a:noFill/>
+        </p:spPr>
+        <p:txBody>
+          <a:bodyPr wrap="square" rtlCol="0">
+            <a:spAutoFit/>
+          </a:bodyPr>
+          <a:lstStyle/>
+          <a:p>
+            <a:pPr algn="ctr"/>
+            <a:r>
+              <a:rPr lang="en-US" sz="1200" b="1" dirty="0"/>
+              <a:t>Observations</a:t>
+            </a:r>
+          </a:p>
+        </p:txBody>
+      </p:sp>
+      <p:cxnSp>
+        <p:nvCxnSpPr>
+          <p:cNvPr id="67" name="Straight Arrow Connector 23">
+            <a:extLst>
+              <a:ext uri="{FF2B5EF4-FFF2-40B4-BE49-F238E27FC236}">
+                <a16:creationId xmlns:a16="http://schemas.microsoft.com/office/drawing/2014/main" id="{66DB1803-1EFB-1244-6B40-1C836533B471}"/>
+              </a:ext>
+            </a:extLst>
+          </p:cNvPr>
+          <p:cNvCxnSpPr>
+            <a:cxnSpLocks/>
+            <a:stCxn id="72" idx="1"/>
+            <a:endCxn id="18" idx="3"/>
+          </p:cNvCxnSpPr>
+          <p:nvPr/>
+        </p:nvCxnSpPr>
+        <p:spPr>
+          <a:xfrm rot="10800000">
+            <a:off x="6370183" y="5662722"/>
+            <a:ext cx="1031014" cy="5202"/>
+          </a:xfrm>
+          <a:prstGeom prst="bentConnector3">
+            <a:avLst>
+              <a:gd name="adj1" fmla="val 50000"/>
+            </a:avLst>
+          </a:prstGeom>
+          <a:ln w="28575">
+            <a:tailEnd type="triangle"/>
+          </a:ln>
+        </p:spPr>
+        <p:style>
+          <a:lnRef idx="1">
+            <a:schemeClr val="dk1"/>
+          </a:lnRef>
+          <a:fillRef idx="0">
+            <a:schemeClr val="dk1"/>
+          </a:fillRef>
+          <a:effectRef idx="0">
+            <a:schemeClr val="dk1"/>
+          </a:effectRef>
+          <a:fontRef idx="minor">
+            <a:schemeClr val="tx1"/>
+          </a:fontRef>
+        </p:style>
+      </p:cxnSp>
+      <p:grpSp>
+        <p:nvGrpSpPr>
+          <p:cNvPr id="68" name="Group 67">
+            <a:extLst>
+              <a:ext uri="{FF2B5EF4-FFF2-40B4-BE49-F238E27FC236}">
+                <a16:creationId xmlns:a16="http://schemas.microsoft.com/office/drawing/2014/main" id="{6B4387AD-DFC2-03E9-E9A0-1CF3F831FF2F}"/>
+              </a:ext>
+            </a:extLst>
+          </p:cNvPr>
+          <p:cNvGrpSpPr>
+            <a:grpSpLocks noChangeAspect="1"/>
+          </p:cNvGrpSpPr>
+          <p:nvPr/>
+        </p:nvGrpSpPr>
+        <p:grpSpPr>
+          <a:xfrm>
+            <a:off x="7392144" y="5152210"/>
+            <a:ext cx="1024128" cy="1024127"/>
+            <a:chOff x="6976923" y="2934906"/>
+            <a:chExt cx="525923" cy="525923"/>
+          </a:xfrm>
+        </p:grpSpPr>
+        <p:sp>
+          <p:nvSpPr>
+            <p:cNvPr id="70" name="Oval 69">
+              <a:extLst>
+                <a:ext uri="{FF2B5EF4-FFF2-40B4-BE49-F238E27FC236}">
+                  <a16:creationId xmlns:a16="http://schemas.microsoft.com/office/drawing/2014/main" id="{46FDF18E-4881-64FF-9431-6957C0FC5C08}"/>
+                </a:ext>
+              </a:extLst>
+            </p:cNvPr>
+            <p:cNvSpPr/>
+            <p:nvPr/>
+          </p:nvSpPr>
+          <p:spPr>
+            <a:xfrm>
+              <a:off x="6976923" y="2934906"/>
+              <a:ext cx="525923" cy="525923"/>
+            </a:xfrm>
+            <a:prstGeom prst="ellipse">
+              <a:avLst/>
+            </a:prstGeom>
+            <a:solidFill>
+              <a:schemeClr val="accent2">
+                <a:lumMod val="60000"/>
+                <a:lumOff val="40000"/>
+              </a:schemeClr>
+            </a:solidFill>
+            <a:ln w="28575">
+              <a:noFill/>
+              <a:prstDash val="sysDot"/>
+            </a:ln>
+          </p:spPr>
+          <p:style>
+            <a:lnRef idx="2">
+              <a:schemeClr val="accent1">
+                <a:shade val="50000"/>
+              </a:schemeClr>
+            </a:lnRef>
+            <a:fillRef idx="1">
+              <a:schemeClr val="accent1"/>
+            </a:fillRef>
+            <a:effectRef idx="0">
+              <a:schemeClr val="accent1"/>
+            </a:effectRef>
+            <a:fontRef idx="minor">
+              <a:schemeClr val="lt1"/>
+            </a:fontRef>
+          </p:style>
+          <p:txBody>
+            <a:bodyPr rtlCol="0" anchor="ctr"/>
+            <a:lstStyle/>
+            <a:p>
+              <a:pPr algn="ctr"/>
+              <a:endParaRPr lang="en-US" dirty="0"/>
+            </a:p>
+          </p:txBody>
+        </p:sp>
+        <p:sp>
+          <p:nvSpPr>
+            <p:cNvPr id="72" name="TextBox 71">
+              <a:extLst>
+                <a:ext uri="{FF2B5EF4-FFF2-40B4-BE49-F238E27FC236}">
+                  <a16:creationId xmlns:a16="http://schemas.microsoft.com/office/drawing/2014/main" id="{ACFB8F1F-7FAC-E555-B4F6-6393CFE00628}"/>
+                </a:ext>
+              </a:extLst>
+            </p:cNvPr>
+            <p:cNvSpPr txBox="1"/>
+            <p:nvPr/>
+          </p:nvSpPr>
+          <p:spPr>
+            <a:xfrm>
+              <a:off x="6981572" y="3049592"/>
+              <a:ext cx="521274" cy="300301"/>
+            </a:xfrm>
+            <a:prstGeom prst="rect">
+              <a:avLst/>
+            </a:prstGeom>
+            <a:noFill/>
+            <a:ln>
+              <a:noFill/>
+            </a:ln>
+          </p:spPr>
+          <p:txBody>
+            <a:bodyPr wrap="square" rtlCol="0">
+              <a:spAutoFit/>
+            </a:bodyPr>
+            <a:lstStyle/>
+            <a:p>
+              <a:pPr algn="ctr"/>
+              <a:r>
+                <a:rPr lang="en-US" sz="1600" b="1" dirty="0">
+                  <a:solidFill>
+                    <a:schemeClr val="bg1"/>
+                  </a:solidFill>
+                </a:rPr>
+                <a:t>Occupant</a:t>
+              </a:r>
+              <a:br>
+                <a:rPr lang="en-US" sz="1600" b="1" dirty="0">
+                  <a:solidFill>
+                    <a:schemeClr val="bg1"/>
+                  </a:solidFill>
+                </a:rPr>
+              </a:br>
+              <a:r>
+                <a:rPr lang="en-US" sz="1600" b="1" dirty="0">
+                  <a:solidFill>
+                    <a:schemeClr val="bg1"/>
+                  </a:solidFill>
+                </a:rPr>
+                <a:t>Model</a:t>
+              </a:r>
+            </a:p>
+          </p:txBody>
+        </p:sp>
+      </p:grpSp>
+      <p:sp>
+        <p:nvSpPr>
+          <p:cNvPr id="82" name="TextBox 81">
+            <a:extLst>
+              <a:ext uri="{FF2B5EF4-FFF2-40B4-BE49-F238E27FC236}">
+                <a16:creationId xmlns:a16="http://schemas.microsoft.com/office/drawing/2014/main" id="{1B887F15-E8C5-658A-0EF8-75FB1E96CB49}"/>
+              </a:ext>
+            </a:extLst>
+          </p:cNvPr>
+          <p:cNvSpPr txBox="1"/>
+          <p:nvPr/>
+        </p:nvSpPr>
+        <p:spPr>
+          <a:xfrm>
+            <a:off x="6258439" y="5384249"/>
+            <a:ext cx="1567954" cy="276999"/>
+          </a:xfrm>
+          <a:prstGeom prst="rect">
+            <a:avLst/>
+          </a:prstGeom>
+          <a:noFill/>
+        </p:spPr>
+        <p:txBody>
+          <a:bodyPr wrap="square" rtlCol="0">
+            <a:spAutoFit/>
+          </a:bodyPr>
+          <a:lstStyle/>
+          <a:p>
+            <a:pPr algn="ctr"/>
+            <a:r>
+              <a:rPr lang="en-US" sz="1200" b="1" dirty="0"/>
+              <a:t>Setpoint</a:t>
+            </a:r>
+          </a:p>
+        </p:txBody>
+      </p:sp>
+      <p:cxnSp>
+        <p:nvCxnSpPr>
+          <p:cNvPr id="83" name="Straight Arrow Connector 82">
+            <a:extLst>
+              <a:ext uri="{FF2B5EF4-FFF2-40B4-BE49-F238E27FC236}">
+                <a16:creationId xmlns:a16="http://schemas.microsoft.com/office/drawing/2014/main" id="{14C5FF46-2DA3-D856-E15C-A2530F1A2BAC}"/>
+              </a:ext>
+            </a:extLst>
+          </p:cNvPr>
+          <p:cNvCxnSpPr>
+            <a:cxnSpLocks/>
+            <a:endCxn id="72" idx="3"/>
+          </p:cNvCxnSpPr>
+          <p:nvPr/>
+        </p:nvCxnSpPr>
+        <p:spPr>
+          <a:xfrm flipH="1">
+            <a:off x="8416272" y="5667924"/>
+            <a:ext cx="272016" cy="0"/>
+          </a:xfrm>
+          <a:prstGeom prst="straightConnector1">
+            <a:avLst/>
+          </a:prstGeom>
+          <a:ln w="28575">
+            <a:tailEnd type="triangle"/>
+          </a:ln>
+        </p:spPr>
+        <p:style>
+          <a:lnRef idx="1">
+            <a:schemeClr val="dk1"/>
+          </a:lnRef>
+          <a:fillRef idx="0">
+            <a:schemeClr val="dk1"/>
+          </a:fillRef>
+          <a:effectRef idx="0">
+            <a:schemeClr val="dk1"/>
+          </a:effectRef>
+          <a:fontRef idx="minor">
+            <a:schemeClr val="tx1"/>
+          </a:fontRef>
+        </p:style>
+      </p:cxnSp>
+    </p:spTree>
+    <p:extLst>
+      <p:ext uri="{BB962C8B-B14F-4D97-AF65-F5344CB8AC3E}">
+        <p14:creationId xmlns:p14="http://schemas.microsoft.com/office/powerpoint/2010/main" val="2179844037"/>
+      </p:ext>
+    </p:extLst>
+  </p:cSld>
+  <p:clrMapOvr>
+    <a:masterClrMapping/>
+  </p:clrMapOvr>
+</p:sld>
+</file>
+
+<file path=ppt/slides/slide3.xml><?xml version="1.0" encoding="utf-8"?>
 <p:sld xmlns:a="http://schemas.openxmlformats.org/drawingml/2006/main" xmlns:r="http://schemas.openxmlformats.org/officeDocument/2006/relationships" xmlns:p="http://schemas.openxmlformats.org/presentationml/2006/main">
   <p:cSld>
     <p:spTree>
@@ -5116,7 +7315,7 @@
 </p:sld>
 </file>
 
-<file path=ppt/slides/slide3.xml><?xml version="1.0" encoding="utf-8"?>
+<file path=ppt/slides/slide4.xml><?xml version="1.0" encoding="utf-8"?>
 <p:sld xmlns:a="http://schemas.openxmlformats.org/drawingml/2006/main" xmlns:r="http://schemas.openxmlformats.org/officeDocument/2006/relationships" xmlns:p="http://schemas.openxmlformats.org/presentationml/2006/main">
   <p:cSld>
     <p:spTree>
@@ -7195,7 +9394,7 @@
 </p:sld>
 </file>
 
-<file path=ppt/slides/slide4.xml><?xml version="1.0" encoding="utf-8"?>
+<file path=ppt/slides/slide5.xml><?xml version="1.0" encoding="utf-8"?>
 <p:sld xmlns:a="http://schemas.openxmlformats.org/drawingml/2006/main" xmlns:r="http://schemas.openxmlformats.org/officeDocument/2006/relationships" xmlns:p="http://schemas.openxmlformats.org/presentationml/2006/main">
   <p:cSld>
     <p:spTree>
@@ -7226,7 +9425,7 @@
         </p:nvGrpSpPr>
         <p:grpSpPr>
           <a:xfrm>
-            <a:off x="1009992" y="332657"/>
+            <a:off x="2614354" y="745240"/>
             <a:ext cx="3816988" cy="4868698"/>
             <a:chOff x="4760657" y="861974"/>
             <a:chExt cx="3816988" cy="4868698"/>
@@ -8523,7 +10722,7 @@
         </p:blipFill>
         <p:spPr>
           <a:xfrm>
-            <a:off x="372071" y="749973"/>
+            <a:off x="1976433" y="1162556"/>
             <a:ext cx="658611" cy="658611"/>
           </a:xfrm>
           <a:prstGeom prst="rect">
@@ -8549,7 +10748,7 @@
         </p:nvSpPr>
         <p:spPr>
           <a:xfrm>
-            <a:off x="263352" y="1412776"/>
+            <a:off x="1867714" y="1825359"/>
             <a:ext cx="847929" cy="292388"/>
           </a:xfrm>
           <a:prstGeom prst="rect">
@@ -8589,7 +10788,7 @@
         </p:nvCxnSpPr>
         <p:spPr>
           <a:xfrm rot="16200000" flipH="1" flipV="1">
-            <a:off x="1573320" y="-539286"/>
+            <a:off x="3177682" y="-126703"/>
             <a:ext cx="417316" cy="2161201"/>
           </a:xfrm>
           <a:prstGeom prst="bentConnector3">
@@ -8631,7 +10830,7 @@
         </p:nvGrpSpPr>
         <p:grpSpPr>
           <a:xfrm>
-            <a:off x="1342908" y="619640"/>
+            <a:off x="2947270" y="1032223"/>
             <a:ext cx="3816988" cy="4868698"/>
             <a:chOff x="4760657" y="861974"/>
             <a:chExt cx="3816988" cy="4868698"/>
@@ -9955,7 +12154,7 @@
         </p:nvCxnSpPr>
         <p:spPr>
           <a:xfrm rot="16200000" flipH="1">
-            <a:off x="2885544" y="309690"/>
+            <a:off x="4489906" y="722273"/>
             <a:ext cx="286983" cy="332916"/>
           </a:xfrm>
           <a:prstGeom prst="bentConnector3">
@@ -9999,7 +12198,7 @@
         </p:nvGrpSpPr>
         <p:grpSpPr>
           <a:xfrm>
-            <a:off x="5894935" y="2557947"/>
+            <a:off x="7499297" y="2970530"/>
             <a:ext cx="1026042" cy="1024127"/>
             <a:chOff x="6975940" y="2943131"/>
             <a:chExt cx="526906" cy="525923"/>
@@ -10137,7 +12336,7 @@
         </p:nvCxnSpPr>
         <p:spPr>
           <a:xfrm flipH="1" flipV="1">
-            <a:off x="4797570" y="3051362"/>
+            <a:off x="6401932" y="3463945"/>
             <a:ext cx="1097280" cy="18648"/>
           </a:xfrm>
           <a:prstGeom prst="straightConnector1">
@@ -10176,7 +12375,7 @@
         </p:nvSpPr>
         <p:spPr>
           <a:xfrm>
-            <a:off x="4949968" y="2607295"/>
+            <a:off x="6554330" y="3019878"/>
             <a:ext cx="1008837" cy="492443"/>
           </a:xfrm>
           <a:prstGeom prst="rect">
@@ -10219,7 +12418,7 @@
         </p:nvSpPr>
         <p:spPr>
           <a:xfrm>
-            <a:off x="4943872" y="1279793"/>
+            <a:off x="6548234" y="1692376"/>
             <a:ext cx="1008837" cy="292388"/>
           </a:xfrm>
           <a:prstGeom prst="rect">
@@ -10259,7 +12458,7 @@
         </p:nvCxnSpPr>
         <p:spPr>
           <a:xfrm rot="16200000" flipV="1">
-            <a:off x="5093046" y="1243993"/>
+            <a:off x="6697408" y="1656576"/>
             <a:ext cx="1018480" cy="1609427"/>
           </a:xfrm>
           <a:prstGeom prst="bentConnector2">
@@ -10302,7 +12501,7 @@
         </p:nvCxnSpPr>
         <p:spPr>
           <a:xfrm flipH="1">
-            <a:off x="3195494" y="3088425"/>
+            <a:off x="4799856" y="3501008"/>
             <a:ext cx="3725483" cy="2399913"/>
           </a:xfrm>
           <a:prstGeom prst="bentConnector4">
@@ -10345,7 +12544,7 @@
         </p:nvSpPr>
         <p:spPr>
           <a:xfrm>
-            <a:off x="4655840" y="5445224"/>
+            <a:off x="6260202" y="5857807"/>
             <a:ext cx="1567954" cy="292388"/>
           </a:xfrm>
           <a:prstGeom prst="rect">
@@ -10383,7 +12582,7 @@
         </p:nvGrpSpPr>
         <p:grpSpPr>
           <a:xfrm>
-            <a:off x="5889452" y="4060409"/>
+            <a:off x="7493814" y="4472992"/>
             <a:ext cx="1026042" cy="1024127"/>
             <a:chOff x="6975940" y="2943131"/>
             <a:chExt cx="526906" cy="525923"/>
@@ -10518,7 +12717,7 @@
         </p:nvCxnSpPr>
         <p:spPr>
           <a:xfrm flipH="1">
-            <a:off x="6915494" y="4554058"/>
+            <a:off x="8519856" y="4966641"/>
             <a:ext cx="236605" cy="2"/>
           </a:xfrm>
           <a:prstGeom prst="straightConnector1">
@@ -10561,7 +12760,7 @@
         </p:nvCxnSpPr>
         <p:spPr>
           <a:xfrm flipH="1" flipV="1">
-            <a:off x="4586206" y="4560070"/>
+            <a:off x="6190568" y="4972653"/>
             <a:ext cx="1303246" cy="12403"/>
           </a:xfrm>
           <a:prstGeom prst="straightConnector1">
@@ -10600,7 +12799,7 @@
         </p:nvSpPr>
         <p:spPr>
           <a:xfrm>
-            <a:off x="4655840" y="4293096"/>
+            <a:off x="6260202" y="4705679"/>
             <a:ext cx="1567954" cy="292388"/>
           </a:xfrm>
           <a:prstGeom prst="rect">
@@ -10622,6 +12821,264 @@
           </a:p>
         </p:txBody>
       </p:sp>
+      <p:sp>
+        <p:nvSpPr>
+          <p:cNvPr id="69" name="Rectangle 68">
+            <a:extLst>
+              <a:ext uri="{FF2B5EF4-FFF2-40B4-BE49-F238E27FC236}">
+                <a16:creationId xmlns:a16="http://schemas.microsoft.com/office/drawing/2014/main" id="{482A6239-04DB-50EB-0BD3-A84E1384226F}"/>
+              </a:ext>
+            </a:extLst>
+          </p:cNvPr>
+          <p:cNvSpPr/>
+          <p:nvPr/>
+        </p:nvSpPr>
+        <p:spPr>
+          <a:xfrm>
+            <a:off x="3201763" y="274390"/>
+            <a:ext cx="250275" cy="412583"/>
+          </a:xfrm>
+          <a:prstGeom prst="rect">
+            <a:avLst/>
+          </a:prstGeom>
+          <a:ln>
+            <a:noFill/>
+          </a:ln>
+        </p:spPr>
+        <p:style>
+          <a:lnRef idx="2">
+            <a:schemeClr val="accent6"/>
+          </a:lnRef>
+          <a:fillRef idx="1">
+            <a:schemeClr val="lt1"/>
+          </a:fillRef>
+          <a:effectRef idx="0">
+            <a:schemeClr val="accent6"/>
+          </a:effectRef>
+          <a:fontRef idx="minor">
+            <a:schemeClr val="dk1"/>
+          </a:fontRef>
+        </p:style>
+        <p:txBody>
+          <a:bodyPr rtlCol="0" anchor="ctr"/>
+          <a:lstStyle/>
+          <a:p>
+            <a:pPr algn="ctr"/>
+            <a:endParaRPr lang="en-US"/>
+          </a:p>
+        </p:txBody>
+      </p:sp>
+      <p:cxnSp>
+        <p:nvCxnSpPr>
+          <p:cNvPr id="72" name="Straight Connector 71">
+            <a:extLst>
+              <a:ext uri="{FF2B5EF4-FFF2-40B4-BE49-F238E27FC236}">
+                <a16:creationId xmlns:a16="http://schemas.microsoft.com/office/drawing/2014/main" id="{F1864794-DF9A-00D1-56A6-247EBFF3C59C}"/>
+              </a:ext>
+            </a:extLst>
+          </p:cNvPr>
+          <p:cNvCxnSpPr>
+            <a:cxnSpLocks/>
+          </p:cNvCxnSpPr>
+          <p:nvPr/>
+        </p:nvCxnSpPr>
+        <p:spPr>
+          <a:xfrm flipV="1">
+            <a:off x="3191891" y="305481"/>
+            <a:ext cx="250275" cy="206292"/>
+          </a:xfrm>
+          <a:prstGeom prst="line">
+            <a:avLst/>
+          </a:prstGeom>
+          <a:ln w="28575">
+            <a:solidFill>
+              <a:schemeClr val="tx1"/>
+            </a:solidFill>
+            <a:headEnd type="oval" w="med" len="med"/>
+            <a:tailEnd type="oval" w="med" len="med"/>
+          </a:ln>
+        </p:spPr>
+        <p:style>
+          <a:lnRef idx="1">
+            <a:schemeClr val="accent1"/>
+          </a:lnRef>
+          <a:fillRef idx="0">
+            <a:schemeClr val="accent1"/>
+          </a:fillRef>
+          <a:effectRef idx="0">
+            <a:schemeClr val="accent1"/>
+          </a:effectRef>
+          <a:fontRef idx="minor">
+            <a:schemeClr val="tx1"/>
+          </a:fontRef>
+        </p:style>
+      </p:cxnSp>
+      <p:cxnSp>
+        <p:nvCxnSpPr>
+          <p:cNvPr id="78" name="Straight Connector 77">
+            <a:extLst>
+              <a:ext uri="{FF2B5EF4-FFF2-40B4-BE49-F238E27FC236}">
+                <a16:creationId xmlns:a16="http://schemas.microsoft.com/office/drawing/2014/main" id="{9916C099-CCEB-EC2A-4386-9DC9DF9CB729}"/>
+              </a:ext>
+            </a:extLst>
+          </p:cNvPr>
+          <p:cNvCxnSpPr>
+            <a:cxnSpLocks/>
+          </p:cNvCxnSpPr>
+          <p:nvPr/>
+        </p:nvCxnSpPr>
+        <p:spPr>
+          <a:xfrm flipV="1">
+            <a:off x="3481777" y="518774"/>
+            <a:ext cx="223709" cy="2561"/>
+          </a:xfrm>
+          <a:prstGeom prst="line">
+            <a:avLst/>
+          </a:prstGeom>
+          <a:ln w="28575">
+            <a:solidFill>
+              <a:schemeClr val="tx1"/>
+            </a:solidFill>
+            <a:headEnd type="oval" w="med" len="med"/>
+            <a:tailEnd type="none" w="med" len="med"/>
+          </a:ln>
+        </p:spPr>
+        <p:style>
+          <a:lnRef idx="1">
+            <a:schemeClr val="accent1"/>
+          </a:lnRef>
+          <a:fillRef idx="0">
+            <a:schemeClr val="accent1"/>
+          </a:fillRef>
+          <a:effectRef idx="0">
+            <a:schemeClr val="accent1"/>
+          </a:effectRef>
+          <a:fontRef idx="minor">
+            <a:schemeClr val="tx1"/>
+          </a:fontRef>
+        </p:style>
+      </p:cxnSp>
+      <p:pic>
+        <p:nvPicPr>
+          <p:cNvPr id="90" name="Picture 89" descr="A person measuring his head&#10;&#10;Description automatically generated">
+            <a:extLst>
+              <a:ext uri="{FF2B5EF4-FFF2-40B4-BE49-F238E27FC236}">
+                <a16:creationId xmlns:a16="http://schemas.microsoft.com/office/drawing/2014/main" id="{CEEB6CE4-85C7-5BBB-BCA1-8B12F2A11865}"/>
+              </a:ext>
+            </a:extLst>
+          </p:cNvPr>
+          <p:cNvPicPr>
+            <a:picLocks noChangeAspect="1"/>
+          </p:cNvPicPr>
+          <p:nvPr/>
+        </p:nvPicPr>
+        <p:blipFill>
+          <a:blip r:embed="rId13">
+            <a:extLst>
+              <a:ext uri="{28A0092B-C50C-407E-A947-70E740481C1C}">
+                <a14:useLocalDpi xmlns:a14="http://schemas.microsoft.com/office/drawing/2010/main" val="0"/>
+              </a:ext>
+            </a:extLst>
+          </a:blip>
+          <a:stretch>
+            <a:fillRect/>
+          </a:stretch>
+        </p:blipFill>
+        <p:spPr>
+          <a:xfrm>
+            <a:off x="6791828" y="3698820"/>
+            <a:ext cx="814578" cy="814578"/>
+          </a:xfrm>
+          <a:prstGeom prst="rect">
+            <a:avLst/>
+          </a:prstGeom>
+        </p:spPr>
+      </p:pic>
+      <p:cxnSp>
+        <p:nvCxnSpPr>
+          <p:cNvPr id="93" name="Curved Connector 92">
+            <a:extLst>
+              <a:ext uri="{FF2B5EF4-FFF2-40B4-BE49-F238E27FC236}">
+                <a16:creationId xmlns:a16="http://schemas.microsoft.com/office/drawing/2014/main" id="{15775AFB-C39B-6485-53BE-346BA7B7CA4D}"/>
+              </a:ext>
+            </a:extLst>
+          </p:cNvPr>
+          <p:cNvCxnSpPr>
+            <a:stCxn id="90" idx="1"/>
+          </p:cNvCxnSpPr>
+          <p:nvPr/>
+        </p:nvCxnSpPr>
+        <p:spPr>
+          <a:xfrm rot="10800000" flipV="1">
+            <a:off x="6190568" y="4106109"/>
+            <a:ext cx="601260" cy="822166"/>
+          </a:xfrm>
+          <a:prstGeom prst="curvedConnector2">
+            <a:avLst/>
+          </a:prstGeom>
+          <a:ln w="28575">
+            <a:prstDash val="sysDot"/>
+            <a:tailEnd type="triangle"/>
+          </a:ln>
+        </p:spPr>
+        <p:style>
+          <a:lnRef idx="1">
+            <a:schemeClr val="dk1"/>
+          </a:lnRef>
+          <a:fillRef idx="0">
+            <a:schemeClr val="dk1"/>
+          </a:fillRef>
+          <a:effectRef idx="0">
+            <a:schemeClr val="dk1"/>
+          </a:effectRef>
+          <a:fontRef idx="minor">
+            <a:schemeClr val="tx1"/>
+          </a:fontRef>
+        </p:style>
+      </p:cxnSp>
+      <p:sp>
+        <p:nvSpPr>
+          <p:cNvPr id="94" name="TextBox 93">
+            <a:extLst>
+              <a:ext uri="{FF2B5EF4-FFF2-40B4-BE49-F238E27FC236}">
+                <a16:creationId xmlns:a16="http://schemas.microsoft.com/office/drawing/2014/main" id="{252D502D-A3C2-A682-A98A-7CAD33E6298F}"/>
+              </a:ext>
+            </a:extLst>
+          </p:cNvPr>
+          <p:cNvSpPr txBox="1"/>
+          <p:nvPr/>
+        </p:nvSpPr>
+        <p:spPr>
+          <a:xfrm>
+            <a:off x="7052652" y="3924865"/>
+            <a:ext cx="1567954" cy="492443"/>
+          </a:xfrm>
+          <a:prstGeom prst="rect">
+            <a:avLst/>
+          </a:prstGeom>
+          <a:noFill/>
+        </p:spPr>
+        <p:txBody>
+          <a:bodyPr wrap="square" rtlCol="0">
+            <a:spAutoFit/>
+          </a:bodyPr>
+          <a:lstStyle/>
+          <a:p>
+            <a:pPr algn="ctr"/>
+            <a:r>
+              <a:rPr lang="en-US" sz="1300" b="1" dirty="0"/>
+              <a:t>Setpoint </a:t>
+            </a:r>
+          </a:p>
+          <a:p>
+            <a:pPr algn="ctr"/>
+            <a:r>
+              <a:rPr lang="en-US" sz="1300" b="1" dirty="0"/>
+              <a:t>change</a:t>
+            </a:r>
+          </a:p>
+        </p:txBody>
+      </p:sp>
     </p:spTree>
     <p:extLst>
       <p:ext uri="{BB962C8B-B14F-4D97-AF65-F5344CB8AC3E}">
@@ -10635,7 +13092,3113 @@
 </p:sld>
 </file>
 
-<file path=ppt/slides/slide5.xml><?xml version="1.0" encoding="utf-8"?>
+<file path=ppt/slides/slide6.xml><?xml version="1.0" encoding="utf-8"?>
+<p:sld xmlns:a="http://schemas.openxmlformats.org/drawingml/2006/main" xmlns:r="http://schemas.openxmlformats.org/officeDocument/2006/relationships" xmlns:p="http://schemas.openxmlformats.org/presentationml/2006/main">
+  <p:cSld>
+    <p:spTree>
+      <p:nvGrpSpPr>
+        <p:cNvPr id="1" name=""/>
+        <p:cNvGrpSpPr/>
+        <p:nvPr/>
+      </p:nvGrpSpPr>
+      <p:grpSpPr>
+        <a:xfrm>
+          <a:off x="0" y="0"/>
+          <a:ext cx="0" cy="0"/>
+          <a:chOff x="0" y="0"/>
+          <a:chExt cx="0" cy="0"/>
+        </a:xfrm>
+      </p:grpSpPr>
+      <p:grpSp>
+        <p:nvGrpSpPr>
+          <p:cNvPr id="6" name="Group 5">
+            <a:extLst>
+              <a:ext uri="{FF2B5EF4-FFF2-40B4-BE49-F238E27FC236}">
+                <a16:creationId xmlns:a16="http://schemas.microsoft.com/office/drawing/2014/main" id="{6FFAAEA2-8082-52E4-07C3-287CAA9B1BB2}"/>
+              </a:ext>
+            </a:extLst>
+          </p:cNvPr>
+          <p:cNvGrpSpPr/>
+          <p:nvPr/>
+        </p:nvGrpSpPr>
+        <p:grpSpPr>
+          <a:xfrm>
+            <a:off x="2614354" y="745240"/>
+            <a:ext cx="3816988" cy="4868698"/>
+            <a:chOff x="4760657" y="861974"/>
+            <a:chExt cx="3816988" cy="4868698"/>
+          </a:xfrm>
+        </p:grpSpPr>
+        <p:sp>
+          <p:nvSpPr>
+            <p:cNvPr id="8" name="Rounded Rectangle 7">
+              <a:extLst>
+                <a:ext uri="{FF2B5EF4-FFF2-40B4-BE49-F238E27FC236}">
+                  <a16:creationId xmlns:a16="http://schemas.microsoft.com/office/drawing/2014/main" id="{7B21DCDD-E9FF-0610-6CC0-81A9F6D0A3D7}"/>
+                </a:ext>
+              </a:extLst>
+            </p:cNvPr>
+            <p:cNvSpPr/>
+            <p:nvPr/>
+          </p:nvSpPr>
+          <p:spPr>
+            <a:xfrm rot="10800000">
+              <a:off x="4856653" y="861974"/>
+              <a:ext cx="3513180" cy="4868698"/>
+            </a:xfrm>
+            <a:prstGeom prst="roundRect">
+              <a:avLst>
+                <a:gd name="adj" fmla="val 6867"/>
+              </a:avLst>
+            </a:prstGeom>
+            <a:solidFill>
+              <a:schemeClr val="bg1">
+                <a:lumMod val="85000"/>
+              </a:schemeClr>
+            </a:solidFill>
+            <a:ln w="28575">
+              <a:solidFill>
+                <a:schemeClr val="tx1"/>
+              </a:solidFill>
+              <a:prstDash val="solid"/>
+            </a:ln>
+          </p:spPr>
+          <p:style>
+            <a:lnRef idx="2">
+              <a:schemeClr val="accent1">
+                <a:shade val="50000"/>
+              </a:schemeClr>
+            </a:lnRef>
+            <a:fillRef idx="1">
+              <a:schemeClr val="accent1"/>
+            </a:fillRef>
+            <a:effectRef idx="0">
+              <a:schemeClr val="accent1"/>
+            </a:effectRef>
+            <a:fontRef idx="minor">
+              <a:schemeClr val="lt1"/>
+            </a:fontRef>
+          </p:style>
+          <p:txBody>
+            <a:bodyPr rtlCol="0" anchor="ctr"/>
+            <a:lstStyle/>
+            <a:p>
+              <a:pPr algn="ctr"/>
+              <a:endParaRPr lang="en-US"/>
+            </a:p>
+          </p:txBody>
+        </p:sp>
+        <p:sp>
+          <p:nvSpPr>
+            <p:cNvPr id="11" name="Rounded Rectangle 10">
+              <a:extLst>
+                <a:ext uri="{FF2B5EF4-FFF2-40B4-BE49-F238E27FC236}">
+                  <a16:creationId xmlns:a16="http://schemas.microsoft.com/office/drawing/2014/main" id="{76267E06-310B-F734-E1BF-C606C9BD1A23}"/>
+                </a:ext>
+              </a:extLst>
+            </p:cNvPr>
+            <p:cNvSpPr/>
+            <p:nvPr/>
+          </p:nvSpPr>
+          <p:spPr>
+            <a:xfrm>
+              <a:off x="6237691" y="1235421"/>
+              <a:ext cx="1977630" cy="1092759"/>
+            </a:xfrm>
+            <a:prstGeom prst="roundRect">
+              <a:avLst/>
+            </a:prstGeom>
+            <a:solidFill>
+              <a:schemeClr val="accent4">
+                <a:lumMod val="60000"/>
+                <a:lumOff val="40000"/>
+              </a:schemeClr>
+            </a:solidFill>
+            <a:ln w="28575">
+              <a:noFill/>
+              <a:prstDash val="sysDot"/>
+            </a:ln>
+          </p:spPr>
+          <p:style>
+            <a:lnRef idx="2">
+              <a:schemeClr val="accent1">
+                <a:shade val="50000"/>
+              </a:schemeClr>
+            </a:lnRef>
+            <a:fillRef idx="1">
+              <a:schemeClr val="accent1"/>
+            </a:fillRef>
+            <a:effectRef idx="0">
+              <a:schemeClr val="accent1"/>
+            </a:effectRef>
+            <a:fontRef idx="minor">
+              <a:schemeClr val="lt1"/>
+            </a:fontRef>
+          </p:style>
+          <p:txBody>
+            <a:bodyPr rtlCol="0" anchor="ctr"/>
+            <a:lstStyle/>
+            <a:p>
+              <a:pPr algn="ctr"/>
+              <a:endParaRPr lang="en-US"/>
+            </a:p>
+          </p:txBody>
+        </p:sp>
+        <p:sp>
+          <p:nvSpPr>
+            <p:cNvPr id="12" name="Rounded Rectangle 11">
+              <a:extLst>
+                <a:ext uri="{FF2B5EF4-FFF2-40B4-BE49-F238E27FC236}">
+                  <a16:creationId xmlns:a16="http://schemas.microsoft.com/office/drawing/2014/main" id="{0E0F3FB4-BD13-9257-C76C-216E8E3EFC50}"/>
+                </a:ext>
+              </a:extLst>
+            </p:cNvPr>
+            <p:cNvSpPr/>
+            <p:nvPr/>
+          </p:nvSpPr>
+          <p:spPr>
+            <a:xfrm rot="5400000">
+              <a:off x="5835761" y="1694929"/>
+              <a:ext cx="1561584" cy="3197534"/>
+            </a:xfrm>
+            <a:prstGeom prst="roundRect">
+              <a:avLst/>
+            </a:prstGeom>
+            <a:solidFill>
+              <a:schemeClr val="accent3">
+                <a:lumMod val="60000"/>
+                <a:lumOff val="40000"/>
+              </a:schemeClr>
+            </a:solidFill>
+            <a:ln w="28575">
+              <a:noFill/>
+              <a:prstDash val="sysDot"/>
+            </a:ln>
+          </p:spPr>
+          <p:style>
+            <a:lnRef idx="2">
+              <a:schemeClr val="accent1">
+                <a:shade val="50000"/>
+              </a:schemeClr>
+            </a:lnRef>
+            <a:fillRef idx="1">
+              <a:schemeClr val="accent1"/>
+            </a:fillRef>
+            <a:effectRef idx="0">
+              <a:schemeClr val="accent1"/>
+            </a:effectRef>
+            <a:fontRef idx="minor">
+              <a:schemeClr val="lt1"/>
+            </a:fontRef>
+          </p:style>
+          <p:txBody>
+            <a:bodyPr rtlCol="0" anchor="ctr"/>
+            <a:lstStyle/>
+            <a:p>
+              <a:pPr algn="ctr"/>
+              <a:endParaRPr lang="en-US"/>
+            </a:p>
+          </p:txBody>
+        </p:sp>
+        <p:sp>
+          <p:nvSpPr>
+            <p:cNvPr id="14" name="Rounded Rectangle 13">
+              <a:extLst>
+                <a:ext uri="{FF2B5EF4-FFF2-40B4-BE49-F238E27FC236}">
+                  <a16:creationId xmlns:a16="http://schemas.microsoft.com/office/drawing/2014/main" id="{C9C03D20-806A-4954-3A1F-DCA0BD9EA218}"/>
+                </a:ext>
+              </a:extLst>
+            </p:cNvPr>
+            <p:cNvSpPr/>
+            <p:nvPr/>
+          </p:nvSpPr>
+          <p:spPr>
+            <a:xfrm>
+              <a:off x="5017785" y="4247059"/>
+              <a:ext cx="3206259" cy="1297418"/>
+            </a:xfrm>
+            <a:prstGeom prst="roundRect">
+              <a:avLst/>
+            </a:prstGeom>
+            <a:solidFill>
+              <a:schemeClr val="bg1">
+                <a:lumMod val="65000"/>
+              </a:schemeClr>
+            </a:solidFill>
+            <a:ln w="28575">
+              <a:noFill/>
+              <a:prstDash val="sysDot"/>
+            </a:ln>
+          </p:spPr>
+          <p:style>
+            <a:lnRef idx="2">
+              <a:schemeClr val="accent1">
+                <a:shade val="50000"/>
+              </a:schemeClr>
+            </a:lnRef>
+            <a:fillRef idx="1">
+              <a:schemeClr val="accent1"/>
+            </a:fillRef>
+            <a:effectRef idx="0">
+              <a:schemeClr val="accent1"/>
+            </a:effectRef>
+            <a:fontRef idx="minor">
+              <a:schemeClr val="lt1"/>
+            </a:fontRef>
+          </p:style>
+          <p:txBody>
+            <a:bodyPr rtlCol="0" anchor="ctr"/>
+            <a:lstStyle/>
+            <a:p>
+              <a:pPr algn="ctr"/>
+              <a:endParaRPr lang="en-US"/>
+            </a:p>
+          </p:txBody>
+        </p:sp>
+        <p:pic>
+          <p:nvPicPr>
+            <p:cNvPr id="15" name="Picture 14" descr="Icon&#10;&#10;Description automatically generated">
+              <a:extLst>
+                <a:ext uri="{FF2B5EF4-FFF2-40B4-BE49-F238E27FC236}">
+                  <a16:creationId xmlns:a16="http://schemas.microsoft.com/office/drawing/2014/main" id="{96BABB83-71F9-37CC-69F6-A85BA7C45BB7}"/>
+                </a:ext>
+              </a:extLst>
+            </p:cNvPr>
+            <p:cNvPicPr>
+              <a:picLocks noChangeAspect="1"/>
+            </p:cNvPicPr>
+            <p:nvPr/>
+          </p:nvPicPr>
+          <p:blipFill>
+            <a:blip r:embed="rId3" cstate="print">
+              <a:extLst>
+                <a:ext uri="{28A0092B-C50C-407E-A947-70E740481C1C}">
+                  <a14:useLocalDpi xmlns:a14="http://schemas.microsoft.com/office/drawing/2010/main" val="0"/>
+                </a:ext>
+              </a:extLst>
+            </a:blip>
+            <a:stretch>
+              <a:fillRect/>
+            </a:stretch>
+          </p:blipFill>
+          <p:spPr>
+            <a:xfrm>
+              <a:off x="7377510" y="4489181"/>
+              <a:ext cx="626445" cy="626445"/>
+            </a:xfrm>
+            <a:prstGeom prst="rect">
+              <a:avLst/>
+            </a:prstGeom>
+          </p:spPr>
+        </p:pic>
+        <p:pic>
+          <p:nvPicPr>
+            <p:cNvPr id="21" name="Picture 20" descr="Icon&#10;&#10;Description automatically generated">
+              <a:extLst>
+                <a:ext uri="{FF2B5EF4-FFF2-40B4-BE49-F238E27FC236}">
+                  <a16:creationId xmlns:a16="http://schemas.microsoft.com/office/drawing/2014/main" id="{491AE941-9E91-5595-FBDE-EF49069C2F06}"/>
+                </a:ext>
+              </a:extLst>
+            </p:cNvPr>
+            <p:cNvPicPr>
+              <a:picLocks noChangeAspect="1"/>
+            </p:cNvPicPr>
+            <p:nvPr/>
+          </p:nvPicPr>
+          <p:blipFill>
+            <a:blip r:embed="rId4" cstate="print">
+              <a:extLst>
+                <a:ext uri="{28A0092B-C50C-407E-A947-70E740481C1C}">
+                  <a14:useLocalDpi xmlns:a14="http://schemas.microsoft.com/office/drawing/2010/main" val="0"/>
+                </a:ext>
+              </a:extLst>
+            </a:blip>
+            <a:stretch>
+              <a:fillRect/>
+            </a:stretch>
+          </p:blipFill>
+          <p:spPr>
+            <a:xfrm rot="10800000">
+              <a:off x="5094287" y="4459902"/>
+              <a:ext cx="625465" cy="625465"/>
+            </a:xfrm>
+            <a:prstGeom prst="rect">
+              <a:avLst/>
+            </a:prstGeom>
+          </p:spPr>
+        </p:pic>
+        <p:pic>
+          <p:nvPicPr>
+            <p:cNvPr id="23" name="Picture 22" descr="A picture containing icon&#10;&#10;Description automatically generated">
+              <a:extLst>
+                <a:ext uri="{FF2B5EF4-FFF2-40B4-BE49-F238E27FC236}">
+                  <a16:creationId xmlns:a16="http://schemas.microsoft.com/office/drawing/2014/main" id="{25A7AD7F-AAD4-51E2-86DF-31CA3A9E7D79}"/>
+                </a:ext>
+              </a:extLst>
+            </p:cNvPr>
+            <p:cNvPicPr>
+              <a:picLocks noChangeAspect="1"/>
+            </p:cNvPicPr>
+            <p:nvPr/>
+          </p:nvPicPr>
+          <p:blipFill>
+            <a:blip r:embed="rId5" cstate="print">
+              <a:extLst>
+                <a:ext uri="{28A0092B-C50C-407E-A947-70E740481C1C}">
+                  <a14:useLocalDpi xmlns:a14="http://schemas.microsoft.com/office/drawing/2010/main" val="0"/>
+                </a:ext>
+              </a:extLst>
+            </a:blip>
+            <a:stretch>
+              <a:fillRect/>
+            </a:stretch>
+          </p:blipFill>
+          <p:spPr>
+            <a:xfrm>
+              <a:off x="7294903" y="1439332"/>
+              <a:ext cx="814996" cy="768691"/>
+            </a:xfrm>
+            <a:prstGeom prst="rect">
+              <a:avLst/>
+            </a:prstGeom>
+          </p:spPr>
+        </p:pic>
+        <p:pic>
+          <p:nvPicPr>
+            <p:cNvPr id="24" name="Picture 23" descr="A picture containing icon&#10;&#10;Description automatically generated">
+              <a:extLst>
+                <a:ext uri="{FF2B5EF4-FFF2-40B4-BE49-F238E27FC236}">
+                  <a16:creationId xmlns:a16="http://schemas.microsoft.com/office/drawing/2014/main" id="{688B39BD-4CF6-F72F-8CA4-1CBFB28128D8}"/>
+                </a:ext>
+              </a:extLst>
+            </p:cNvPr>
+            <p:cNvPicPr>
+              <a:picLocks noChangeAspect="1"/>
+            </p:cNvPicPr>
+            <p:nvPr/>
+          </p:nvPicPr>
+          <p:blipFill>
+            <a:blip r:embed="rId6" cstate="print">
+              <a:duotone>
+                <a:schemeClr val="accent2">
+                  <a:shade val="45000"/>
+                  <a:satMod val="135000"/>
+                </a:schemeClr>
+                <a:prstClr val="white"/>
+              </a:duotone>
+              <a:extLst>
+                <a:ext uri="{28A0092B-C50C-407E-A947-70E740481C1C}">
+                  <a14:useLocalDpi xmlns:a14="http://schemas.microsoft.com/office/drawing/2010/main" val="0"/>
+                </a:ext>
+              </a:extLst>
+            </a:blip>
+            <a:stretch>
+              <a:fillRect/>
+            </a:stretch>
+          </p:blipFill>
+          <p:spPr>
+            <a:xfrm>
+              <a:off x="6527693" y="2832992"/>
+              <a:ext cx="692289" cy="692289"/>
+            </a:xfrm>
+            <a:prstGeom prst="rect">
+              <a:avLst/>
+            </a:prstGeom>
+          </p:spPr>
+        </p:pic>
+        <p:pic>
+          <p:nvPicPr>
+            <p:cNvPr id="27" name="Picture 26" descr="Icon&#10;&#10;Description automatically generated">
+              <a:extLst>
+                <a:ext uri="{FF2B5EF4-FFF2-40B4-BE49-F238E27FC236}">
+                  <a16:creationId xmlns:a16="http://schemas.microsoft.com/office/drawing/2014/main" id="{F397DF21-AEFF-F805-0B55-C2E714295541}"/>
+                </a:ext>
+              </a:extLst>
+            </p:cNvPr>
+            <p:cNvPicPr>
+              <a:picLocks noChangeAspect="1"/>
+            </p:cNvPicPr>
+            <p:nvPr/>
+          </p:nvPicPr>
+          <p:blipFill>
+            <a:blip r:embed="rId7" cstate="print">
+              <a:extLst>
+                <a:ext uri="{28A0092B-C50C-407E-A947-70E740481C1C}">
+                  <a14:useLocalDpi xmlns:a14="http://schemas.microsoft.com/office/drawing/2010/main" val="0"/>
+                </a:ext>
+              </a:extLst>
+            </a:blip>
+            <a:stretch>
+              <a:fillRect/>
+            </a:stretch>
+          </p:blipFill>
+          <p:spPr>
+            <a:xfrm>
+              <a:off x="6453715" y="1439331"/>
+              <a:ext cx="720080" cy="720080"/>
+            </a:xfrm>
+            <a:prstGeom prst="rect">
+              <a:avLst/>
+            </a:prstGeom>
+          </p:spPr>
+        </p:pic>
+        <p:pic>
+          <p:nvPicPr>
+            <p:cNvPr id="28" name="Picture 27" descr="Icon&#10;&#10;Description automatically generated">
+              <a:extLst>
+                <a:ext uri="{FF2B5EF4-FFF2-40B4-BE49-F238E27FC236}">
+                  <a16:creationId xmlns:a16="http://schemas.microsoft.com/office/drawing/2014/main" id="{6DB8D1D5-7896-E65E-EFFF-2CAFF9E19A45}"/>
+                </a:ext>
+              </a:extLst>
+            </p:cNvPr>
+            <p:cNvPicPr>
+              <a:picLocks noChangeAspect="1"/>
+            </p:cNvPicPr>
+            <p:nvPr/>
+          </p:nvPicPr>
+          <p:blipFill>
+            <a:blip r:embed="rId8" cstate="print">
+              <a:extLst>
+                <a:ext uri="{28A0092B-C50C-407E-A947-70E740481C1C}">
+                  <a14:useLocalDpi xmlns:a14="http://schemas.microsoft.com/office/drawing/2010/main" val="0"/>
+                </a:ext>
+              </a:extLst>
+            </a:blip>
+            <a:stretch>
+              <a:fillRect/>
+            </a:stretch>
+          </p:blipFill>
+          <p:spPr>
+            <a:xfrm>
+              <a:off x="6606454" y="4414331"/>
+              <a:ext cx="626445" cy="687391"/>
+            </a:xfrm>
+            <a:prstGeom prst="rect">
+              <a:avLst/>
+            </a:prstGeom>
+          </p:spPr>
+        </p:pic>
+        <p:pic>
+          <p:nvPicPr>
+            <p:cNvPr id="29" name="Picture 28" descr="A picture containing text, clock&#10;&#10;Description automatically generated">
+              <a:extLst>
+                <a:ext uri="{FF2B5EF4-FFF2-40B4-BE49-F238E27FC236}">
+                  <a16:creationId xmlns:a16="http://schemas.microsoft.com/office/drawing/2014/main" id="{CC85AB02-105F-9D5B-83C3-3EEAF6C91D02}"/>
+                </a:ext>
+              </a:extLst>
+            </p:cNvPr>
+            <p:cNvPicPr>
+              <a:picLocks noChangeAspect="1"/>
+            </p:cNvPicPr>
+            <p:nvPr/>
+          </p:nvPicPr>
+          <p:blipFill>
+            <a:blip r:embed="rId9" cstate="print">
+              <a:biLevel thresh="75000"/>
+              <a:extLst>
+                <a:ext uri="{28A0092B-C50C-407E-A947-70E740481C1C}">
+                  <a14:useLocalDpi xmlns:a14="http://schemas.microsoft.com/office/drawing/2010/main" val="0"/>
+                </a:ext>
+              </a:extLst>
+            </a:blip>
+            <a:stretch>
+              <a:fillRect/>
+            </a:stretch>
+          </p:blipFill>
+          <p:spPr>
+            <a:xfrm>
+              <a:off x="5218572" y="2852195"/>
+              <a:ext cx="669094" cy="669094"/>
+            </a:xfrm>
+            <a:prstGeom prst="rect">
+              <a:avLst/>
+            </a:prstGeom>
+            <a:noFill/>
+            <a:ln>
+              <a:noFill/>
+            </a:ln>
+          </p:spPr>
+        </p:pic>
+        <p:pic>
+          <p:nvPicPr>
+            <p:cNvPr id="31" name="Picture 30" descr="A picture containing text, clock&#10;&#10;Description automatically generated">
+              <a:extLst>
+                <a:ext uri="{FF2B5EF4-FFF2-40B4-BE49-F238E27FC236}">
+                  <a16:creationId xmlns:a16="http://schemas.microsoft.com/office/drawing/2014/main" id="{3DF2BCA7-9915-015E-ED1B-687DB4F36FD8}"/>
+                </a:ext>
+              </a:extLst>
+            </p:cNvPr>
+            <p:cNvPicPr>
+              <a:picLocks noChangeAspect="1"/>
+            </p:cNvPicPr>
+            <p:nvPr/>
+          </p:nvPicPr>
+          <p:blipFill>
+            <a:blip r:embed="rId10" cstate="print">
+              <a:biLevel thresh="75000"/>
+              <a:extLst>
+                <a:ext uri="{28A0092B-C50C-407E-A947-70E740481C1C}">
+                  <a14:useLocalDpi xmlns:a14="http://schemas.microsoft.com/office/drawing/2010/main" val="0"/>
+                </a:ext>
+              </a:extLst>
+            </a:blip>
+            <a:stretch>
+              <a:fillRect/>
+            </a:stretch>
+          </p:blipFill>
+          <p:spPr>
+            <a:xfrm>
+              <a:off x="5239734" y="1687686"/>
+              <a:ext cx="629295" cy="629295"/>
+            </a:xfrm>
+            <a:prstGeom prst="rect">
+              <a:avLst/>
+            </a:prstGeom>
+            <a:noFill/>
+            <a:ln>
+              <a:noFill/>
+            </a:ln>
+          </p:spPr>
+        </p:pic>
+        <p:sp>
+          <p:nvSpPr>
+            <p:cNvPr id="32" name="Rounded Rectangle 31">
+              <a:extLst>
+                <a:ext uri="{FF2B5EF4-FFF2-40B4-BE49-F238E27FC236}">
+                  <a16:creationId xmlns:a16="http://schemas.microsoft.com/office/drawing/2014/main" id="{E6BE4FB6-E70F-057C-7778-42E046DDEF76}"/>
+                </a:ext>
+              </a:extLst>
+            </p:cNvPr>
+            <p:cNvSpPr/>
+            <p:nvPr/>
+          </p:nvSpPr>
+          <p:spPr>
+            <a:xfrm rot="10800000">
+              <a:off x="5015152" y="1235421"/>
+              <a:ext cx="1070934" cy="2850894"/>
+            </a:xfrm>
+            <a:prstGeom prst="roundRect">
+              <a:avLst>
+                <a:gd name="adj" fmla="val 25205"/>
+              </a:avLst>
+            </a:prstGeom>
+            <a:noFill/>
+            <a:ln w="28575">
+              <a:solidFill>
+                <a:schemeClr val="tx1"/>
+              </a:solidFill>
+              <a:prstDash val="sysDot"/>
+            </a:ln>
+          </p:spPr>
+          <p:style>
+            <a:lnRef idx="2">
+              <a:schemeClr val="accent1">
+                <a:shade val="50000"/>
+              </a:schemeClr>
+            </a:lnRef>
+            <a:fillRef idx="1">
+              <a:schemeClr val="accent1"/>
+            </a:fillRef>
+            <a:effectRef idx="0">
+              <a:schemeClr val="accent1"/>
+            </a:effectRef>
+            <a:fontRef idx="minor">
+              <a:schemeClr val="lt1"/>
+            </a:fontRef>
+          </p:style>
+          <p:txBody>
+            <a:bodyPr rtlCol="0" anchor="ctr"/>
+            <a:lstStyle/>
+            <a:p>
+              <a:pPr algn="ctr"/>
+              <a:endParaRPr lang="en-US"/>
+            </a:p>
+          </p:txBody>
+        </p:sp>
+        <p:pic>
+          <p:nvPicPr>
+            <p:cNvPr id="34" name="Picture 33" descr="Icon&#10;&#10;Description automatically generated with medium confidence">
+              <a:extLst>
+                <a:ext uri="{FF2B5EF4-FFF2-40B4-BE49-F238E27FC236}">
+                  <a16:creationId xmlns:a16="http://schemas.microsoft.com/office/drawing/2014/main" id="{E20CF20F-D23E-8A80-B2BF-276D77A2D3D7}"/>
+                </a:ext>
+              </a:extLst>
+            </p:cNvPr>
+            <p:cNvPicPr>
+              <a:picLocks noChangeAspect="1"/>
+            </p:cNvPicPr>
+            <p:nvPr/>
+          </p:nvPicPr>
+          <p:blipFill>
+            <a:blip r:embed="rId11" cstate="print">
+              <a:extLst>
+                <a:ext uri="{28A0092B-C50C-407E-A947-70E740481C1C}">
+                  <a14:useLocalDpi xmlns:a14="http://schemas.microsoft.com/office/drawing/2010/main" val="0"/>
+                </a:ext>
+              </a:extLst>
+            </a:blip>
+            <a:stretch>
+              <a:fillRect/>
+            </a:stretch>
+          </p:blipFill>
+          <p:spPr>
+            <a:xfrm>
+              <a:off x="5598342" y="4437295"/>
+              <a:ext cx="687391" cy="687391"/>
+            </a:xfrm>
+            <a:prstGeom prst="rect">
+              <a:avLst/>
+            </a:prstGeom>
+          </p:spPr>
+        </p:pic>
+        <p:sp>
+          <p:nvSpPr>
+            <p:cNvPr id="36" name="TextBox 35">
+              <a:extLst>
+                <a:ext uri="{FF2B5EF4-FFF2-40B4-BE49-F238E27FC236}">
+                  <a16:creationId xmlns:a16="http://schemas.microsoft.com/office/drawing/2014/main" id="{780F9F25-F311-A997-9803-8F02B6BE953D}"/>
+                </a:ext>
+              </a:extLst>
+            </p:cNvPr>
+            <p:cNvSpPr txBox="1"/>
+            <p:nvPr/>
+          </p:nvSpPr>
+          <p:spPr>
+            <a:xfrm>
+              <a:off x="4760657" y="1212142"/>
+              <a:ext cx="1567954" cy="492443"/>
+            </a:xfrm>
+            <a:prstGeom prst="rect">
+              <a:avLst/>
+            </a:prstGeom>
+            <a:noFill/>
+          </p:spPr>
+          <p:txBody>
+            <a:bodyPr wrap="square" rtlCol="0">
+              <a:spAutoFit/>
+            </a:bodyPr>
+            <a:lstStyle/>
+            <a:p>
+              <a:pPr algn="ctr"/>
+              <a:r>
+                <a:rPr lang="en-US" sz="1300" b="1" dirty="0"/>
+                <a:t>Electricity</a:t>
+              </a:r>
+              <a:br>
+                <a:rPr lang="en-US" sz="1300" b="1" dirty="0"/>
+              </a:br>
+              <a:r>
+                <a:rPr lang="en-US" sz="1300" b="1" dirty="0"/>
+                <a:t>Source</a:t>
+              </a:r>
+            </a:p>
+          </p:txBody>
+        </p:sp>
+        <p:sp>
+          <p:nvSpPr>
+            <p:cNvPr id="37" name="TextBox 36">
+              <a:extLst>
+                <a:ext uri="{FF2B5EF4-FFF2-40B4-BE49-F238E27FC236}">
+                  <a16:creationId xmlns:a16="http://schemas.microsoft.com/office/drawing/2014/main" id="{7EBE008A-4F5B-2EAD-75A2-E98871D44033}"/>
+                </a:ext>
+              </a:extLst>
+            </p:cNvPr>
+            <p:cNvSpPr txBox="1"/>
+            <p:nvPr/>
+          </p:nvSpPr>
+          <p:spPr>
+            <a:xfrm>
+              <a:off x="6751272" y="2513253"/>
+              <a:ext cx="1567954" cy="292388"/>
+            </a:xfrm>
+            <a:prstGeom prst="rect">
+              <a:avLst/>
+            </a:prstGeom>
+            <a:noFill/>
+          </p:spPr>
+          <p:txBody>
+            <a:bodyPr wrap="square" rtlCol="0">
+              <a:spAutoFit/>
+            </a:bodyPr>
+            <a:lstStyle/>
+            <a:p>
+              <a:pPr algn="ctr"/>
+              <a:r>
+                <a:rPr lang="en-US" sz="1300" b="1" dirty="0"/>
+                <a:t>Energy Storage</a:t>
+              </a:r>
+            </a:p>
+          </p:txBody>
+        </p:sp>
+        <p:sp>
+          <p:nvSpPr>
+            <p:cNvPr id="38" name="TextBox 37">
+              <a:extLst>
+                <a:ext uri="{FF2B5EF4-FFF2-40B4-BE49-F238E27FC236}">
+                  <a16:creationId xmlns:a16="http://schemas.microsoft.com/office/drawing/2014/main" id="{85FD9E42-882B-AB32-C26B-7228750EE051}"/>
+                </a:ext>
+              </a:extLst>
+            </p:cNvPr>
+            <p:cNvSpPr txBox="1"/>
+            <p:nvPr/>
+          </p:nvSpPr>
+          <p:spPr>
+            <a:xfrm>
+              <a:off x="6956608" y="4225010"/>
+              <a:ext cx="1567954" cy="292388"/>
+            </a:xfrm>
+            <a:prstGeom prst="rect">
+              <a:avLst/>
+            </a:prstGeom>
+            <a:noFill/>
+          </p:spPr>
+          <p:txBody>
+            <a:bodyPr wrap="square" rtlCol="0">
+              <a:spAutoFit/>
+            </a:bodyPr>
+            <a:lstStyle/>
+            <a:p>
+              <a:pPr algn="ctr"/>
+              <a:r>
+                <a:rPr lang="en-US" sz="1300" b="1" dirty="0"/>
+                <a:t>End Use</a:t>
+              </a:r>
+            </a:p>
+          </p:txBody>
+        </p:sp>
+        <p:sp>
+          <p:nvSpPr>
+            <p:cNvPr id="39" name="TextBox 38">
+              <a:extLst>
+                <a:ext uri="{FF2B5EF4-FFF2-40B4-BE49-F238E27FC236}">
+                  <a16:creationId xmlns:a16="http://schemas.microsoft.com/office/drawing/2014/main" id="{BDB15C6A-E90B-F7C0-BDA7-02E5FBB5DA71}"/>
+                </a:ext>
+              </a:extLst>
+            </p:cNvPr>
+            <p:cNvSpPr txBox="1"/>
+            <p:nvPr/>
+          </p:nvSpPr>
+          <p:spPr>
+            <a:xfrm>
+              <a:off x="6510926" y="1211561"/>
+              <a:ext cx="1567954" cy="292388"/>
+            </a:xfrm>
+            <a:prstGeom prst="rect">
+              <a:avLst/>
+            </a:prstGeom>
+            <a:noFill/>
+          </p:spPr>
+          <p:txBody>
+            <a:bodyPr wrap="square" rtlCol="0">
+              <a:spAutoFit/>
+            </a:bodyPr>
+            <a:lstStyle/>
+            <a:p>
+              <a:pPr algn="r"/>
+              <a:r>
+                <a:rPr lang="en-US" sz="1300" b="1" dirty="0"/>
+                <a:t>Heat Supply</a:t>
+              </a:r>
+            </a:p>
+          </p:txBody>
+        </p:sp>
+        <p:sp>
+          <p:nvSpPr>
+            <p:cNvPr id="40" name="TextBox 39">
+              <a:extLst>
+                <a:ext uri="{FF2B5EF4-FFF2-40B4-BE49-F238E27FC236}">
+                  <a16:creationId xmlns:a16="http://schemas.microsoft.com/office/drawing/2014/main" id="{9186C11A-91D3-2062-E3AD-193AE51E454A}"/>
+                </a:ext>
+              </a:extLst>
+            </p:cNvPr>
+            <p:cNvSpPr txBox="1"/>
+            <p:nvPr/>
+          </p:nvSpPr>
+          <p:spPr>
+            <a:xfrm>
+              <a:off x="6280889" y="2090428"/>
+              <a:ext cx="1070934" cy="261610"/>
+            </a:xfrm>
+            <a:prstGeom prst="rect">
+              <a:avLst/>
+            </a:prstGeom>
+            <a:noFill/>
+          </p:spPr>
+          <p:txBody>
+            <a:bodyPr wrap="square" rtlCol="0">
+              <a:spAutoFit/>
+            </a:bodyPr>
+            <a:lstStyle/>
+            <a:p>
+              <a:pPr algn="ctr"/>
+              <a:r>
+                <a:rPr lang="en-US" sz="1100" i="1" dirty="0">
+                  <a:solidFill>
+                    <a:schemeClr val="tx2">
+                      <a:lumMod val="75000"/>
+                    </a:schemeClr>
+                  </a:solidFill>
+                </a:rPr>
+                <a:t>Electric heater</a:t>
+              </a:r>
+            </a:p>
+          </p:txBody>
+        </p:sp>
+        <p:sp>
+          <p:nvSpPr>
+            <p:cNvPr id="41" name="TextBox 40">
+              <a:extLst>
+                <a:ext uri="{FF2B5EF4-FFF2-40B4-BE49-F238E27FC236}">
+                  <a16:creationId xmlns:a16="http://schemas.microsoft.com/office/drawing/2014/main" id="{F3A28235-8025-E137-DF0A-55FE763FBD94}"/>
+                </a:ext>
+              </a:extLst>
+            </p:cNvPr>
+            <p:cNvSpPr txBox="1"/>
+            <p:nvPr/>
+          </p:nvSpPr>
+          <p:spPr>
+            <a:xfrm>
+              <a:off x="7173795" y="2089447"/>
+              <a:ext cx="1070934" cy="261610"/>
+            </a:xfrm>
+            <a:prstGeom prst="rect">
+              <a:avLst/>
+            </a:prstGeom>
+            <a:noFill/>
+          </p:spPr>
+          <p:txBody>
+            <a:bodyPr wrap="square" rtlCol="0">
+              <a:spAutoFit/>
+            </a:bodyPr>
+            <a:lstStyle/>
+            <a:p>
+              <a:pPr algn="ctr"/>
+              <a:r>
+                <a:rPr lang="en-US" sz="1100" i="1" dirty="0">
+                  <a:solidFill>
+                    <a:schemeClr val="tx2">
+                      <a:lumMod val="75000"/>
+                    </a:schemeClr>
+                  </a:solidFill>
+                </a:rPr>
+                <a:t>Heat pump</a:t>
+              </a:r>
+            </a:p>
+          </p:txBody>
+        </p:sp>
+        <p:sp>
+          <p:nvSpPr>
+            <p:cNvPr id="42" name="TextBox 41">
+              <a:extLst>
+                <a:ext uri="{FF2B5EF4-FFF2-40B4-BE49-F238E27FC236}">
+                  <a16:creationId xmlns:a16="http://schemas.microsoft.com/office/drawing/2014/main" id="{5E6BDFB7-6646-C2ED-B0BD-28C1EB2650D6}"/>
+                </a:ext>
+              </a:extLst>
+            </p:cNvPr>
+            <p:cNvSpPr txBox="1"/>
+            <p:nvPr/>
+          </p:nvSpPr>
+          <p:spPr>
+            <a:xfrm>
+              <a:off x="5214798" y="5113591"/>
+              <a:ext cx="1070934" cy="430887"/>
+            </a:xfrm>
+            <a:prstGeom prst="rect">
+              <a:avLst/>
+            </a:prstGeom>
+            <a:noFill/>
+          </p:spPr>
+          <p:txBody>
+            <a:bodyPr wrap="square" rtlCol="0">
+              <a:spAutoFit/>
+            </a:bodyPr>
+            <a:lstStyle/>
+            <a:p>
+              <a:pPr algn="ctr"/>
+              <a:r>
+                <a:rPr lang="en-US" sz="1100" i="1" dirty="0">
+                  <a:solidFill>
+                    <a:schemeClr val="tx2">
+                      <a:lumMod val="75000"/>
+                    </a:schemeClr>
+                  </a:solidFill>
+                </a:rPr>
+                <a:t>Non-shiftable</a:t>
+              </a:r>
+              <a:br>
+                <a:rPr lang="en-US" sz="1100" i="1" dirty="0">
+                  <a:solidFill>
+                    <a:schemeClr val="tx2">
+                      <a:lumMod val="75000"/>
+                    </a:schemeClr>
+                  </a:solidFill>
+                </a:rPr>
+              </a:br>
+              <a:r>
+                <a:rPr lang="en-US" sz="1100" i="1" dirty="0">
+                  <a:solidFill>
+                    <a:schemeClr val="tx2">
+                      <a:lumMod val="75000"/>
+                    </a:schemeClr>
+                  </a:solidFill>
+                </a:rPr>
+                <a:t>plug loads</a:t>
+              </a:r>
+            </a:p>
+          </p:txBody>
+        </p:sp>
+        <p:sp>
+          <p:nvSpPr>
+            <p:cNvPr id="43" name="TextBox 42">
+              <a:extLst>
+                <a:ext uri="{FF2B5EF4-FFF2-40B4-BE49-F238E27FC236}">
+                  <a16:creationId xmlns:a16="http://schemas.microsoft.com/office/drawing/2014/main" id="{A73B3D3D-2645-8B46-3A46-4E400A32B16E}"/>
+                </a:ext>
+              </a:extLst>
+            </p:cNvPr>
+            <p:cNvSpPr txBox="1"/>
+            <p:nvPr/>
+          </p:nvSpPr>
+          <p:spPr>
+            <a:xfrm>
+              <a:off x="6273114" y="5113591"/>
+              <a:ext cx="1070934" cy="430887"/>
+            </a:xfrm>
+            <a:prstGeom prst="rect">
+              <a:avLst/>
+            </a:prstGeom>
+            <a:noFill/>
+          </p:spPr>
+          <p:txBody>
+            <a:bodyPr wrap="square" rtlCol="0">
+              <a:spAutoFit/>
+            </a:bodyPr>
+            <a:lstStyle/>
+            <a:p>
+              <a:pPr algn="ctr"/>
+              <a:r>
+                <a:rPr lang="en-US" sz="1100" i="1" dirty="0">
+                  <a:solidFill>
+                    <a:schemeClr val="tx2">
+                      <a:lumMod val="75000"/>
+                    </a:schemeClr>
+                  </a:solidFill>
+                </a:rPr>
+                <a:t>Domestic hot water heating</a:t>
+              </a:r>
+            </a:p>
+          </p:txBody>
+        </p:sp>
+        <p:sp>
+          <p:nvSpPr>
+            <p:cNvPr id="44" name="TextBox 43">
+              <a:extLst>
+                <a:ext uri="{FF2B5EF4-FFF2-40B4-BE49-F238E27FC236}">
+                  <a16:creationId xmlns:a16="http://schemas.microsoft.com/office/drawing/2014/main" id="{5DC27816-FB1B-F6B0-E616-CEE61399F307}"/>
+                </a:ext>
+              </a:extLst>
+            </p:cNvPr>
+            <p:cNvSpPr txBox="1"/>
+            <p:nvPr/>
+          </p:nvSpPr>
+          <p:spPr>
+            <a:xfrm>
+              <a:off x="7205118" y="5102029"/>
+              <a:ext cx="1070934" cy="430887"/>
+            </a:xfrm>
+            <a:prstGeom prst="rect">
+              <a:avLst/>
+            </a:prstGeom>
+            <a:noFill/>
+          </p:spPr>
+          <p:txBody>
+            <a:bodyPr wrap="square" rtlCol="0">
+              <a:spAutoFit/>
+            </a:bodyPr>
+            <a:lstStyle/>
+            <a:p>
+              <a:pPr algn="ctr"/>
+              <a:r>
+                <a:rPr lang="en-US" sz="1100" i="1" dirty="0">
+                  <a:solidFill>
+                    <a:schemeClr val="tx2">
+                      <a:lumMod val="75000"/>
+                    </a:schemeClr>
+                  </a:solidFill>
+                </a:rPr>
+                <a:t>Space cooling &amp; heating</a:t>
+              </a:r>
+            </a:p>
+          </p:txBody>
+        </p:sp>
+        <p:sp>
+          <p:nvSpPr>
+            <p:cNvPr id="50" name="TextBox 49">
+              <a:extLst>
+                <a:ext uri="{FF2B5EF4-FFF2-40B4-BE49-F238E27FC236}">
+                  <a16:creationId xmlns:a16="http://schemas.microsoft.com/office/drawing/2014/main" id="{D55A4E41-6ADD-31B2-AC83-43A2AB4D32BE}"/>
+                </a:ext>
+              </a:extLst>
+            </p:cNvPr>
+            <p:cNvSpPr txBox="1"/>
+            <p:nvPr/>
+          </p:nvSpPr>
+          <p:spPr>
+            <a:xfrm>
+              <a:off x="6145595" y="3486151"/>
+              <a:ext cx="1296144" cy="430887"/>
+            </a:xfrm>
+            <a:prstGeom prst="rect">
+              <a:avLst/>
+            </a:prstGeom>
+            <a:noFill/>
+          </p:spPr>
+          <p:txBody>
+            <a:bodyPr wrap="square" rtlCol="0">
+              <a:spAutoFit/>
+            </a:bodyPr>
+            <a:lstStyle/>
+            <a:p>
+              <a:pPr algn="ctr"/>
+              <a:r>
+                <a:rPr lang="en-US" sz="1100" i="1" dirty="0">
+                  <a:solidFill>
+                    <a:schemeClr val="tx2">
+                      <a:lumMod val="75000"/>
+                    </a:schemeClr>
+                  </a:solidFill>
+                </a:rPr>
+                <a:t>Domestic hot water  heating storage</a:t>
+              </a:r>
+            </a:p>
+          </p:txBody>
+        </p:sp>
+        <p:sp>
+          <p:nvSpPr>
+            <p:cNvPr id="51" name="TextBox 50">
+              <a:extLst>
+                <a:ext uri="{FF2B5EF4-FFF2-40B4-BE49-F238E27FC236}">
+                  <a16:creationId xmlns:a16="http://schemas.microsoft.com/office/drawing/2014/main" id="{AB795FE6-CF12-1843-1109-81264DE2A8DF}"/>
+                </a:ext>
+              </a:extLst>
+            </p:cNvPr>
+            <p:cNvSpPr txBox="1"/>
+            <p:nvPr/>
+          </p:nvSpPr>
+          <p:spPr>
+            <a:xfrm>
+              <a:off x="5137484" y="3483583"/>
+              <a:ext cx="847929" cy="261610"/>
+            </a:xfrm>
+            <a:prstGeom prst="rect">
+              <a:avLst/>
+            </a:prstGeom>
+            <a:noFill/>
+          </p:spPr>
+          <p:txBody>
+            <a:bodyPr wrap="square" rtlCol="0">
+              <a:spAutoFit/>
+            </a:bodyPr>
+            <a:lstStyle/>
+            <a:p>
+              <a:pPr algn="ctr"/>
+              <a:r>
+                <a:rPr lang="en-US" sz="1100" i="1" dirty="0">
+                  <a:solidFill>
+                    <a:schemeClr val="tx2">
+                      <a:lumMod val="75000"/>
+                    </a:schemeClr>
+                  </a:solidFill>
+                </a:rPr>
+                <a:t>Battery</a:t>
+              </a:r>
+            </a:p>
+          </p:txBody>
+        </p:sp>
+        <p:sp>
+          <p:nvSpPr>
+            <p:cNvPr id="53" name="TextBox 52">
+              <a:extLst>
+                <a:ext uri="{FF2B5EF4-FFF2-40B4-BE49-F238E27FC236}">
+                  <a16:creationId xmlns:a16="http://schemas.microsoft.com/office/drawing/2014/main" id="{E2398EE6-0C76-5FB1-12E0-0EDBEEAF31CB}"/>
+                </a:ext>
+              </a:extLst>
+            </p:cNvPr>
+            <p:cNvSpPr txBox="1"/>
+            <p:nvPr/>
+          </p:nvSpPr>
+          <p:spPr>
+            <a:xfrm>
+              <a:off x="5130416" y="2293822"/>
+              <a:ext cx="847929" cy="261610"/>
+            </a:xfrm>
+            <a:prstGeom prst="rect">
+              <a:avLst/>
+            </a:prstGeom>
+            <a:noFill/>
+          </p:spPr>
+          <p:txBody>
+            <a:bodyPr wrap="square" rtlCol="0">
+              <a:spAutoFit/>
+            </a:bodyPr>
+            <a:lstStyle/>
+            <a:p>
+              <a:pPr algn="ctr"/>
+              <a:r>
+                <a:rPr lang="en-US" sz="1100" i="1" dirty="0">
+                  <a:solidFill>
+                    <a:schemeClr val="tx2">
+                      <a:lumMod val="75000"/>
+                    </a:schemeClr>
+                  </a:solidFill>
+                </a:rPr>
+                <a:t>Solar PV</a:t>
+              </a:r>
+            </a:p>
+          </p:txBody>
+        </p:sp>
+        <p:sp>
+          <p:nvSpPr>
+            <p:cNvPr id="55" name="TextBox 54">
+              <a:extLst>
+                <a:ext uri="{FF2B5EF4-FFF2-40B4-BE49-F238E27FC236}">
+                  <a16:creationId xmlns:a16="http://schemas.microsoft.com/office/drawing/2014/main" id="{A5B583F8-18C7-0C20-B322-D473CB696D93}"/>
+                </a:ext>
+              </a:extLst>
+            </p:cNvPr>
+            <p:cNvSpPr txBox="1"/>
+            <p:nvPr/>
+          </p:nvSpPr>
+          <p:spPr>
+            <a:xfrm>
+              <a:off x="7009691" y="861975"/>
+              <a:ext cx="1567954" cy="338554"/>
+            </a:xfrm>
+            <a:prstGeom prst="rect">
+              <a:avLst/>
+            </a:prstGeom>
+            <a:noFill/>
+          </p:spPr>
+          <p:txBody>
+            <a:bodyPr wrap="square" rtlCol="0">
+              <a:spAutoFit/>
+            </a:bodyPr>
+            <a:lstStyle/>
+            <a:p>
+              <a:pPr algn="ctr"/>
+              <a:r>
+                <a:rPr lang="en-US" sz="1600" b="1" dirty="0"/>
+                <a:t>Building 1</a:t>
+              </a:r>
+            </a:p>
+          </p:txBody>
+        </p:sp>
+        <p:pic>
+          <p:nvPicPr>
+            <p:cNvPr id="56" name="Picture 55" descr="A picture containing rectangle&#10;&#10;Description automatically generated">
+              <a:extLst>
+                <a:ext uri="{FF2B5EF4-FFF2-40B4-BE49-F238E27FC236}">
+                  <a16:creationId xmlns:a16="http://schemas.microsoft.com/office/drawing/2014/main" id="{5BB32CB6-59B2-E6B7-9746-2E3D7E8E9EC8}"/>
+                </a:ext>
+              </a:extLst>
+            </p:cNvPr>
+            <p:cNvPicPr>
+              <a:picLocks noChangeAspect="1"/>
+            </p:cNvPicPr>
+            <p:nvPr/>
+          </p:nvPicPr>
+          <p:blipFill>
+            <a:blip r:embed="rId12" cstate="print">
+              <a:extLst>
+                <a:ext uri="{28A0092B-C50C-407E-A947-70E740481C1C}">
+                  <a14:useLocalDpi xmlns:a14="http://schemas.microsoft.com/office/drawing/2010/main" val="0"/>
+                </a:ext>
+              </a:extLst>
+            </a:blip>
+            <a:stretch>
+              <a:fillRect/>
+            </a:stretch>
+          </p:blipFill>
+          <p:spPr>
+            <a:xfrm>
+              <a:off x="7430201" y="2811688"/>
+              <a:ext cx="686493" cy="686493"/>
+            </a:xfrm>
+            <a:prstGeom prst="rect">
+              <a:avLst/>
+            </a:prstGeom>
+          </p:spPr>
+        </p:pic>
+        <p:sp>
+          <p:nvSpPr>
+            <p:cNvPr id="60" name="TextBox 59">
+              <a:extLst>
+                <a:ext uri="{FF2B5EF4-FFF2-40B4-BE49-F238E27FC236}">
+                  <a16:creationId xmlns:a16="http://schemas.microsoft.com/office/drawing/2014/main" id="{493C84D3-C777-AC9F-4715-A69022A56A5F}"/>
+                </a:ext>
+              </a:extLst>
+            </p:cNvPr>
+            <p:cNvSpPr txBox="1"/>
+            <p:nvPr/>
+          </p:nvSpPr>
+          <p:spPr>
+            <a:xfrm>
+              <a:off x="7337779" y="3484360"/>
+              <a:ext cx="847929" cy="430887"/>
+            </a:xfrm>
+            <a:prstGeom prst="rect">
+              <a:avLst/>
+            </a:prstGeom>
+            <a:noFill/>
+          </p:spPr>
+          <p:txBody>
+            <a:bodyPr wrap="square" rtlCol="0">
+              <a:spAutoFit/>
+            </a:bodyPr>
+            <a:lstStyle/>
+            <a:p>
+              <a:pPr algn="ctr"/>
+              <a:r>
+                <a:rPr lang="en-US" sz="1100" i="1" dirty="0">
+                  <a:solidFill>
+                    <a:schemeClr val="tx2">
+                      <a:lumMod val="75000"/>
+                    </a:schemeClr>
+                  </a:solidFill>
+                </a:rPr>
+                <a:t>Cooling </a:t>
+              </a:r>
+              <a:br>
+                <a:rPr lang="en-US" sz="1100" i="1" dirty="0">
+                  <a:solidFill>
+                    <a:schemeClr val="tx2">
+                      <a:lumMod val="75000"/>
+                    </a:schemeClr>
+                  </a:solidFill>
+                </a:rPr>
+              </a:br>
+              <a:r>
+                <a:rPr lang="en-US" sz="1100" i="1" dirty="0">
+                  <a:solidFill>
+                    <a:schemeClr val="tx2">
+                      <a:lumMod val="75000"/>
+                    </a:schemeClr>
+                  </a:solidFill>
+                </a:rPr>
+                <a:t>storage</a:t>
+              </a:r>
+            </a:p>
+          </p:txBody>
+        </p:sp>
+      </p:grpSp>
+      <p:pic>
+        <p:nvPicPr>
+          <p:cNvPr id="54" name="Picture 53" descr="Shape&#10;&#10;Description automatically generated">
+            <a:extLst>
+              <a:ext uri="{FF2B5EF4-FFF2-40B4-BE49-F238E27FC236}">
+                <a16:creationId xmlns:a16="http://schemas.microsoft.com/office/drawing/2014/main" id="{64B91B02-6553-EA47-8B62-D314BAF551C4}"/>
+              </a:ext>
+            </a:extLst>
+          </p:cNvPr>
+          <p:cNvPicPr>
+            <a:picLocks noChangeAspect="1"/>
+          </p:cNvPicPr>
+          <p:nvPr/>
+        </p:nvPicPr>
+        <p:blipFill>
+          <a:blip r:embed="rId13" cstate="print">
+            <a:biLevel thresh="75000"/>
+            <a:extLst>
+              <a:ext uri="{28A0092B-C50C-407E-A947-70E740481C1C}">
+                <a14:useLocalDpi xmlns:a14="http://schemas.microsoft.com/office/drawing/2010/main" val="0"/>
+              </a:ext>
+            </a:extLst>
+          </a:blip>
+          <a:stretch>
+            <a:fillRect/>
+          </a:stretch>
+        </p:blipFill>
+        <p:spPr>
+          <a:xfrm>
+            <a:off x="1976433" y="1162556"/>
+            <a:ext cx="658611" cy="658611"/>
+          </a:xfrm>
+          <a:prstGeom prst="rect">
+            <a:avLst/>
+          </a:prstGeom>
+          <a:noFill/>
+          <a:ln>
+            <a:noFill/>
+          </a:ln>
+        </p:spPr>
+      </p:pic>
+      <p:sp>
+        <p:nvSpPr>
+          <p:cNvPr id="19" name="TextBox 18">
+            <a:extLst>
+              <a:ext uri="{FF2B5EF4-FFF2-40B4-BE49-F238E27FC236}">
+                <a16:creationId xmlns:a16="http://schemas.microsoft.com/office/drawing/2014/main" id="{E19866B2-A014-797A-4A67-91F2F1EA08B7}"/>
+              </a:ext>
+            </a:extLst>
+          </p:cNvPr>
+          <p:cNvSpPr txBox="1"/>
+          <p:nvPr/>
+        </p:nvSpPr>
+        <p:spPr>
+          <a:xfrm>
+            <a:off x="1867714" y="1825359"/>
+            <a:ext cx="847929" cy="292388"/>
+          </a:xfrm>
+          <a:prstGeom prst="rect">
+            <a:avLst/>
+          </a:prstGeom>
+          <a:noFill/>
+        </p:spPr>
+        <p:txBody>
+          <a:bodyPr wrap="square" rtlCol="0">
+            <a:spAutoFit/>
+          </a:bodyPr>
+          <a:lstStyle/>
+          <a:p>
+            <a:pPr algn="ctr"/>
+            <a:r>
+              <a:rPr lang="en-US" sz="1300" b="1" dirty="0"/>
+              <a:t>Grid</a:t>
+            </a:r>
+          </a:p>
+        </p:txBody>
+      </p:sp>
+      <p:cxnSp>
+        <p:nvCxnSpPr>
+          <p:cNvPr id="25" name="Straight Arrow Connector 23">
+            <a:extLst>
+              <a:ext uri="{FF2B5EF4-FFF2-40B4-BE49-F238E27FC236}">
+                <a16:creationId xmlns:a16="http://schemas.microsoft.com/office/drawing/2014/main" id="{9A26DD74-AA79-B747-086F-DC133F03CD0C}"/>
+              </a:ext>
+            </a:extLst>
+          </p:cNvPr>
+          <p:cNvCxnSpPr>
+            <a:cxnSpLocks/>
+            <a:stCxn id="8" idx="2"/>
+            <a:endCxn id="54" idx="0"/>
+          </p:cNvCxnSpPr>
+          <p:nvPr/>
+        </p:nvCxnSpPr>
+        <p:spPr>
+          <a:xfrm rot="16200000" flipH="1" flipV="1">
+            <a:off x="3177682" y="-126703"/>
+            <a:ext cx="417316" cy="2161201"/>
+          </a:xfrm>
+          <a:prstGeom prst="bentConnector3">
+            <a:avLst>
+              <a:gd name="adj1" fmla="val -54779"/>
+            </a:avLst>
+          </a:prstGeom>
+          <a:ln w="28575">
+            <a:headEnd type="triangle" w="med" len="med"/>
+            <a:tailEnd type="none" w="med" len="med"/>
+          </a:ln>
+        </p:spPr>
+        <p:style>
+          <a:lnRef idx="1">
+            <a:schemeClr val="dk1"/>
+          </a:lnRef>
+          <a:fillRef idx="0">
+            <a:schemeClr val="dk1"/>
+          </a:fillRef>
+          <a:effectRef idx="0">
+            <a:schemeClr val="dk1"/>
+          </a:effectRef>
+          <a:fontRef idx="minor">
+            <a:schemeClr val="tx1"/>
+          </a:fontRef>
+        </p:style>
+      </p:cxnSp>
+      <p:grpSp>
+        <p:nvGrpSpPr>
+          <p:cNvPr id="84" name="Group 83">
+            <a:extLst>
+              <a:ext uri="{FF2B5EF4-FFF2-40B4-BE49-F238E27FC236}">
+                <a16:creationId xmlns:a16="http://schemas.microsoft.com/office/drawing/2014/main" id="{E3F53FA1-27A9-C673-5A02-DE19CA21FD37}"/>
+              </a:ext>
+            </a:extLst>
+          </p:cNvPr>
+          <p:cNvGrpSpPr/>
+          <p:nvPr/>
+        </p:nvGrpSpPr>
+        <p:grpSpPr>
+          <a:xfrm>
+            <a:off x="2947270" y="1032223"/>
+            <a:ext cx="3816988" cy="4868698"/>
+            <a:chOff x="4760657" y="861974"/>
+            <a:chExt cx="3816988" cy="4868698"/>
+          </a:xfrm>
+        </p:grpSpPr>
+        <p:sp>
+          <p:nvSpPr>
+            <p:cNvPr id="33" name="Rounded Rectangle 32">
+              <a:extLst>
+                <a:ext uri="{FF2B5EF4-FFF2-40B4-BE49-F238E27FC236}">
+                  <a16:creationId xmlns:a16="http://schemas.microsoft.com/office/drawing/2014/main" id="{BF90E792-2863-07B2-63EF-82251253A890}"/>
+                </a:ext>
+              </a:extLst>
+            </p:cNvPr>
+            <p:cNvSpPr/>
+            <p:nvPr/>
+          </p:nvSpPr>
+          <p:spPr>
+            <a:xfrm rot="10800000">
+              <a:off x="4856653" y="861974"/>
+              <a:ext cx="3513180" cy="4868698"/>
+            </a:xfrm>
+            <a:prstGeom prst="roundRect">
+              <a:avLst>
+                <a:gd name="adj" fmla="val 6867"/>
+              </a:avLst>
+            </a:prstGeom>
+            <a:solidFill>
+              <a:schemeClr val="bg1">
+                <a:lumMod val="85000"/>
+              </a:schemeClr>
+            </a:solidFill>
+            <a:ln w="28575">
+              <a:solidFill>
+                <a:schemeClr val="tx1"/>
+              </a:solidFill>
+              <a:prstDash val="solid"/>
+            </a:ln>
+          </p:spPr>
+          <p:style>
+            <a:lnRef idx="2">
+              <a:schemeClr val="accent1">
+                <a:shade val="50000"/>
+              </a:schemeClr>
+            </a:lnRef>
+            <a:fillRef idx="1">
+              <a:schemeClr val="accent1"/>
+            </a:fillRef>
+            <a:effectRef idx="0">
+              <a:schemeClr val="accent1"/>
+            </a:effectRef>
+            <a:fontRef idx="minor">
+              <a:schemeClr val="lt1"/>
+            </a:fontRef>
+          </p:style>
+          <p:txBody>
+            <a:bodyPr rtlCol="0" anchor="ctr"/>
+            <a:lstStyle/>
+            <a:p>
+              <a:pPr algn="ctr"/>
+              <a:endParaRPr lang="en-US"/>
+            </a:p>
+          </p:txBody>
+        </p:sp>
+        <p:sp>
+          <p:nvSpPr>
+            <p:cNvPr id="46" name="Rounded Rectangle 45">
+              <a:extLst>
+                <a:ext uri="{FF2B5EF4-FFF2-40B4-BE49-F238E27FC236}">
+                  <a16:creationId xmlns:a16="http://schemas.microsoft.com/office/drawing/2014/main" id="{C9EED1EA-8327-3445-B343-F3C11E9B5A8D}"/>
+                </a:ext>
+              </a:extLst>
+            </p:cNvPr>
+            <p:cNvSpPr/>
+            <p:nvPr/>
+          </p:nvSpPr>
+          <p:spPr>
+            <a:xfrm>
+              <a:off x="6237691" y="1235421"/>
+              <a:ext cx="1977630" cy="1092759"/>
+            </a:xfrm>
+            <a:prstGeom prst="roundRect">
+              <a:avLst/>
+            </a:prstGeom>
+            <a:solidFill>
+              <a:schemeClr val="accent4">
+                <a:lumMod val="60000"/>
+                <a:lumOff val="40000"/>
+              </a:schemeClr>
+            </a:solidFill>
+            <a:ln w="28575">
+              <a:noFill/>
+              <a:prstDash val="sysDot"/>
+            </a:ln>
+          </p:spPr>
+          <p:style>
+            <a:lnRef idx="2">
+              <a:schemeClr val="accent1">
+                <a:shade val="50000"/>
+              </a:schemeClr>
+            </a:lnRef>
+            <a:fillRef idx="1">
+              <a:schemeClr val="accent1"/>
+            </a:fillRef>
+            <a:effectRef idx="0">
+              <a:schemeClr val="accent1"/>
+            </a:effectRef>
+            <a:fontRef idx="minor">
+              <a:schemeClr val="lt1"/>
+            </a:fontRef>
+          </p:style>
+          <p:txBody>
+            <a:bodyPr rtlCol="0" anchor="ctr"/>
+            <a:lstStyle/>
+            <a:p>
+              <a:pPr algn="ctr"/>
+              <a:endParaRPr lang="en-US"/>
+            </a:p>
+          </p:txBody>
+        </p:sp>
+        <p:sp>
+          <p:nvSpPr>
+            <p:cNvPr id="65" name="Rounded Rectangle 64">
+              <a:extLst>
+                <a:ext uri="{FF2B5EF4-FFF2-40B4-BE49-F238E27FC236}">
+                  <a16:creationId xmlns:a16="http://schemas.microsoft.com/office/drawing/2014/main" id="{C4243F02-FCEB-F244-AA07-BA49983506E2}"/>
+                </a:ext>
+              </a:extLst>
+            </p:cNvPr>
+            <p:cNvSpPr/>
+            <p:nvPr/>
+          </p:nvSpPr>
+          <p:spPr>
+            <a:xfrm rot="5400000">
+              <a:off x="5835761" y="1694929"/>
+              <a:ext cx="1561584" cy="3197534"/>
+            </a:xfrm>
+            <a:prstGeom prst="roundRect">
+              <a:avLst/>
+            </a:prstGeom>
+            <a:solidFill>
+              <a:schemeClr val="accent3">
+                <a:lumMod val="60000"/>
+                <a:lumOff val="40000"/>
+              </a:schemeClr>
+            </a:solidFill>
+            <a:ln w="28575">
+              <a:noFill/>
+              <a:prstDash val="sysDot"/>
+            </a:ln>
+          </p:spPr>
+          <p:style>
+            <a:lnRef idx="2">
+              <a:schemeClr val="accent1">
+                <a:shade val="50000"/>
+              </a:schemeClr>
+            </a:lnRef>
+            <a:fillRef idx="1">
+              <a:schemeClr val="accent1"/>
+            </a:fillRef>
+            <a:effectRef idx="0">
+              <a:schemeClr val="accent1"/>
+            </a:effectRef>
+            <a:fontRef idx="minor">
+              <a:schemeClr val="lt1"/>
+            </a:fontRef>
+          </p:style>
+          <p:txBody>
+            <a:bodyPr rtlCol="0" anchor="ctr"/>
+            <a:lstStyle/>
+            <a:p>
+              <a:pPr algn="ctr"/>
+              <a:endParaRPr lang="en-US"/>
+            </a:p>
+          </p:txBody>
+        </p:sp>
+        <p:sp>
+          <p:nvSpPr>
+            <p:cNvPr id="48" name="Rounded Rectangle 47">
+              <a:extLst>
+                <a:ext uri="{FF2B5EF4-FFF2-40B4-BE49-F238E27FC236}">
+                  <a16:creationId xmlns:a16="http://schemas.microsoft.com/office/drawing/2014/main" id="{87FFD480-31EC-1142-91A8-CD99B8F29361}"/>
+                </a:ext>
+              </a:extLst>
+            </p:cNvPr>
+            <p:cNvSpPr/>
+            <p:nvPr/>
+          </p:nvSpPr>
+          <p:spPr>
+            <a:xfrm>
+              <a:off x="5017785" y="4247059"/>
+              <a:ext cx="3206259" cy="1297418"/>
+            </a:xfrm>
+            <a:prstGeom prst="roundRect">
+              <a:avLst/>
+            </a:prstGeom>
+            <a:solidFill>
+              <a:schemeClr val="bg1">
+                <a:lumMod val="65000"/>
+              </a:schemeClr>
+            </a:solidFill>
+            <a:ln w="28575">
+              <a:noFill/>
+              <a:prstDash val="sysDot"/>
+            </a:ln>
+          </p:spPr>
+          <p:style>
+            <a:lnRef idx="2">
+              <a:schemeClr val="accent1">
+                <a:shade val="50000"/>
+              </a:schemeClr>
+            </a:lnRef>
+            <a:fillRef idx="1">
+              <a:schemeClr val="accent1"/>
+            </a:fillRef>
+            <a:effectRef idx="0">
+              <a:schemeClr val="accent1"/>
+            </a:effectRef>
+            <a:fontRef idx="minor">
+              <a:schemeClr val="lt1"/>
+            </a:fontRef>
+          </p:style>
+          <p:txBody>
+            <a:bodyPr rtlCol="0" anchor="ctr"/>
+            <a:lstStyle/>
+            <a:p>
+              <a:pPr algn="ctr"/>
+              <a:endParaRPr lang="en-US"/>
+            </a:p>
+          </p:txBody>
+        </p:sp>
+        <p:pic>
+          <p:nvPicPr>
+            <p:cNvPr id="18" name="Picture 17" descr="Icon&#10;&#10;Description automatically generated">
+              <a:extLst>
+                <a:ext uri="{FF2B5EF4-FFF2-40B4-BE49-F238E27FC236}">
+                  <a16:creationId xmlns:a16="http://schemas.microsoft.com/office/drawing/2014/main" id="{DFC32E76-8391-9444-BDE1-21A6B5A24D86}"/>
+                </a:ext>
+              </a:extLst>
+            </p:cNvPr>
+            <p:cNvPicPr>
+              <a:picLocks noChangeAspect="1"/>
+            </p:cNvPicPr>
+            <p:nvPr/>
+          </p:nvPicPr>
+          <p:blipFill>
+            <a:blip r:embed="rId3" cstate="print">
+              <a:extLst>
+                <a:ext uri="{28A0092B-C50C-407E-A947-70E740481C1C}">
+                  <a14:useLocalDpi xmlns:a14="http://schemas.microsoft.com/office/drawing/2010/main" val="0"/>
+                </a:ext>
+              </a:extLst>
+            </a:blip>
+            <a:stretch>
+              <a:fillRect/>
+            </a:stretch>
+          </p:blipFill>
+          <p:spPr>
+            <a:xfrm>
+              <a:off x="7377510" y="4489181"/>
+              <a:ext cx="626445" cy="626445"/>
+            </a:xfrm>
+            <a:prstGeom prst="rect">
+              <a:avLst/>
+            </a:prstGeom>
+          </p:spPr>
+        </p:pic>
+        <p:pic>
+          <p:nvPicPr>
+            <p:cNvPr id="22" name="Picture 21" descr="Icon&#10;&#10;Description automatically generated">
+              <a:extLst>
+                <a:ext uri="{FF2B5EF4-FFF2-40B4-BE49-F238E27FC236}">
+                  <a16:creationId xmlns:a16="http://schemas.microsoft.com/office/drawing/2014/main" id="{90008645-C065-5147-AD8F-98C8059E55A7}"/>
+                </a:ext>
+              </a:extLst>
+            </p:cNvPr>
+            <p:cNvPicPr>
+              <a:picLocks noChangeAspect="1"/>
+            </p:cNvPicPr>
+            <p:nvPr/>
+          </p:nvPicPr>
+          <p:blipFill>
+            <a:blip r:embed="rId4" cstate="print">
+              <a:extLst>
+                <a:ext uri="{28A0092B-C50C-407E-A947-70E740481C1C}">
+                  <a14:useLocalDpi xmlns:a14="http://schemas.microsoft.com/office/drawing/2010/main" val="0"/>
+                </a:ext>
+              </a:extLst>
+            </a:blip>
+            <a:stretch>
+              <a:fillRect/>
+            </a:stretch>
+          </p:blipFill>
+          <p:spPr>
+            <a:xfrm rot="10800000">
+              <a:off x="5094287" y="4459902"/>
+              <a:ext cx="625465" cy="625465"/>
+            </a:xfrm>
+            <a:prstGeom prst="rect">
+              <a:avLst/>
+            </a:prstGeom>
+          </p:spPr>
+        </p:pic>
+        <p:pic>
+          <p:nvPicPr>
+            <p:cNvPr id="26" name="Picture 25" descr="A picture containing icon&#10;&#10;Description automatically generated">
+              <a:extLst>
+                <a:ext uri="{FF2B5EF4-FFF2-40B4-BE49-F238E27FC236}">
+                  <a16:creationId xmlns:a16="http://schemas.microsoft.com/office/drawing/2014/main" id="{361A1388-9314-AC48-BA59-69DB2D518C03}"/>
+                </a:ext>
+              </a:extLst>
+            </p:cNvPr>
+            <p:cNvPicPr>
+              <a:picLocks noChangeAspect="1"/>
+            </p:cNvPicPr>
+            <p:nvPr/>
+          </p:nvPicPr>
+          <p:blipFill>
+            <a:blip r:embed="rId5" cstate="print">
+              <a:extLst>
+                <a:ext uri="{28A0092B-C50C-407E-A947-70E740481C1C}">
+                  <a14:useLocalDpi xmlns:a14="http://schemas.microsoft.com/office/drawing/2010/main" val="0"/>
+                </a:ext>
+              </a:extLst>
+            </a:blip>
+            <a:stretch>
+              <a:fillRect/>
+            </a:stretch>
+          </p:blipFill>
+          <p:spPr>
+            <a:xfrm>
+              <a:off x="7294903" y="1439332"/>
+              <a:ext cx="814996" cy="768691"/>
+            </a:xfrm>
+            <a:prstGeom prst="rect">
+              <a:avLst/>
+            </a:prstGeom>
+          </p:spPr>
+        </p:pic>
+        <p:pic>
+          <p:nvPicPr>
+            <p:cNvPr id="30" name="Picture 29" descr="A picture containing icon&#10;&#10;Description automatically generated">
+              <a:extLst>
+                <a:ext uri="{FF2B5EF4-FFF2-40B4-BE49-F238E27FC236}">
+                  <a16:creationId xmlns:a16="http://schemas.microsoft.com/office/drawing/2014/main" id="{9D358902-D725-B145-BF33-3E2539609C4C}"/>
+                </a:ext>
+              </a:extLst>
+            </p:cNvPr>
+            <p:cNvPicPr>
+              <a:picLocks noChangeAspect="1"/>
+            </p:cNvPicPr>
+            <p:nvPr/>
+          </p:nvPicPr>
+          <p:blipFill>
+            <a:blip r:embed="rId6" cstate="print">
+              <a:duotone>
+                <a:schemeClr val="accent2">
+                  <a:shade val="45000"/>
+                  <a:satMod val="135000"/>
+                </a:schemeClr>
+                <a:prstClr val="white"/>
+              </a:duotone>
+              <a:extLst>
+                <a:ext uri="{28A0092B-C50C-407E-A947-70E740481C1C}">
+                  <a14:useLocalDpi xmlns:a14="http://schemas.microsoft.com/office/drawing/2010/main" val="0"/>
+                </a:ext>
+              </a:extLst>
+            </a:blip>
+            <a:stretch>
+              <a:fillRect/>
+            </a:stretch>
+          </p:blipFill>
+          <p:spPr>
+            <a:xfrm>
+              <a:off x="6527693" y="2832992"/>
+              <a:ext cx="692289" cy="692289"/>
+            </a:xfrm>
+            <a:prstGeom prst="rect">
+              <a:avLst/>
+            </a:prstGeom>
+          </p:spPr>
+        </p:pic>
+        <p:pic>
+          <p:nvPicPr>
+            <p:cNvPr id="45" name="Picture 44" descr="Icon&#10;&#10;Description automatically generated">
+              <a:extLst>
+                <a:ext uri="{FF2B5EF4-FFF2-40B4-BE49-F238E27FC236}">
+                  <a16:creationId xmlns:a16="http://schemas.microsoft.com/office/drawing/2014/main" id="{C9267087-CC13-8649-9F8D-1077529CF4C5}"/>
+                </a:ext>
+              </a:extLst>
+            </p:cNvPr>
+            <p:cNvPicPr>
+              <a:picLocks noChangeAspect="1"/>
+            </p:cNvPicPr>
+            <p:nvPr/>
+          </p:nvPicPr>
+          <p:blipFill>
+            <a:blip r:embed="rId7" cstate="print">
+              <a:extLst>
+                <a:ext uri="{28A0092B-C50C-407E-A947-70E740481C1C}">
+                  <a14:useLocalDpi xmlns:a14="http://schemas.microsoft.com/office/drawing/2010/main" val="0"/>
+                </a:ext>
+              </a:extLst>
+            </a:blip>
+            <a:stretch>
+              <a:fillRect/>
+            </a:stretch>
+          </p:blipFill>
+          <p:spPr>
+            <a:xfrm>
+              <a:off x="6453715" y="1439331"/>
+              <a:ext cx="720080" cy="720080"/>
+            </a:xfrm>
+            <a:prstGeom prst="rect">
+              <a:avLst/>
+            </a:prstGeom>
+          </p:spPr>
+        </p:pic>
+        <p:pic>
+          <p:nvPicPr>
+            <p:cNvPr id="47" name="Picture 46" descr="Icon&#10;&#10;Description automatically generated">
+              <a:extLst>
+                <a:ext uri="{FF2B5EF4-FFF2-40B4-BE49-F238E27FC236}">
+                  <a16:creationId xmlns:a16="http://schemas.microsoft.com/office/drawing/2014/main" id="{4F67AC45-B17E-A14F-9B10-F6C8D14E30DE}"/>
+                </a:ext>
+              </a:extLst>
+            </p:cNvPr>
+            <p:cNvPicPr>
+              <a:picLocks noChangeAspect="1"/>
+            </p:cNvPicPr>
+            <p:nvPr/>
+          </p:nvPicPr>
+          <p:blipFill>
+            <a:blip r:embed="rId8" cstate="print">
+              <a:extLst>
+                <a:ext uri="{28A0092B-C50C-407E-A947-70E740481C1C}">
+                  <a14:useLocalDpi xmlns:a14="http://schemas.microsoft.com/office/drawing/2010/main" val="0"/>
+                </a:ext>
+              </a:extLst>
+            </a:blip>
+            <a:stretch>
+              <a:fillRect/>
+            </a:stretch>
+          </p:blipFill>
+          <p:spPr>
+            <a:xfrm>
+              <a:off x="6606454" y="4414331"/>
+              <a:ext cx="626445" cy="687391"/>
+            </a:xfrm>
+            <a:prstGeom prst="rect">
+              <a:avLst/>
+            </a:prstGeom>
+          </p:spPr>
+        </p:pic>
+        <p:pic>
+          <p:nvPicPr>
+            <p:cNvPr id="52" name="Picture 51" descr="A picture containing text, clock&#10;&#10;Description automatically generated">
+              <a:extLst>
+                <a:ext uri="{FF2B5EF4-FFF2-40B4-BE49-F238E27FC236}">
+                  <a16:creationId xmlns:a16="http://schemas.microsoft.com/office/drawing/2014/main" id="{29786DD7-A38F-0C4E-9BD4-BC8A3E29B172}"/>
+                </a:ext>
+              </a:extLst>
+            </p:cNvPr>
+            <p:cNvPicPr>
+              <a:picLocks noChangeAspect="1"/>
+            </p:cNvPicPr>
+            <p:nvPr/>
+          </p:nvPicPr>
+          <p:blipFill>
+            <a:blip r:embed="rId9" cstate="print">
+              <a:biLevel thresh="75000"/>
+              <a:extLst>
+                <a:ext uri="{28A0092B-C50C-407E-A947-70E740481C1C}">
+                  <a14:useLocalDpi xmlns:a14="http://schemas.microsoft.com/office/drawing/2010/main" val="0"/>
+                </a:ext>
+              </a:extLst>
+            </a:blip>
+            <a:stretch>
+              <a:fillRect/>
+            </a:stretch>
+          </p:blipFill>
+          <p:spPr>
+            <a:xfrm>
+              <a:off x="5218572" y="2852195"/>
+              <a:ext cx="669094" cy="669094"/>
+            </a:xfrm>
+            <a:prstGeom prst="rect">
+              <a:avLst/>
+            </a:prstGeom>
+            <a:noFill/>
+            <a:ln>
+              <a:noFill/>
+            </a:ln>
+          </p:spPr>
+        </p:pic>
+        <p:pic>
+          <p:nvPicPr>
+            <p:cNvPr id="57" name="Picture 56" descr="A picture containing text, clock&#10;&#10;Description automatically generated">
+              <a:extLst>
+                <a:ext uri="{FF2B5EF4-FFF2-40B4-BE49-F238E27FC236}">
+                  <a16:creationId xmlns:a16="http://schemas.microsoft.com/office/drawing/2014/main" id="{58318F54-6CDB-F446-9E02-23F62AE8C3F1}"/>
+                </a:ext>
+              </a:extLst>
+            </p:cNvPr>
+            <p:cNvPicPr>
+              <a:picLocks noChangeAspect="1"/>
+            </p:cNvPicPr>
+            <p:nvPr/>
+          </p:nvPicPr>
+          <p:blipFill>
+            <a:blip r:embed="rId10" cstate="print">
+              <a:biLevel thresh="75000"/>
+              <a:extLst>
+                <a:ext uri="{28A0092B-C50C-407E-A947-70E740481C1C}">
+                  <a14:useLocalDpi xmlns:a14="http://schemas.microsoft.com/office/drawing/2010/main" val="0"/>
+                </a:ext>
+              </a:extLst>
+            </a:blip>
+            <a:stretch>
+              <a:fillRect/>
+            </a:stretch>
+          </p:blipFill>
+          <p:spPr>
+            <a:xfrm>
+              <a:off x="5239734" y="1687686"/>
+              <a:ext cx="629295" cy="629295"/>
+            </a:xfrm>
+            <a:prstGeom prst="rect">
+              <a:avLst/>
+            </a:prstGeom>
+            <a:noFill/>
+            <a:ln>
+              <a:noFill/>
+            </a:ln>
+          </p:spPr>
+        </p:pic>
+        <p:sp>
+          <p:nvSpPr>
+            <p:cNvPr id="59" name="Rounded Rectangle 58">
+              <a:extLst>
+                <a:ext uri="{FF2B5EF4-FFF2-40B4-BE49-F238E27FC236}">
+                  <a16:creationId xmlns:a16="http://schemas.microsoft.com/office/drawing/2014/main" id="{2BBF70C8-6E7A-344B-B3E6-9914688657C1}"/>
+                </a:ext>
+              </a:extLst>
+            </p:cNvPr>
+            <p:cNvSpPr/>
+            <p:nvPr/>
+          </p:nvSpPr>
+          <p:spPr>
+            <a:xfrm rot="10800000">
+              <a:off x="5015152" y="1235421"/>
+              <a:ext cx="1070934" cy="2850894"/>
+            </a:xfrm>
+            <a:prstGeom prst="roundRect">
+              <a:avLst>
+                <a:gd name="adj" fmla="val 25205"/>
+              </a:avLst>
+            </a:prstGeom>
+            <a:noFill/>
+            <a:ln w="28575">
+              <a:solidFill>
+                <a:schemeClr val="tx1"/>
+              </a:solidFill>
+              <a:prstDash val="sysDot"/>
+            </a:ln>
+          </p:spPr>
+          <p:style>
+            <a:lnRef idx="2">
+              <a:schemeClr val="accent1">
+                <a:shade val="50000"/>
+              </a:schemeClr>
+            </a:lnRef>
+            <a:fillRef idx="1">
+              <a:schemeClr val="accent1"/>
+            </a:fillRef>
+            <a:effectRef idx="0">
+              <a:schemeClr val="accent1"/>
+            </a:effectRef>
+            <a:fontRef idx="minor">
+              <a:schemeClr val="lt1"/>
+            </a:fontRef>
+          </p:style>
+          <p:txBody>
+            <a:bodyPr rtlCol="0" anchor="ctr"/>
+            <a:lstStyle/>
+            <a:p>
+              <a:pPr algn="ctr"/>
+              <a:endParaRPr lang="en-US"/>
+            </a:p>
+          </p:txBody>
+        </p:sp>
+        <p:pic>
+          <p:nvPicPr>
+            <p:cNvPr id="91" name="Picture 90" descr="Icon&#10;&#10;Description automatically generated with medium confidence">
+              <a:extLst>
+                <a:ext uri="{FF2B5EF4-FFF2-40B4-BE49-F238E27FC236}">
+                  <a16:creationId xmlns:a16="http://schemas.microsoft.com/office/drawing/2014/main" id="{192A2240-2C54-F146-89BD-0345A91DD1D4}"/>
+                </a:ext>
+              </a:extLst>
+            </p:cNvPr>
+            <p:cNvPicPr>
+              <a:picLocks noChangeAspect="1"/>
+            </p:cNvPicPr>
+            <p:nvPr/>
+          </p:nvPicPr>
+          <p:blipFill>
+            <a:blip r:embed="rId11" cstate="print">
+              <a:extLst>
+                <a:ext uri="{28A0092B-C50C-407E-A947-70E740481C1C}">
+                  <a14:useLocalDpi xmlns:a14="http://schemas.microsoft.com/office/drawing/2010/main" val="0"/>
+                </a:ext>
+              </a:extLst>
+            </a:blip>
+            <a:stretch>
+              <a:fillRect/>
+            </a:stretch>
+          </p:blipFill>
+          <p:spPr>
+            <a:xfrm>
+              <a:off x="5598342" y="4437295"/>
+              <a:ext cx="687391" cy="687391"/>
+            </a:xfrm>
+            <a:prstGeom prst="rect">
+              <a:avLst/>
+            </a:prstGeom>
+          </p:spPr>
+        </p:pic>
+        <p:sp>
+          <p:nvSpPr>
+            <p:cNvPr id="100" name="TextBox 99">
+              <a:extLst>
+                <a:ext uri="{FF2B5EF4-FFF2-40B4-BE49-F238E27FC236}">
+                  <a16:creationId xmlns:a16="http://schemas.microsoft.com/office/drawing/2014/main" id="{726FCBAA-212F-5C4A-91E6-B84329B3E7AB}"/>
+                </a:ext>
+              </a:extLst>
+            </p:cNvPr>
+            <p:cNvSpPr txBox="1"/>
+            <p:nvPr/>
+          </p:nvSpPr>
+          <p:spPr>
+            <a:xfrm>
+              <a:off x="4760657" y="1212142"/>
+              <a:ext cx="1567954" cy="492443"/>
+            </a:xfrm>
+            <a:prstGeom prst="rect">
+              <a:avLst/>
+            </a:prstGeom>
+            <a:noFill/>
+          </p:spPr>
+          <p:txBody>
+            <a:bodyPr wrap="square" rtlCol="0">
+              <a:spAutoFit/>
+            </a:bodyPr>
+            <a:lstStyle/>
+            <a:p>
+              <a:pPr algn="ctr"/>
+              <a:r>
+                <a:rPr lang="en-US" sz="1300" b="1" dirty="0"/>
+                <a:t>Electricity</a:t>
+              </a:r>
+              <a:br>
+                <a:rPr lang="en-US" sz="1300" b="1" dirty="0"/>
+              </a:br>
+              <a:r>
+                <a:rPr lang="en-US" sz="1300" b="1" dirty="0"/>
+                <a:t>Source</a:t>
+              </a:r>
+            </a:p>
+          </p:txBody>
+        </p:sp>
+        <p:sp>
+          <p:nvSpPr>
+            <p:cNvPr id="101" name="TextBox 100">
+              <a:extLst>
+                <a:ext uri="{FF2B5EF4-FFF2-40B4-BE49-F238E27FC236}">
+                  <a16:creationId xmlns:a16="http://schemas.microsoft.com/office/drawing/2014/main" id="{DF342DB9-6BAA-2A47-9561-FE5619719DF4}"/>
+                </a:ext>
+              </a:extLst>
+            </p:cNvPr>
+            <p:cNvSpPr txBox="1"/>
+            <p:nvPr/>
+          </p:nvSpPr>
+          <p:spPr>
+            <a:xfrm>
+              <a:off x="6751272" y="2513253"/>
+              <a:ext cx="1567954" cy="292388"/>
+            </a:xfrm>
+            <a:prstGeom prst="rect">
+              <a:avLst/>
+            </a:prstGeom>
+            <a:noFill/>
+          </p:spPr>
+          <p:txBody>
+            <a:bodyPr wrap="square" rtlCol="0">
+              <a:spAutoFit/>
+            </a:bodyPr>
+            <a:lstStyle/>
+            <a:p>
+              <a:pPr algn="ctr"/>
+              <a:r>
+                <a:rPr lang="en-US" sz="1300" b="1" dirty="0"/>
+                <a:t>Energy Storage</a:t>
+              </a:r>
+            </a:p>
+          </p:txBody>
+        </p:sp>
+        <p:sp>
+          <p:nvSpPr>
+            <p:cNvPr id="105" name="TextBox 104">
+              <a:extLst>
+                <a:ext uri="{FF2B5EF4-FFF2-40B4-BE49-F238E27FC236}">
+                  <a16:creationId xmlns:a16="http://schemas.microsoft.com/office/drawing/2014/main" id="{574F4CC3-7AB5-6C41-B6E5-CB9CC0C1F924}"/>
+                </a:ext>
+              </a:extLst>
+            </p:cNvPr>
+            <p:cNvSpPr txBox="1"/>
+            <p:nvPr/>
+          </p:nvSpPr>
+          <p:spPr>
+            <a:xfrm>
+              <a:off x="6956608" y="4225010"/>
+              <a:ext cx="1567954" cy="292388"/>
+            </a:xfrm>
+            <a:prstGeom prst="rect">
+              <a:avLst/>
+            </a:prstGeom>
+            <a:noFill/>
+          </p:spPr>
+          <p:txBody>
+            <a:bodyPr wrap="square" rtlCol="0">
+              <a:spAutoFit/>
+            </a:bodyPr>
+            <a:lstStyle/>
+            <a:p>
+              <a:pPr algn="ctr"/>
+              <a:r>
+                <a:rPr lang="en-US" sz="1300" b="1" dirty="0"/>
+                <a:t>End Use</a:t>
+              </a:r>
+            </a:p>
+          </p:txBody>
+        </p:sp>
+        <p:sp>
+          <p:nvSpPr>
+            <p:cNvPr id="49" name="TextBox 48">
+              <a:extLst>
+                <a:ext uri="{FF2B5EF4-FFF2-40B4-BE49-F238E27FC236}">
+                  <a16:creationId xmlns:a16="http://schemas.microsoft.com/office/drawing/2014/main" id="{048AE03A-19F3-F947-B67B-CFA930787DDA}"/>
+                </a:ext>
+              </a:extLst>
+            </p:cNvPr>
+            <p:cNvSpPr txBox="1"/>
+            <p:nvPr/>
+          </p:nvSpPr>
+          <p:spPr>
+            <a:xfrm>
+              <a:off x="6510926" y="1211561"/>
+              <a:ext cx="1567954" cy="292388"/>
+            </a:xfrm>
+            <a:prstGeom prst="rect">
+              <a:avLst/>
+            </a:prstGeom>
+            <a:noFill/>
+          </p:spPr>
+          <p:txBody>
+            <a:bodyPr wrap="square" rtlCol="0">
+              <a:spAutoFit/>
+            </a:bodyPr>
+            <a:lstStyle/>
+            <a:p>
+              <a:pPr algn="r"/>
+              <a:r>
+                <a:rPr lang="en-US" sz="1300" b="1" dirty="0"/>
+                <a:t>HVAC</a:t>
+              </a:r>
+            </a:p>
+          </p:txBody>
+        </p:sp>
+        <p:sp>
+          <p:nvSpPr>
+            <p:cNvPr id="2" name="TextBox 1">
+              <a:extLst>
+                <a:ext uri="{FF2B5EF4-FFF2-40B4-BE49-F238E27FC236}">
+                  <a16:creationId xmlns:a16="http://schemas.microsoft.com/office/drawing/2014/main" id="{D1EB0535-B98A-919D-8C1E-F26F1AF95F45}"/>
+                </a:ext>
+              </a:extLst>
+            </p:cNvPr>
+            <p:cNvSpPr txBox="1"/>
+            <p:nvPr/>
+          </p:nvSpPr>
+          <p:spPr>
+            <a:xfrm>
+              <a:off x="6280889" y="2090428"/>
+              <a:ext cx="1070934" cy="261610"/>
+            </a:xfrm>
+            <a:prstGeom prst="rect">
+              <a:avLst/>
+            </a:prstGeom>
+            <a:noFill/>
+          </p:spPr>
+          <p:txBody>
+            <a:bodyPr wrap="square" rtlCol="0">
+              <a:spAutoFit/>
+            </a:bodyPr>
+            <a:lstStyle/>
+            <a:p>
+              <a:pPr algn="ctr"/>
+              <a:r>
+                <a:rPr lang="en-US" sz="1100" i="1" dirty="0">
+                  <a:solidFill>
+                    <a:schemeClr val="tx2">
+                      <a:lumMod val="75000"/>
+                    </a:schemeClr>
+                  </a:solidFill>
+                </a:rPr>
+                <a:t>Electric heater</a:t>
+              </a:r>
+            </a:p>
+          </p:txBody>
+        </p:sp>
+        <p:sp>
+          <p:nvSpPr>
+            <p:cNvPr id="4" name="TextBox 3">
+              <a:extLst>
+                <a:ext uri="{FF2B5EF4-FFF2-40B4-BE49-F238E27FC236}">
+                  <a16:creationId xmlns:a16="http://schemas.microsoft.com/office/drawing/2014/main" id="{252C9C18-A638-9EEE-A0B4-9773A9F57451}"/>
+                </a:ext>
+              </a:extLst>
+            </p:cNvPr>
+            <p:cNvSpPr txBox="1"/>
+            <p:nvPr/>
+          </p:nvSpPr>
+          <p:spPr>
+            <a:xfrm>
+              <a:off x="7173795" y="2089447"/>
+              <a:ext cx="1070934" cy="261610"/>
+            </a:xfrm>
+            <a:prstGeom prst="rect">
+              <a:avLst/>
+            </a:prstGeom>
+            <a:noFill/>
+          </p:spPr>
+          <p:txBody>
+            <a:bodyPr wrap="square" rtlCol="0">
+              <a:spAutoFit/>
+            </a:bodyPr>
+            <a:lstStyle/>
+            <a:p>
+              <a:pPr algn="ctr"/>
+              <a:r>
+                <a:rPr lang="en-US" sz="1100" i="1" dirty="0">
+                  <a:solidFill>
+                    <a:schemeClr val="tx2">
+                      <a:lumMod val="75000"/>
+                    </a:schemeClr>
+                  </a:solidFill>
+                </a:rPr>
+                <a:t>Heat pump</a:t>
+              </a:r>
+            </a:p>
+          </p:txBody>
+        </p:sp>
+        <p:sp>
+          <p:nvSpPr>
+            <p:cNvPr id="7" name="TextBox 6">
+              <a:extLst>
+                <a:ext uri="{FF2B5EF4-FFF2-40B4-BE49-F238E27FC236}">
+                  <a16:creationId xmlns:a16="http://schemas.microsoft.com/office/drawing/2014/main" id="{E1B90769-86B4-05AE-8B6D-924A27DDE5FA}"/>
+                </a:ext>
+              </a:extLst>
+            </p:cNvPr>
+            <p:cNvSpPr txBox="1"/>
+            <p:nvPr/>
+          </p:nvSpPr>
+          <p:spPr>
+            <a:xfrm>
+              <a:off x="5214798" y="5113591"/>
+              <a:ext cx="1070934" cy="430887"/>
+            </a:xfrm>
+            <a:prstGeom prst="rect">
+              <a:avLst/>
+            </a:prstGeom>
+            <a:noFill/>
+          </p:spPr>
+          <p:txBody>
+            <a:bodyPr wrap="square" rtlCol="0">
+              <a:spAutoFit/>
+            </a:bodyPr>
+            <a:lstStyle/>
+            <a:p>
+              <a:pPr algn="ctr"/>
+              <a:r>
+                <a:rPr lang="en-US" sz="1100" i="1" dirty="0">
+                  <a:solidFill>
+                    <a:schemeClr val="tx2">
+                      <a:lumMod val="75000"/>
+                    </a:schemeClr>
+                  </a:solidFill>
+                </a:rPr>
+                <a:t>Non-shiftable</a:t>
+              </a:r>
+              <a:br>
+                <a:rPr lang="en-US" sz="1100" i="1" dirty="0">
+                  <a:solidFill>
+                    <a:schemeClr val="tx2">
+                      <a:lumMod val="75000"/>
+                    </a:schemeClr>
+                  </a:solidFill>
+                </a:rPr>
+              </a:br>
+              <a:r>
+                <a:rPr lang="en-US" sz="1100" i="1" dirty="0">
+                  <a:solidFill>
+                    <a:schemeClr val="tx2">
+                      <a:lumMod val="75000"/>
+                    </a:schemeClr>
+                  </a:solidFill>
+                </a:rPr>
+                <a:t>plug loads</a:t>
+              </a:r>
+            </a:p>
+          </p:txBody>
+        </p:sp>
+        <p:sp>
+          <p:nvSpPr>
+            <p:cNvPr id="9" name="TextBox 8">
+              <a:extLst>
+                <a:ext uri="{FF2B5EF4-FFF2-40B4-BE49-F238E27FC236}">
+                  <a16:creationId xmlns:a16="http://schemas.microsoft.com/office/drawing/2014/main" id="{D8F974D3-4415-7E20-BD2A-79FA7D6A5E19}"/>
+                </a:ext>
+              </a:extLst>
+            </p:cNvPr>
+            <p:cNvSpPr txBox="1"/>
+            <p:nvPr/>
+          </p:nvSpPr>
+          <p:spPr>
+            <a:xfrm>
+              <a:off x="6273114" y="5113591"/>
+              <a:ext cx="1070934" cy="430887"/>
+            </a:xfrm>
+            <a:prstGeom prst="rect">
+              <a:avLst/>
+            </a:prstGeom>
+            <a:noFill/>
+          </p:spPr>
+          <p:txBody>
+            <a:bodyPr wrap="square" rtlCol="0">
+              <a:spAutoFit/>
+            </a:bodyPr>
+            <a:lstStyle/>
+            <a:p>
+              <a:pPr algn="ctr"/>
+              <a:r>
+                <a:rPr lang="en-US" sz="1100" i="1" dirty="0">
+                  <a:solidFill>
+                    <a:schemeClr val="tx2">
+                      <a:lumMod val="75000"/>
+                    </a:schemeClr>
+                  </a:solidFill>
+                </a:rPr>
+                <a:t>Domestic hot water heating</a:t>
+              </a:r>
+            </a:p>
+          </p:txBody>
+        </p:sp>
+        <p:sp>
+          <p:nvSpPr>
+            <p:cNvPr id="10" name="TextBox 9">
+              <a:extLst>
+                <a:ext uri="{FF2B5EF4-FFF2-40B4-BE49-F238E27FC236}">
+                  <a16:creationId xmlns:a16="http://schemas.microsoft.com/office/drawing/2014/main" id="{000F29E1-48F7-3074-B783-B00BCE4CFCF5}"/>
+                </a:ext>
+              </a:extLst>
+            </p:cNvPr>
+            <p:cNvSpPr txBox="1"/>
+            <p:nvPr/>
+          </p:nvSpPr>
+          <p:spPr>
+            <a:xfrm>
+              <a:off x="7205118" y="5102029"/>
+              <a:ext cx="1070934" cy="430887"/>
+            </a:xfrm>
+            <a:prstGeom prst="rect">
+              <a:avLst/>
+            </a:prstGeom>
+            <a:noFill/>
+          </p:spPr>
+          <p:txBody>
+            <a:bodyPr wrap="square" rtlCol="0">
+              <a:spAutoFit/>
+            </a:bodyPr>
+            <a:lstStyle/>
+            <a:p>
+              <a:pPr algn="ctr"/>
+              <a:r>
+                <a:rPr lang="en-US" sz="1100" i="1" dirty="0">
+                  <a:solidFill>
+                    <a:schemeClr val="tx2">
+                      <a:lumMod val="75000"/>
+                    </a:schemeClr>
+                  </a:solidFill>
+                </a:rPr>
+                <a:t>Space cooling &amp; heating</a:t>
+              </a:r>
+            </a:p>
+          </p:txBody>
+        </p:sp>
+        <p:sp>
+          <p:nvSpPr>
+            <p:cNvPr id="16" name="TextBox 15">
+              <a:extLst>
+                <a:ext uri="{FF2B5EF4-FFF2-40B4-BE49-F238E27FC236}">
+                  <a16:creationId xmlns:a16="http://schemas.microsoft.com/office/drawing/2014/main" id="{90F35BE7-FB33-C349-F7B4-C2FC19C110DF}"/>
+                </a:ext>
+              </a:extLst>
+            </p:cNvPr>
+            <p:cNvSpPr txBox="1"/>
+            <p:nvPr/>
+          </p:nvSpPr>
+          <p:spPr>
+            <a:xfrm>
+              <a:off x="6145595" y="3486151"/>
+              <a:ext cx="1296144" cy="600164"/>
+            </a:xfrm>
+            <a:prstGeom prst="rect">
+              <a:avLst/>
+            </a:prstGeom>
+            <a:noFill/>
+          </p:spPr>
+          <p:txBody>
+            <a:bodyPr wrap="square" rtlCol="0">
+              <a:spAutoFit/>
+            </a:bodyPr>
+            <a:lstStyle/>
+            <a:p>
+              <a:pPr algn="ctr"/>
+              <a:r>
+                <a:rPr lang="en-US" sz="1100" i="1" dirty="0">
+                  <a:solidFill>
+                    <a:schemeClr val="tx2">
+                      <a:lumMod val="75000"/>
+                    </a:schemeClr>
+                  </a:solidFill>
+                </a:rPr>
+                <a:t>Domestic hot water  and/or space</a:t>
+              </a:r>
+              <a:br>
+                <a:rPr lang="en-US" sz="1100" i="1" dirty="0">
+                  <a:solidFill>
+                    <a:schemeClr val="tx2">
+                      <a:lumMod val="75000"/>
+                    </a:schemeClr>
+                  </a:solidFill>
+                </a:rPr>
+              </a:br>
+              <a:r>
+                <a:rPr lang="en-US" sz="1100" i="1" dirty="0">
+                  <a:solidFill>
+                    <a:schemeClr val="tx2">
+                      <a:lumMod val="75000"/>
+                    </a:schemeClr>
+                  </a:solidFill>
+                </a:rPr>
+                <a:t>heating storage</a:t>
+              </a:r>
+            </a:p>
+          </p:txBody>
+        </p:sp>
+        <p:sp>
+          <p:nvSpPr>
+            <p:cNvPr id="17" name="TextBox 16">
+              <a:extLst>
+                <a:ext uri="{FF2B5EF4-FFF2-40B4-BE49-F238E27FC236}">
+                  <a16:creationId xmlns:a16="http://schemas.microsoft.com/office/drawing/2014/main" id="{9C55B49F-DBBD-88D0-665D-B3DC36E09168}"/>
+                </a:ext>
+              </a:extLst>
+            </p:cNvPr>
+            <p:cNvSpPr txBox="1"/>
+            <p:nvPr/>
+          </p:nvSpPr>
+          <p:spPr>
+            <a:xfrm>
+              <a:off x="5137484" y="3483583"/>
+              <a:ext cx="847929" cy="261610"/>
+            </a:xfrm>
+            <a:prstGeom prst="rect">
+              <a:avLst/>
+            </a:prstGeom>
+            <a:noFill/>
+          </p:spPr>
+          <p:txBody>
+            <a:bodyPr wrap="square" rtlCol="0">
+              <a:spAutoFit/>
+            </a:bodyPr>
+            <a:lstStyle/>
+            <a:p>
+              <a:pPr algn="ctr"/>
+              <a:r>
+                <a:rPr lang="en-US" sz="1100" i="1" dirty="0">
+                  <a:solidFill>
+                    <a:schemeClr val="tx2">
+                      <a:lumMod val="75000"/>
+                    </a:schemeClr>
+                  </a:solidFill>
+                </a:rPr>
+                <a:t>Battery</a:t>
+              </a:r>
+            </a:p>
+          </p:txBody>
+        </p:sp>
+        <p:sp>
+          <p:nvSpPr>
+            <p:cNvPr id="20" name="TextBox 19">
+              <a:extLst>
+                <a:ext uri="{FF2B5EF4-FFF2-40B4-BE49-F238E27FC236}">
+                  <a16:creationId xmlns:a16="http://schemas.microsoft.com/office/drawing/2014/main" id="{F95030F2-951A-1464-98B5-4778F06F2ECD}"/>
+                </a:ext>
+              </a:extLst>
+            </p:cNvPr>
+            <p:cNvSpPr txBox="1"/>
+            <p:nvPr/>
+          </p:nvSpPr>
+          <p:spPr>
+            <a:xfrm>
+              <a:off x="5130416" y="2293822"/>
+              <a:ext cx="847929" cy="261610"/>
+            </a:xfrm>
+            <a:prstGeom prst="rect">
+              <a:avLst/>
+            </a:prstGeom>
+            <a:noFill/>
+          </p:spPr>
+          <p:txBody>
+            <a:bodyPr wrap="square" rtlCol="0">
+              <a:spAutoFit/>
+            </a:bodyPr>
+            <a:lstStyle/>
+            <a:p>
+              <a:pPr algn="ctr"/>
+              <a:r>
+                <a:rPr lang="en-US" sz="1100" i="1" dirty="0">
+                  <a:solidFill>
+                    <a:schemeClr val="tx2">
+                      <a:lumMod val="75000"/>
+                    </a:schemeClr>
+                  </a:solidFill>
+                </a:rPr>
+                <a:t>Solar PV</a:t>
+              </a:r>
+            </a:p>
+          </p:txBody>
+        </p:sp>
+        <p:sp>
+          <p:nvSpPr>
+            <p:cNvPr id="35" name="TextBox 34">
+              <a:extLst>
+                <a:ext uri="{FF2B5EF4-FFF2-40B4-BE49-F238E27FC236}">
+                  <a16:creationId xmlns:a16="http://schemas.microsoft.com/office/drawing/2014/main" id="{C7FA50B3-91A7-8B9A-3D20-AD2E9C97EF1A}"/>
+                </a:ext>
+              </a:extLst>
+            </p:cNvPr>
+            <p:cNvSpPr txBox="1"/>
+            <p:nvPr/>
+          </p:nvSpPr>
+          <p:spPr>
+            <a:xfrm>
+              <a:off x="7009691" y="861975"/>
+              <a:ext cx="1567954" cy="338554"/>
+            </a:xfrm>
+            <a:prstGeom prst="rect">
+              <a:avLst/>
+            </a:prstGeom>
+            <a:noFill/>
+          </p:spPr>
+          <p:txBody>
+            <a:bodyPr wrap="square" rtlCol="0">
+              <a:spAutoFit/>
+            </a:bodyPr>
+            <a:lstStyle/>
+            <a:p>
+              <a:pPr algn="ctr"/>
+              <a:r>
+                <a:rPr lang="en-US" sz="1600" b="1" dirty="0"/>
+                <a:t>Building N</a:t>
+              </a:r>
+            </a:p>
+          </p:txBody>
+        </p:sp>
+        <p:pic>
+          <p:nvPicPr>
+            <p:cNvPr id="3" name="Picture 2" descr="A picture containing rectangle&#10;&#10;Description automatically generated">
+              <a:extLst>
+                <a:ext uri="{FF2B5EF4-FFF2-40B4-BE49-F238E27FC236}">
+                  <a16:creationId xmlns:a16="http://schemas.microsoft.com/office/drawing/2014/main" id="{B0685F88-C02C-CA54-B64F-D46639BF5486}"/>
+                </a:ext>
+              </a:extLst>
+            </p:cNvPr>
+            <p:cNvPicPr>
+              <a:picLocks noChangeAspect="1"/>
+            </p:cNvPicPr>
+            <p:nvPr/>
+          </p:nvPicPr>
+          <p:blipFill>
+            <a:blip r:embed="rId12" cstate="print">
+              <a:extLst>
+                <a:ext uri="{28A0092B-C50C-407E-A947-70E740481C1C}">
+                  <a14:useLocalDpi xmlns:a14="http://schemas.microsoft.com/office/drawing/2010/main" val="0"/>
+                </a:ext>
+              </a:extLst>
+            </a:blip>
+            <a:stretch>
+              <a:fillRect/>
+            </a:stretch>
+          </p:blipFill>
+          <p:spPr>
+            <a:xfrm>
+              <a:off x="7430201" y="2811688"/>
+              <a:ext cx="686493" cy="686493"/>
+            </a:xfrm>
+            <a:prstGeom prst="rect">
+              <a:avLst/>
+            </a:prstGeom>
+          </p:spPr>
+        </p:pic>
+        <p:sp>
+          <p:nvSpPr>
+            <p:cNvPr id="5" name="TextBox 4">
+              <a:extLst>
+                <a:ext uri="{FF2B5EF4-FFF2-40B4-BE49-F238E27FC236}">
+                  <a16:creationId xmlns:a16="http://schemas.microsoft.com/office/drawing/2014/main" id="{005E8CF1-793B-A405-BCB2-F52BF025C5B0}"/>
+                </a:ext>
+              </a:extLst>
+            </p:cNvPr>
+            <p:cNvSpPr txBox="1"/>
+            <p:nvPr/>
+          </p:nvSpPr>
+          <p:spPr>
+            <a:xfrm>
+              <a:off x="7337779" y="3484360"/>
+              <a:ext cx="847929" cy="600164"/>
+            </a:xfrm>
+            <a:prstGeom prst="rect">
+              <a:avLst/>
+            </a:prstGeom>
+            <a:noFill/>
+          </p:spPr>
+          <p:txBody>
+            <a:bodyPr wrap="square" rtlCol="0">
+              <a:spAutoFit/>
+            </a:bodyPr>
+            <a:lstStyle/>
+            <a:p>
+              <a:pPr algn="ctr"/>
+              <a:r>
+                <a:rPr lang="en-US" sz="1100" i="1" dirty="0">
+                  <a:solidFill>
+                    <a:schemeClr val="tx2">
+                      <a:lumMod val="75000"/>
+                    </a:schemeClr>
+                  </a:solidFill>
+                </a:rPr>
+                <a:t>Space</a:t>
+              </a:r>
+              <a:br>
+                <a:rPr lang="en-US" sz="1100" i="1" dirty="0">
+                  <a:solidFill>
+                    <a:schemeClr val="tx2">
+                      <a:lumMod val="75000"/>
+                    </a:schemeClr>
+                  </a:solidFill>
+                </a:rPr>
+              </a:br>
+              <a:r>
+                <a:rPr lang="en-US" sz="1100" i="1" dirty="0">
+                  <a:solidFill>
+                    <a:schemeClr val="tx2">
+                      <a:lumMod val="75000"/>
+                    </a:schemeClr>
+                  </a:solidFill>
+                </a:rPr>
+                <a:t>cooling </a:t>
+              </a:r>
+              <a:br>
+                <a:rPr lang="en-US" sz="1100" i="1" dirty="0">
+                  <a:solidFill>
+                    <a:schemeClr val="tx2">
+                      <a:lumMod val="75000"/>
+                    </a:schemeClr>
+                  </a:solidFill>
+                </a:rPr>
+              </a:br>
+              <a:r>
+                <a:rPr lang="en-US" sz="1100" i="1" dirty="0">
+                  <a:solidFill>
+                    <a:schemeClr val="tx2">
+                      <a:lumMod val="75000"/>
+                    </a:schemeClr>
+                  </a:solidFill>
+                </a:rPr>
+                <a:t>storage</a:t>
+              </a:r>
+            </a:p>
+          </p:txBody>
+        </p:sp>
+      </p:grpSp>
+      <p:cxnSp>
+        <p:nvCxnSpPr>
+          <p:cNvPr id="177" name="Straight Arrow Connector 23">
+            <a:extLst>
+              <a:ext uri="{FF2B5EF4-FFF2-40B4-BE49-F238E27FC236}">
+                <a16:creationId xmlns:a16="http://schemas.microsoft.com/office/drawing/2014/main" id="{DDC17BC9-1645-4215-C63B-E0DD628139D9}"/>
+              </a:ext>
+            </a:extLst>
+          </p:cNvPr>
+          <p:cNvCxnSpPr>
+            <a:cxnSpLocks/>
+            <a:stCxn id="8" idx="2"/>
+            <a:endCxn id="33" idx="2"/>
+          </p:cNvCxnSpPr>
+          <p:nvPr/>
+        </p:nvCxnSpPr>
+        <p:spPr>
+          <a:xfrm rot="16200000" flipH="1">
+            <a:off x="4489906" y="722273"/>
+            <a:ext cx="286983" cy="332916"/>
+          </a:xfrm>
+          <a:prstGeom prst="bentConnector3">
+            <a:avLst>
+              <a:gd name="adj1" fmla="val -79656"/>
+            </a:avLst>
+          </a:prstGeom>
+          <a:ln w="28575">
+            <a:headEnd type="none" w="med" len="med"/>
+            <a:tailEnd type="triangle" w="med" len="med"/>
+          </a:ln>
+        </p:spPr>
+        <p:style>
+          <a:lnRef idx="1">
+            <a:schemeClr val="dk1"/>
+          </a:lnRef>
+          <a:fillRef idx="0">
+            <a:schemeClr val="dk1"/>
+          </a:fillRef>
+          <a:effectRef idx="0">
+            <a:schemeClr val="dk1"/>
+          </a:effectRef>
+          <a:fontRef idx="minor">
+            <a:schemeClr val="tx1"/>
+          </a:fontRef>
+        </p:style>
+      </p:cxnSp>
+      <p:grpSp>
+        <p:nvGrpSpPr>
+          <p:cNvPr id="13" name="Group 12">
+            <a:extLst>
+              <a:ext uri="{FF2B5EF4-FFF2-40B4-BE49-F238E27FC236}">
+                <a16:creationId xmlns:a16="http://schemas.microsoft.com/office/drawing/2014/main" id="{F7EDCA1A-1B87-EFCE-D417-48375D4722D4}"/>
+              </a:ext>
+            </a:extLst>
+          </p:cNvPr>
+          <p:cNvGrpSpPr>
+            <a:grpSpLocks noChangeAspect="1"/>
+          </p:cNvGrpSpPr>
+          <p:nvPr/>
+        </p:nvGrpSpPr>
+        <p:grpSpPr>
+          <a:xfrm>
+            <a:off x="7499297" y="2970530"/>
+            <a:ext cx="1026042" cy="1024127"/>
+            <a:chOff x="6975940" y="2943131"/>
+            <a:chExt cx="526906" cy="525923"/>
+          </a:xfrm>
+        </p:grpSpPr>
+        <p:sp>
+          <p:nvSpPr>
+            <p:cNvPr id="58" name="Oval 57">
+              <a:extLst>
+                <a:ext uri="{FF2B5EF4-FFF2-40B4-BE49-F238E27FC236}">
+                  <a16:creationId xmlns:a16="http://schemas.microsoft.com/office/drawing/2014/main" id="{9F6F7A6C-DE53-ACBF-8D61-2B1852496C2F}"/>
+                </a:ext>
+              </a:extLst>
+            </p:cNvPr>
+            <p:cNvSpPr/>
+            <p:nvPr/>
+          </p:nvSpPr>
+          <p:spPr>
+            <a:xfrm>
+              <a:off x="6975940" y="2943131"/>
+              <a:ext cx="525923" cy="525923"/>
+            </a:xfrm>
+            <a:prstGeom prst="ellipse">
+              <a:avLst/>
+            </a:prstGeom>
+            <a:solidFill>
+              <a:schemeClr val="accent2">
+                <a:lumMod val="60000"/>
+                <a:lumOff val="40000"/>
+              </a:schemeClr>
+            </a:solidFill>
+            <a:ln w="28575">
+              <a:noFill/>
+              <a:prstDash val="sysDot"/>
+            </a:ln>
+          </p:spPr>
+          <p:style>
+            <a:lnRef idx="2">
+              <a:schemeClr val="accent1">
+                <a:shade val="50000"/>
+              </a:schemeClr>
+            </a:lnRef>
+            <a:fillRef idx="1">
+              <a:schemeClr val="accent1"/>
+            </a:fillRef>
+            <a:effectRef idx="0">
+              <a:schemeClr val="accent1"/>
+            </a:effectRef>
+            <a:fontRef idx="minor">
+              <a:schemeClr val="lt1"/>
+            </a:fontRef>
+          </p:style>
+          <p:txBody>
+            <a:bodyPr rtlCol="0" anchor="ctr"/>
+            <a:lstStyle/>
+            <a:p>
+              <a:pPr algn="ctr"/>
+              <a:endParaRPr lang="en-US" dirty="0"/>
+            </a:p>
+          </p:txBody>
+        </p:sp>
+        <p:sp>
+          <p:nvSpPr>
+            <p:cNvPr id="61" name="TextBox 60">
+              <a:extLst>
+                <a:ext uri="{FF2B5EF4-FFF2-40B4-BE49-F238E27FC236}">
+                  <a16:creationId xmlns:a16="http://schemas.microsoft.com/office/drawing/2014/main" id="{6D3F6A3E-B26C-46FE-3134-EF473DC18BEF}"/>
+                </a:ext>
+              </a:extLst>
+            </p:cNvPr>
+            <p:cNvSpPr txBox="1"/>
+            <p:nvPr/>
+          </p:nvSpPr>
+          <p:spPr>
+            <a:xfrm>
+              <a:off x="6981572" y="3081203"/>
+              <a:ext cx="521274" cy="268691"/>
+            </a:xfrm>
+            <a:prstGeom prst="rect">
+              <a:avLst/>
+            </a:prstGeom>
+            <a:noFill/>
+            <a:ln>
+              <a:noFill/>
+            </a:ln>
+          </p:spPr>
+          <p:txBody>
+            <a:bodyPr wrap="square" rtlCol="0">
+              <a:spAutoFit/>
+            </a:bodyPr>
+            <a:lstStyle/>
+            <a:p>
+              <a:pPr algn="ctr"/>
+              <a:r>
+                <a:rPr lang="en-US" sz="1400" b="1" dirty="0">
+                  <a:solidFill>
+                    <a:schemeClr val="bg1"/>
+                  </a:solidFill>
+                </a:rPr>
+                <a:t>Control</a:t>
+              </a:r>
+              <a:br>
+                <a:rPr lang="en-US" sz="1400" b="1" dirty="0">
+                  <a:solidFill>
+                    <a:schemeClr val="bg1"/>
+                  </a:solidFill>
+                </a:rPr>
+              </a:br>
+              <a:r>
+                <a:rPr lang="en-US" sz="1400" b="1" dirty="0">
+                  <a:solidFill>
+                    <a:schemeClr val="bg1"/>
+                  </a:solidFill>
+                </a:rPr>
+                <a:t>Agent</a:t>
+              </a:r>
+            </a:p>
+          </p:txBody>
+        </p:sp>
+      </p:grpSp>
+      <p:cxnSp>
+        <p:nvCxnSpPr>
+          <p:cNvPr id="62" name="Straight Arrow Connector 61">
+            <a:extLst>
+              <a:ext uri="{FF2B5EF4-FFF2-40B4-BE49-F238E27FC236}">
+                <a16:creationId xmlns:a16="http://schemas.microsoft.com/office/drawing/2014/main" id="{5EF20B79-BE16-4BDE-D612-88C21A60B777}"/>
+              </a:ext>
+            </a:extLst>
+          </p:cNvPr>
+          <p:cNvCxnSpPr>
+            <a:cxnSpLocks/>
+            <a:endCxn id="65" idx="0"/>
+          </p:cNvCxnSpPr>
+          <p:nvPr/>
+        </p:nvCxnSpPr>
+        <p:spPr>
+          <a:xfrm flipH="1" flipV="1">
+            <a:off x="6401932" y="3463945"/>
+            <a:ext cx="1097280" cy="18648"/>
+          </a:xfrm>
+          <a:prstGeom prst="straightConnector1">
+            <a:avLst/>
+          </a:prstGeom>
+          <a:ln w="28575">
+            <a:tailEnd type="triangle"/>
+          </a:ln>
+        </p:spPr>
+        <p:style>
+          <a:lnRef idx="1">
+            <a:schemeClr val="dk1"/>
+          </a:lnRef>
+          <a:fillRef idx="0">
+            <a:schemeClr val="dk1"/>
+          </a:fillRef>
+          <a:effectRef idx="0">
+            <a:schemeClr val="dk1"/>
+          </a:effectRef>
+          <a:fontRef idx="minor">
+            <a:schemeClr val="tx1"/>
+          </a:fontRef>
+        </p:style>
+      </p:cxnSp>
+      <p:sp>
+        <p:nvSpPr>
+          <p:cNvPr id="63" name="TextBox 62">
+            <a:extLst>
+              <a:ext uri="{FF2B5EF4-FFF2-40B4-BE49-F238E27FC236}">
+                <a16:creationId xmlns:a16="http://schemas.microsoft.com/office/drawing/2014/main" id="{D61FC50A-1394-A080-FF43-0B21C7559932}"/>
+              </a:ext>
+            </a:extLst>
+          </p:cNvPr>
+          <p:cNvSpPr txBox="1"/>
+          <p:nvPr/>
+        </p:nvSpPr>
+        <p:spPr>
+          <a:xfrm>
+            <a:off x="6554330" y="3019878"/>
+            <a:ext cx="1008837" cy="492443"/>
+          </a:xfrm>
+          <a:prstGeom prst="rect">
+            <a:avLst/>
+          </a:prstGeom>
+          <a:noFill/>
+        </p:spPr>
+        <p:txBody>
+          <a:bodyPr wrap="square" rtlCol="0">
+            <a:spAutoFit/>
+          </a:bodyPr>
+          <a:lstStyle/>
+          <a:p>
+            <a:pPr algn="ctr"/>
+            <a:r>
+              <a:rPr lang="en-US" sz="1300" b="1" dirty="0"/>
+              <a:t>Charge/</a:t>
+            </a:r>
+          </a:p>
+          <a:p>
+            <a:pPr algn="ctr"/>
+            <a:r>
+              <a:rPr lang="en-US" sz="1300" b="1" dirty="0"/>
+              <a:t>Discharge</a:t>
+            </a:r>
+          </a:p>
+        </p:txBody>
+      </p:sp>
+      <p:cxnSp>
+        <p:nvCxnSpPr>
+          <p:cNvPr id="67" name="Straight Arrow Connector 23">
+            <a:extLst>
+              <a:ext uri="{FF2B5EF4-FFF2-40B4-BE49-F238E27FC236}">
+                <a16:creationId xmlns:a16="http://schemas.microsoft.com/office/drawing/2014/main" id="{1753957F-588A-CD1C-A8B1-C9FDEE46ECA2}"/>
+              </a:ext>
+            </a:extLst>
+          </p:cNvPr>
+          <p:cNvCxnSpPr>
+            <a:cxnSpLocks/>
+            <a:stCxn id="61" idx="3"/>
+            <a:endCxn id="33" idx="0"/>
+          </p:cNvCxnSpPr>
+          <p:nvPr/>
+        </p:nvCxnSpPr>
+        <p:spPr>
+          <a:xfrm flipH="1">
+            <a:off x="4799856" y="3501008"/>
+            <a:ext cx="3725483" cy="2399913"/>
+          </a:xfrm>
+          <a:prstGeom prst="bentConnector4">
+            <a:avLst>
+              <a:gd name="adj1" fmla="val -6136"/>
+              <a:gd name="adj2" fmla="val 109525"/>
+            </a:avLst>
+          </a:prstGeom>
+          <a:ln w="28575">
+            <a:headEnd type="triangle" w="med" len="med"/>
+            <a:tailEnd type="none" w="med" len="med"/>
+          </a:ln>
+        </p:spPr>
+        <p:style>
+          <a:lnRef idx="1">
+            <a:schemeClr val="dk1"/>
+          </a:lnRef>
+          <a:fillRef idx="0">
+            <a:schemeClr val="dk1"/>
+          </a:fillRef>
+          <a:effectRef idx="0">
+            <a:schemeClr val="dk1"/>
+          </a:effectRef>
+          <a:fontRef idx="minor">
+            <a:schemeClr val="tx1"/>
+          </a:fontRef>
+        </p:style>
+      </p:cxnSp>
+      <p:sp>
+        <p:nvSpPr>
+          <p:cNvPr id="68" name="TextBox 67">
+            <a:extLst>
+              <a:ext uri="{FF2B5EF4-FFF2-40B4-BE49-F238E27FC236}">
+                <a16:creationId xmlns:a16="http://schemas.microsoft.com/office/drawing/2014/main" id="{7414F864-8FE1-A785-FB5B-A5D3714BEE0F}"/>
+              </a:ext>
+            </a:extLst>
+          </p:cNvPr>
+          <p:cNvSpPr txBox="1"/>
+          <p:nvPr/>
+        </p:nvSpPr>
+        <p:spPr>
+          <a:xfrm>
+            <a:off x="6260202" y="5857807"/>
+            <a:ext cx="1567954" cy="292388"/>
+          </a:xfrm>
+          <a:prstGeom prst="rect">
+            <a:avLst/>
+          </a:prstGeom>
+          <a:noFill/>
+        </p:spPr>
+        <p:txBody>
+          <a:bodyPr wrap="square" rtlCol="0">
+            <a:spAutoFit/>
+          </a:bodyPr>
+          <a:lstStyle/>
+          <a:p>
+            <a:pPr algn="ctr"/>
+            <a:r>
+              <a:rPr lang="en-US" sz="1300" b="1" dirty="0"/>
+              <a:t>Observations</a:t>
+            </a:r>
+          </a:p>
+        </p:txBody>
+      </p:sp>
+    </p:spTree>
+    <p:extLst>
+      <p:ext uri="{BB962C8B-B14F-4D97-AF65-F5344CB8AC3E}">
+        <p14:creationId xmlns:p14="http://schemas.microsoft.com/office/powerpoint/2010/main" val="735805957"/>
+      </p:ext>
+    </p:extLst>
+  </p:cSld>
+  <p:clrMapOvr>
+    <a:masterClrMapping/>
+  </p:clrMapOvr>
+</p:sld>
+</file>
+
+<file path=ppt/slides/slide7.xml><?xml version="1.0" encoding="utf-8"?>
 <p:sld xmlns:a="http://schemas.openxmlformats.org/drawingml/2006/main" xmlns:r="http://schemas.openxmlformats.org/officeDocument/2006/relationships" xmlns:p="http://schemas.openxmlformats.org/presentationml/2006/main">
   <p:cSld>
     <p:spTree>
@@ -10654,10 +16217,10 @@
       </p:grpSpPr>
       <p:pic>
         <p:nvPicPr>
-          <p:cNvPr id="6" name="Picture 5">
+          <p:cNvPr id="2" name="Picture 1">
             <a:extLst>
               <a:ext uri="{FF2B5EF4-FFF2-40B4-BE49-F238E27FC236}">
-                <a16:creationId xmlns:a16="http://schemas.microsoft.com/office/drawing/2014/main" id="{31A77D80-D816-3180-B858-99D81C6A6E59}"/>
+                <a16:creationId xmlns:a16="http://schemas.microsoft.com/office/drawing/2014/main" id="{3797E43D-6674-ECC9-856F-2F554F280D97}"/>
               </a:ext>
             </a:extLst>
           </p:cNvPr>
@@ -10674,8 +16237,98 @@
         </p:blipFill>
         <p:spPr>
           <a:xfrm>
-            <a:off x="2635250" y="577850"/>
-            <a:ext cx="6921500" cy="5702300"/>
+            <a:off x="5087888" y="332656"/>
+            <a:ext cx="6908800" cy="5943600"/>
+          </a:xfrm>
+          <a:prstGeom prst="rect">
+            <a:avLst/>
+          </a:prstGeom>
+        </p:spPr>
+      </p:pic>
+      <p:pic>
+        <p:nvPicPr>
+          <p:cNvPr id="4" name="Picture 3">
+            <a:extLst>
+              <a:ext uri="{FF2B5EF4-FFF2-40B4-BE49-F238E27FC236}">
+                <a16:creationId xmlns:a16="http://schemas.microsoft.com/office/drawing/2014/main" id="{1DB4EF79-2639-2000-6D3D-5C7CDE756A6B}"/>
+              </a:ext>
+            </a:extLst>
+          </p:cNvPr>
+          <p:cNvPicPr>
+            <a:picLocks noChangeAspect="1"/>
+          </p:cNvPicPr>
+          <p:nvPr/>
+        </p:nvPicPr>
+        <p:blipFill>
+          <a:blip r:embed="rId3"/>
+          <a:stretch>
+            <a:fillRect/>
+          </a:stretch>
+        </p:blipFill>
+        <p:spPr>
+          <a:xfrm>
+            <a:off x="5447928" y="75119"/>
+            <a:ext cx="6908800" cy="5943600"/>
+          </a:xfrm>
+          <a:prstGeom prst="rect">
+            <a:avLst/>
+          </a:prstGeom>
+        </p:spPr>
+      </p:pic>
+      <p:pic>
+        <p:nvPicPr>
+          <p:cNvPr id="5" name="Picture 4">
+            <a:extLst>
+              <a:ext uri="{FF2B5EF4-FFF2-40B4-BE49-F238E27FC236}">
+                <a16:creationId xmlns:a16="http://schemas.microsoft.com/office/drawing/2014/main" id="{07768411-FBDC-6AE9-BA8C-34C2DFF916FE}"/>
+              </a:ext>
+            </a:extLst>
+          </p:cNvPr>
+          <p:cNvPicPr>
+            <a:picLocks noChangeAspect="1"/>
+          </p:cNvPicPr>
+          <p:nvPr/>
+        </p:nvPicPr>
+        <p:blipFill>
+          <a:blip r:embed="rId4"/>
+          <a:stretch>
+            <a:fillRect/>
+          </a:stretch>
+        </p:blipFill>
+        <p:spPr>
+          <a:xfrm>
+            <a:off x="2641600" y="577850"/>
+            <a:ext cx="6908800" cy="5702300"/>
+          </a:xfrm>
+          <a:prstGeom prst="rect">
+            <a:avLst/>
+          </a:prstGeom>
+        </p:spPr>
+      </p:pic>
+      <p:pic>
+        <p:nvPicPr>
+          <p:cNvPr id="7" name="Picture 6">
+            <a:extLst>
+              <a:ext uri="{FF2B5EF4-FFF2-40B4-BE49-F238E27FC236}">
+                <a16:creationId xmlns:a16="http://schemas.microsoft.com/office/drawing/2014/main" id="{9B0F12DB-24FB-B78D-A270-40C4C3AB3D45}"/>
+              </a:ext>
+            </a:extLst>
+          </p:cNvPr>
+          <p:cNvPicPr>
+            <a:picLocks noChangeAspect="1"/>
+          </p:cNvPicPr>
+          <p:nvPr/>
+        </p:nvPicPr>
+        <p:blipFill>
+          <a:blip r:embed="rId5"/>
+          <a:stretch>
+            <a:fillRect/>
+          </a:stretch>
+        </p:blipFill>
+        <p:spPr>
+          <a:xfrm>
+            <a:off x="-5867" y="851079"/>
+            <a:ext cx="6908800" cy="5702300"/>
           </a:xfrm>
           <a:prstGeom prst="rect">
             <a:avLst/>
@@ -11554,4 +17207,24 @@
     </a:ext>
   </a:extLst>
 </a:theme>
+</file>
+
+<file path=ppt/webextensions/taskpanes.xml><?xml version="1.0" encoding="utf-8"?>
+<wetp:taskpanes xmlns:wetp="http://schemas.microsoft.com/office/webextensions/taskpanes/2010/11">
+  <wetp:taskpane dockstate="right" visibility="0" width="350" row="0">
+    <wetp:webextensionref xmlns:r="http://schemas.openxmlformats.org/officeDocument/2006/relationships" r:id="rId1"/>
+  </wetp:taskpane>
+</wetp:taskpanes>
+</file>
+
+<file path=ppt/webextensions/webextension1.xml><?xml version="1.0" encoding="utf-8"?>
+<we:webextension xmlns:we="http://schemas.microsoft.com/office/webextensions/webextension/2010/11" id="{302C4204-8D82-7441-AB9D-3917967AFCAD}">
+  <we:reference id="8bc018e3-f345-40d4-8f1d-97951765d531" version="1.5.0.0" store="EXCatalog" storeType="EXCatalog"/>
+  <we:alternateReferences>
+    <we:reference id="WA104380862" version="1.5.0.0" store="en-US" storeType="OMEX"/>
+  </we:alternateReferences>
+  <we:properties/>
+  <we:bindings/>
+  <we:snapshot xmlns:r="http://schemas.openxmlformats.org/officeDocument/2006/relationships"/>
+</we:webextension>
 </file>